--- a/神经网络修复工作进展.pptx
+++ b/神经网络修复工作进展.pptx
@@ -21,12 +21,13 @@
     <p:sldId id="277" r:id="rId14"/>
     <p:sldId id="268" r:id="rId15"/>
     <p:sldId id="270" r:id="rId16"/>
-    <p:sldId id="266" r:id="rId17"/>
+    <p:sldId id="284" r:id="rId17"/>
+    <p:sldId id="266" r:id="rId18"/>
   </p:sldIdLst>
   <p:sldSz cx="12192000" cy="6858000"/>
   <p:notesSz cx="6858000" cy="9144000"/>
   <p:custDataLst>
-    <p:tags r:id="rId21"/>
+    <p:tags r:id="rId22"/>
   </p:custDataLst>
   <p:defaultTextStyle>
     <a:defPPr>
@@ -123,22 +124,6 @@
       </a:defRPr>
     </a:lvl9pPr>
   </p:defaultTextStyle>
-  <p:extLst>
-    <p:ext uri="{EFAFB233-063F-42B5-8137-9DF3F51BA10A}">
-      <p15:sldGuideLst xmlns:p15="http://schemas.microsoft.com/office/powerpoint/2012/main">
-        <p15:guide id="1" orient="horz" pos="2160" userDrawn="1">
-          <p15:clr>
-            <a:srgbClr val="A4A3A4"/>
-          </p15:clr>
-        </p15:guide>
-        <p15:guide id="2" pos="3840" userDrawn="1">
-          <p15:clr>
-            <a:srgbClr val="A4A3A4"/>
-          </p15:clr>
-        </p15:guide>
-      </p15:sldGuideLst>
-    </p:ext>
-  </p:extLst>
 </p:presentation>
 </file>
 
@@ -2067,6 +2052,92 @@
           <a:bodyPr/>
           <a:lstStyle/>
           <a:p>
+            <a:r>
+              <a:rPr lang="zh-CN" altLang="en-US"/>
+              <a:t>在安全问题中，特征也被称为</a:t>
+            </a:r>
+            <a:r>
+              <a:rPr lang="zh-CN" altLang="en-US"/>
+              <a:t>属性</a:t>
+            </a:r>
+            <a:endParaRPr lang="zh-CN" altLang="en-US"/>
+          </a:p>
+        </p:txBody>
+      </p:sp>
+      <p:sp>
+        <p:nvSpPr>
+          <p:cNvPr id="4" name="灯片编号占位符 3"/>
+          <p:cNvSpPr>
+            <a:spLocks noGrp="1"/>
+          </p:cNvSpPr>
+          <p:nvPr>
+            <p:ph type="sldNum" sz="quarter" idx="10"/>
+          </p:nvPr>
+        </p:nvSpPr>
+        <p:spPr/>
+        <p:txBody>
+          <a:bodyPr/>
+          <a:lstStyle/>
+          <a:p>
+            <a:fld id="{5FD4487E-253C-4F2A-AD3B-D7DF4058A670}" type="slidenum">
+              <a:rPr lang="zh-CN" altLang="en-US" smtClean="0"/>
+            </a:fld>
+            <a:endParaRPr lang="zh-CN" altLang="en-US"/>
+          </a:p>
+        </p:txBody>
+      </p:sp>
+    </p:spTree>
+  </p:cSld>
+  <p:clrMapOvr>
+    <a:masterClrMapping/>
+  </p:clrMapOvr>
+</p:notes>
+</file>
+
+<file path=ppt/notesSlides/notesSlide14.xml><?xml version="1.0" encoding="utf-8"?>
+<p:notes xmlns:a="http://schemas.openxmlformats.org/drawingml/2006/main" xmlns:r="http://schemas.openxmlformats.org/officeDocument/2006/relationships" xmlns:p="http://schemas.openxmlformats.org/presentationml/2006/main">
+  <p:cSld>
+    <p:spTree>
+      <p:nvGrpSpPr>
+        <p:cNvPr id="1" name=""/>
+        <p:cNvGrpSpPr/>
+        <p:nvPr/>
+      </p:nvGrpSpPr>
+      <p:grpSpPr>
+        <a:xfrm>
+          <a:off x="0" y="0"/>
+          <a:ext cx="0" cy="0"/>
+          <a:chOff x="0" y="0"/>
+          <a:chExt cx="0" cy="0"/>
+        </a:xfrm>
+      </p:grpSpPr>
+      <p:sp>
+        <p:nvSpPr>
+          <p:cNvPr id="2" name="幻灯片图像占位符 1"/>
+          <p:cNvSpPr>
+            <a:spLocks noGrp="1" noRot="1" noChangeAspect="1"/>
+          </p:cNvSpPr>
+          <p:nvPr>
+            <p:ph type="sldImg"/>
+          </p:nvPr>
+        </p:nvSpPr>
+        <p:spPr/>
+      </p:sp>
+      <p:sp>
+        <p:nvSpPr>
+          <p:cNvPr id="3" name="备注占位符 2"/>
+          <p:cNvSpPr>
+            <a:spLocks noGrp="1"/>
+          </p:cNvSpPr>
+          <p:nvPr>
+            <p:ph type="body" idx="1"/>
+          </p:nvPr>
+        </p:nvSpPr>
+        <p:spPr/>
+        <p:txBody>
+          <a:bodyPr/>
+          <a:lstStyle/>
+          <a:p>
             <a:endParaRPr lang="zh-CN" altLang="en-US"/>
           </a:p>
         </p:txBody>
@@ -2305,7 +2376,68 @@
           <a:bodyPr/>
           <a:lstStyle/>
           <a:p>
-            <a:endParaRPr lang="zh-CN" altLang="en-US"/>
+            <a:r>
+              <a:rPr lang="en-US" altLang="zh-CN"/>
+              <a:t>1.</a:t>
+            </a:r>
+            <a:r>
+              <a:rPr lang="zh-CN" altLang="en-US"/>
+              <a:t>不同的方法要求的也不同，</a:t>
+            </a:r>
+            <a:r>
+              <a:rPr lang="zh-CN" altLang="en-US"/>
+              <a:t>比如一些方法规定新的网络</a:t>
+            </a:r>
+            <a:r>
+              <a:rPr lang="en-US" altLang="zh-CN"/>
+              <a:t>M</a:t>
+            </a:r>
+            <a:r>
+              <a:rPr lang="zh-CN" altLang="en-US"/>
+              <a:t>和原网络</a:t>
+            </a:r>
+            <a:r>
+              <a:rPr lang="en-US" altLang="zh-CN"/>
+              <a:t>N</a:t>
+            </a:r>
+            <a:r>
+              <a:rPr lang="zh-CN" altLang="en-US">
+                <a:sym typeface="+mn-ea"/>
+              </a:rPr>
+              <a:t>在一定度量下差距</a:t>
+            </a:r>
+            <a:r>
+              <a:rPr lang="zh-CN" altLang="en-US">
+                <a:sym typeface="+mn-ea"/>
+              </a:rPr>
+              <a:t>很小</a:t>
+            </a:r>
+            <a:endParaRPr lang="zh-CN" altLang="en-US">
+              <a:sym typeface="+mn-ea"/>
+            </a:endParaRPr>
+          </a:p>
+          <a:p>
+            <a:r>
+              <a:rPr lang="en-US" altLang="zh-CN">
+                <a:sym typeface="+mn-ea"/>
+              </a:rPr>
+              <a:t>2.</a:t>
+            </a:r>
+            <a:r>
+              <a:rPr lang="zh-CN" altLang="en-US">
+                <a:sym typeface="+mn-ea"/>
+              </a:rPr>
+              <a:t>修复方法可以不限于只修改权重，也可以修改网络的结构</a:t>
+            </a:r>
+            <a:r>
+              <a:rPr lang="zh-CN" altLang="en-US">
+                <a:sym typeface="+mn-ea"/>
+              </a:rPr>
+              <a:t>等</a:t>
+            </a:r>
+            <a:endParaRPr lang="zh-CN" altLang="en-US">
+              <a:sym typeface="+mn-ea"/>
+            </a:endParaRPr>
           </a:p>
         </p:txBody>
       </p:sp>
@@ -2383,7 +2515,86 @@
           <a:bodyPr/>
           <a:lstStyle/>
           <a:p>
-            <a:endParaRPr lang="zh-CN" altLang="en-US"/>
+            <a:r>
+              <a:rPr lang="zh-CN" altLang="en-US" sz="2800"/>
+              <a:t>我们先来简单介绍两个已有的工作，我们后面的工作也是从此入手展开的。首先是</a:t>
+            </a:r>
+            <a:r>
+              <a:rPr lang="en-US" altLang="zh-CN" sz="2800"/>
+              <a:t>ART</a:t>
+            </a:r>
+            <a:endParaRPr lang="zh-CN" altLang="en-US" sz="2800"/>
+          </a:p>
+          <a:p>
+            <a:r>
+              <a:rPr lang="zh-CN" altLang="en-US" sz="2800"/>
+              <a:t>具体来说，这个工作的修复方法是对网络重新训练。训练的过程中会维持一个抽象域和具体域，其中抽象域负责安全性质等需要满足性质的保证，具体域负责网络的准确率。</a:t>
+            </a:r>
+            <a:endParaRPr lang="zh-CN" altLang="en-US" sz="2800"/>
+          </a:p>
+          <a:p>
+            <a:r>
+              <a:rPr lang="zh-CN" altLang="en-US" sz="2800"/>
+              <a:t>神经网络的抽象域接受输入的抽象，也就是输入区间，在通过计算后可以判断输入区间内是否满足安全性质。如果不满足，那么就通过</a:t>
+            </a:r>
+            <a:r>
+              <a:rPr lang="en-US" altLang="zh-CN" sz="2800"/>
+              <a:t>correctness loss </a:t>
+            </a:r>
+            <a:r>
+              <a:rPr lang="zh-CN" altLang="en-US" sz="2800"/>
+              <a:t>去调整神经网络的权重，这里的</a:t>
+            </a:r>
+            <a:r>
+              <a:rPr lang="en-US" altLang="zh-CN" sz="2800"/>
+              <a:t>correctness loss </a:t>
+            </a:r>
+            <a:r>
+              <a:rPr lang="zh-CN" altLang="en-US" sz="2800"/>
+              <a:t>度量的是输入空间距离满足需要满足性质的距离。</a:t>
+            </a:r>
+            <a:endParaRPr lang="zh-CN" altLang="en-US" sz="2800"/>
+          </a:p>
+          <a:p>
+            <a:r>
+              <a:rPr lang="zh-CN" altLang="en-US" sz="2800"/>
+              <a:t>当然，既然是抽象解释的方法，就会有过近似的问题，所以我们这里还会做对输入空间进行</a:t>
+            </a:r>
+            <a:r>
+              <a:rPr lang="en-US" altLang="zh-CN" sz="2800"/>
+              <a:t>refine</a:t>
+            </a:r>
+            <a:r>
+              <a:rPr lang="zh-CN" altLang="en-US" sz="2800"/>
+              <a:t>，也就是分割输入区间，使得过近似变小，然后再放入神经网络里去</a:t>
+            </a:r>
+            <a:r>
+              <a:rPr lang="zh-CN" altLang="en-US" sz="2800"/>
+              <a:t>计算。</a:t>
+            </a:r>
+            <a:endParaRPr lang="zh-CN" altLang="en-US" sz="2800"/>
+          </a:p>
+          <a:p>
+            <a:r>
+              <a:rPr lang="zh-CN" altLang="en-US" sz="2800"/>
+              <a:t>抽象域保证了性质的满足，但它不能保证网络的准确率，因此我们还需要维持一个具体域。这里就是用经典的训练集去训练网络，去保证网络的</a:t>
+            </a:r>
+            <a:r>
+              <a:rPr lang="zh-CN" altLang="en-US" sz="2800"/>
+              <a:t>准确性。</a:t>
+            </a:r>
+            <a:endParaRPr lang="zh-CN" altLang="en-US" sz="2800"/>
+          </a:p>
+          <a:p>
+            <a:r>
+              <a:rPr lang="zh-CN" altLang="en-US" sz="2800"/>
+              <a:t>这两个部分的计算是同时进行的，因此可以既保证准确率，有保证性质</a:t>
+            </a:r>
+            <a:r>
+              <a:rPr lang="zh-CN" altLang="en-US" sz="2800"/>
+              <a:t>可满足。</a:t>
+            </a:r>
+            <a:endParaRPr lang="zh-CN" altLang="en-US" sz="2800"/>
           </a:p>
         </p:txBody>
       </p:sp>
@@ -2462,13 +2673,113 @@
           <a:lstStyle/>
           <a:p>
             <a:r>
+              <a:rPr lang="zh-CN" altLang="en-US"/>
+              <a:t>我们可以通过网络在接受这个数据时各个神经元的激活状态，修复数据所在局部多面体。</a:t>
+            </a:r>
+            <a:endParaRPr lang="zh-CN" altLang="en-US"/>
+          </a:p>
+          <a:p>
+            <a:endParaRPr lang="zh-CN" altLang="en-US"/>
+          </a:p>
+          <a:p>
+            <a:r>
+              <a:rPr lang="zh-CN" altLang="en-US"/>
+              <a:t>针对每个要修复的局部多面体，这个方法会添加一个</a:t>
+            </a:r>
+            <a:r>
               <a:rPr lang="en-US" altLang="zh-CN"/>
-              <a:t>local input region </a:t>
+              <a:t>patch</a:t>
             </a:r>
             <a:r>
               <a:rPr lang="zh-CN" altLang="en-US"/>
-              <a:t>是线性的</a:t>
-            </a:r>
+              <a:t>网络和一个</a:t>
+            </a:r>
+            <a:r>
+              <a:rPr lang="en-US" altLang="zh-CN"/>
+              <a:t>support</a:t>
+            </a:r>
+            <a:r>
+              <a:rPr lang="zh-CN" altLang="en-US"/>
+              <a:t>网络，所以</a:t>
+            </a:r>
+            <a:r>
+              <a:rPr lang="zh-CN" altLang="en-US">
+                <a:sym typeface="+mn-ea"/>
+              </a:rPr>
+              <a:t>这个方法的修复会修改网络的结构</a:t>
+            </a:r>
+            <a:endParaRPr lang="zh-CN" altLang="en-US"/>
+          </a:p>
+          <a:p>
+            <a:endParaRPr lang="zh-CN" altLang="en-US"/>
+          </a:p>
+          <a:p>
+            <a:r>
+              <a:rPr lang="zh-CN" altLang="en-US"/>
+              <a:t>其中</a:t>
+            </a:r>
+            <a:r>
+              <a:rPr lang="en-US" altLang="zh-CN"/>
+              <a:t>support</a:t>
+            </a:r>
+            <a:r>
+              <a:rPr lang="zh-CN" altLang="en-US"/>
+              <a:t>网络作为</a:t>
+            </a:r>
+            <a:r>
+              <a:rPr lang="en-US" altLang="zh-CN"/>
+              <a:t>indicator</a:t>
+            </a:r>
+            <a:r>
+              <a:rPr lang="zh-CN" altLang="en-US"/>
+              <a:t>，或者说特征函数，来判断新的输入是否在这个多面体内。如果是，再用</a:t>
+            </a:r>
+            <a:r>
+              <a:rPr lang="en-US" altLang="zh-CN"/>
+              <a:t>patch</a:t>
+            </a:r>
+            <a:r>
+              <a:rPr lang="zh-CN" altLang="en-US"/>
+              <a:t>网络对结果进行修复，其中</a:t>
+            </a:r>
+            <a:r>
+              <a:rPr lang="en-US" altLang="zh-CN"/>
+              <a:t>patch</a:t>
+            </a:r>
+            <a:r>
+              <a:rPr lang="zh-CN" altLang="en-US"/>
+              <a:t>网络是一个线性函数。</a:t>
+            </a:r>
+            <a:endParaRPr lang="zh-CN" altLang="en-US"/>
+          </a:p>
+          <a:p>
+            <a:endParaRPr lang="zh-CN" altLang="en-US"/>
+          </a:p>
+          <a:p>
+            <a:r>
+              <a:rPr lang="zh-CN" altLang="en-US">
+                <a:sym typeface="+mn-ea"/>
+              </a:rPr>
+              <a:t>因为在神经元激活状态固定的情况下，神经网络是一个线性函数，因此使用</a:t>
+            </a:r>
+            <a:r>
+              <a:rPr lang="zh-CN" altLang="en-US">
+                <a:sym typeface="+mn-ea"/>
+              </a:rPr>
+              <a:t>线性函数可以有保证的修复，使得网络满足需要的性质</a:t>
+            </a:r>
+            <a:endParaRPr lang="en-US" altLang="zh-CN"/>
+          </a:p>
+          <a:p>
+            <a:endParaRPr lang="zh-CN" altLang="en-US"/>
+          </a:p>
+          <a:p>
+            <a:endParaRPr lang="zh-CN" altLang="en-US"/>
+          </a:p>
+          <a:p>
+            <a:endParaRPr lang="en-US" altLang="zh-CN"/>
+          </a:p>
+          <a:p>
             <a:endParaRPr lang="zh-CN" altLang="en-US"/>
           </a:p>
         </p:txBody>
@@ -2703,7 +3014,195 @@
           <a:bodyPr/>
           <a:lstStyle/>
           <a:p>
-            <a:endParaRPr lang="zh-CN" altLang="en-US"/>
+            <a:r>
+              <a:rPr lang="zh-CN" altLang="en-US"/>
+              <a:t>一个想法是基于我们组最近的一个增量验证的工作，</a:t>
+            </a:r>
+            <a:r>
+              <a:rPr lang="zh-CN" altLang="en-US">
+                <a:sym typeface="+mn-ea"/>
+              </a:rPr>
+              <a:t>对</a:t>
+            </a:r>
+            <a:r>
+              <a:rPr lang="en-US" altLang="zh-CN">
+                <a:sym typeface="+mn-ea"/>
+              </a:rPr>
+              <a:t>ART</a:t>
+            </a:r>
+            <a:r>
+              <a:rPr lang="zh-CN" altLang="en-US">
+                <a:sym typeface="+mn-ea"/>
+              </a:rPr>
+              <a:t>框架进行了扩展。这个增量验证</a:t>
+            </a:r>
+            <a:r>
+              <a:rPr lang="zh-CN" altLang="en-US">
+                <a:sym typeface="+mn-ea"/>
+              </a:rPr>
+              <a:t>的工作现在还在投稿</a:t>
+            </a:r>
+            <a:r>
+              <a:rPr lang="zh-CN" altLang="en-US">
+                <a:sym typeface="+mn-ea"/>
+              </a:rPr>
+              <a:t>中。</a:t>
+            </a:r>
+            <a:endParaRPr lang="zh-CN" altLang="en-US">
+              <a:sym typeface="+mn-ea"/>
+            </a:endParaRPr>
+          </a:p>
+          <a:p>
+            <a:endParaRPr lang="zh-CN" altLang="en-US">
+              <a:sym typeface="+mn-ea"/>
+            </a:endParaRPr>
+          </a:p>
+          <a:p>
+            <a:r>
+              <a:rPr lang="zh-CN" altLang="en-US">
+                <a:sym typeface="+mn-ea"/>
+              </a:rPr>
+              <a:t>增量验证的应用情景是假设有一个网络和一个待满足的性质，我们通过已有的基于约束求解</a:t>
+            </a:r>
+            <a:r>
+              <a:rPr lang="en-US" altLang="zh-CN">
+                <a:sym typeface="+mn-ea"/>
+              </a:rPr>
+              <a:t>SMT</a:t>
+            </a:r>
+            <a:r>
+              <a:rPr lang="zh-CN" altLang="en-US">
+                <a:sym typeface="+mn-ea"/>
+              </a:rPr>
+              <a:t>的验证工具进行求解，会得到中间结果的搜索树和最后的验证结果。</a:t>
+            </a:r>
+            <a:endParaRPr lang="zh-CN" altLang="en-US">
+              <a:sym typeface="+mn-ea"/>
+            </a:endParaRPr>
+          </a:p>
+          <a:p>
+            <a:endParaRPr lang="zh-CN" altLang="en-US">
+              <a:sym typeface="+mn-ea"/>
+            </a:endParaRPr>
+          </a:p>
+          <a:p>
+            <a:r>
+              <a:rPr lang="zh-CN" altLang="en-US">
+                <a:sym typeface="+mn-ea"/>
+              </a:rPr>
+              <a:t>如果网络因为</a:t>
+            </a:r>
+            <a:r>
+              <a:rPr lang="zh-CN" altLang="en-US">
+                <a:sym typeface="+mn-ea"/>
+              </a:rPr>
+              <a:t>其他性质不满足</a:t>
+            </a:r>
+            <a:r>
+              <a:rPr lang="zh-CN" altLang="en-US">
+                <a:sym typeface="+mn-ea"/>
+              </a:rPr>
+              <a:t>等原因被一些工具修复，导致网络权重发生了变动，我们就需要对网络进行重新验证，判断它是否真的被修复成功，或者修复别的性质影响了这个性质的可满足</a:t>
+            </a:r>
+            <a:r>
+              <a:rPr lang="zh-CN" altLang="en-US">
+                <a:sym typeface="+mn-ea"/>
+              </a:rPr>
+              <a:t>性。</a:t>
+            </a:r>
+            <a:endParaRPr lang="zh-CN" altLang="en-US">
+              <a:sym typeface="+mn-ea"/>
+            </a:endParaRPr>
+          </a:p>
+          <a:p>
+            <a:endParaRPr lang="zh-CN" altLang="en-US">
+              <a:sym typeface="+mn-ea"/>
+            </a:endParaRPr>
+          </a:p>
+          <a:p>
+            <a:r>
+              <a:rPr lang="zh-CN" altLang="en-US">
+                <a:sym typeface="+mn-ea"/>
+              </a:rPr>
+              <a:t>那么这个时候第一次验证的中间结果，也就是搜索树就可以被利用上了。在网络增量的情况利用已有的验证结果辅助验证，就是增量验证问题中要解决的</a:t>
+            </a:r>
+            <a:r>
+              <a:rPr lang="zh-CN" altLang="en-US">
+                <a:sym typeface="+mn-ea"/>
+              </a:rPr>
+              <a:t>问题。</a:t>
+            </a:r>
+            <a:endParaRPr lang="zh-CN" altLang="en-US">
+              <a:sym typeface="+mn-ea"/>
+            </a:endParaRPr>
+          </a:p>
+          <a:p>
+            <a:endParaRPr lang="zh-CN" altLang="en-US">
+              <a:sym typeface="+mn-ea"/>
+            </a:endParaRPr>
+          </a:p>
+          <a:p>
+            <a:r>
+              <a:rPr lang="zh-CN" altLang="en-US">
+                <a:sym typeface="+mn-ea"/>
+              </a:rPr>
+              <a:t>与之配套，我们提出了一个基于</a:t>
+            </a:r>
+            <a:r>
+              <a:rPr lang="en-US" altLang="zh-CN">
+                <a:sym typeface="+mn-ea"/>
+              </a:rPr>
+              <a:t>ART</a:t>
+            </a:r>
+            <a:r>
+              <a:rPr lang="zh-CN" altLang="en-US">
+                <a:sym typeface="+mn-ea"/>
+              </a:rPr>
+              <a:t>的修复框架，可以和我们的增量验证工具去结合达到快速验证网络的目的。这个框架的改动并不难，就是在</a:t>
+            </a:r>
+            <a:r>
+              <a:rPr lang="en-US" altLang="zh-CN">
+                <a:sym typeface="+mn-ea"/>
+              </a:rPr>
+              <a:t>ART</a:t>
+            </a:r>
+            <a:r>
+              <a:rPr lang="zh-CN" altLang="en-US">
+                <a:sym typeface="+mn-ea"/>
+              </a:rPr>
+              <a:t>的训练过中对更新的权重进行裁剪，控制它权重的变动幅度，以配合我们的增量验证工具进行快速</a:t>
+            </a:r>
+            <a:r>
+              <a:rPr lang="zh-CN" altLang="en-US">
+                <a:sym typeface="+mn-ea"/>
+              </a:rPr>
+              <a:t>验证。</a:t>
+            </a:r>
+            <a:endParaRPr lang="zh-CN" altLang="en-US">
+              <a:sym typeface="+mn-ea"/>
+            </a:endParaRPr>
+          </a:p>
+          <a:p>
+            <a:endParaRPr lang="zh-CN" altLang="en-US">
+              <a:sym typeface="+mn-ea"/>
+            </a:endParaRPr>
+          </a:p>
+          <a:p>
+            <a:r>
+              <a:rPr lang="zh-CN" altLang="en-US">
+                <a:sym typeface="+mn-ea"/>
+              </a:rPr>
+              <a:t>这个想法在实验的过程中发现还有一些缺陷，比如网络一直不能收敛到满足性质，后面计划再考虑一些方法去改进</a:t>
+            </a:r>
+            <a:r>
+              <a:rPr lang="zh-CN" altLang="en-US">
+                <a:sym typeface="+mn-ea"/>
+              </a:rPr>
+              <a:t>它。</a:t>
+            </a:r>
+            <a:endParaRPr lang="zh-CN" altLang="en-US">
+              <a:sym typeface="+mn-ea"/>
+            </a:endParaRPr>
           </a:p>
         </p:txBody>
       </p:sp>
@@ -9175,6 +9674,625 @@
 <file path=ppt/slides/slide14.xml><?xml version="1.0" encoding="utf-8"?>
 <p:sld xmlns:a="http://schemas.openxmlformats.org/drawingml/2006/main" xmlns:r="http://schemas.openxmlformats.org/officeDocument/2006/relationships" xmlns:p="http://schemas.openxmlformats.org/presentationml/2006/main">
   <p:cSld>
+    <p:spTree>
+      <p:nvGrpSpPr>
+        <p:cNvPr id="1" name=""/>
+        <p:cNvGrpSpPr/>
+        <p:nvPr/>
+      </p:nvGrpSpPr>
+      <p:grpSpPr>
+        <a:xfrm>
+          <a:off x="0" y="0"/>
+          <a:ext cx="0" cy="0"/>
+          <a:chOff x="0" y="0"/>
+          <a:chExt cx="0" cy="0"/>
+        </a:xfrm>
+      </p:grpSpPr>
+      <p:sp>
+        <p:nvSpPr>
+          <p:cNvPr id="2" name="标题 1"/>
+          <p:cNvSpPr>
+            <a:spLocks noGrp="1"/>
+          </p:cNvSpPr>
+          <p:nvPr>
+            <p:ph type="title"/>
+          </p:nvPr>
+        </p:nvSpPr>
+        <p:spPr>
+          <a:xfrm>
+            <a:off x="838200" y="0"/>
+            <a:ext cx="10515600" cy="1021543"/>
+          </a:xfrm>
+        </p:spPr>
+        <p:txBody>
+          <a:bodyPr/>
+          <a:lstStyle/>
+          <a:p>
+            <a:r>
+              <a:rPr lang="zh-CN" altLang="en-US" dirty="0"/>
+              <a:t>神经网络修复</a:t>
+            </a:r>
+            <a:r>
+              <a:rPr lang="zh-CN" altLang="en-US" dirty="0"/>
+              <a:t>问题</a:t>
+            </a:r>
+            <a:endParaRPr lang="zh-CN" altLang="en-US" dirty="0"/>
+          </a:p>
+        </p:txBody>
+      </p:sp>
+      <mc:AlternateContent xmlns:mc="http://schemas.openxmlformats.org/markup-compatibility/2006">
+        <mc:Choice xmlns:a14="http://schemas.microsoft.com/office/drawing/2010/main" Requires="a14">
+          <p:sp>
+            <p:nvSpPr>
+              <p:cNvPr id="3" name="内容占位符 2"/>
+              <p:cNvSpPr>
+                <a:spLocks noGrp="1"/>
+              </p:cNvSpPr>
+              <p:nvPr>
+                <p:ph idx="1"/>
+              </p:nvPr>
+            </p:nvSpPr>
+            <p:spPr/>
+            <p:txBody>
+              <a:bodyPr/>
+              <a:lstStyle/>
+              <a:p>
+                <a:r>
+                  <a:rPr lang="zh-CN" altLang="en-US" dirty="0"/>
+                  <a:t>假设数据集</a:t>
+                </a:r>
+                <a:r>
+                  <a:rPr lang="en-US" altLang="zh-CN" dirty="0"/>
+                  <a:t> D </a:t>
+                </a:r>
+                <a:r>
+                  <a:rPr lang="zh-CN" altLang="en-US" dirty="0"/>
+                  <a:t>有</a:t>
+                </a:r>
+                <a:r>
+                  <a:rPr lang="en-US" altLang="zh-CN" dirty="0"/>
+                  <a:t> n </a:t>
+                </a:r>
+                <a:r>
+                  <a:rPr lang="zh-CN" altLang="en-US" dirty="0"/>
+                  <a:t>个数据实例</a:t>
+                </a:r>
+                <a:r>
+                  <a:rPr lang="en-US" altLang="zh-CN" dirty="0"/>
+                  <a:t>,</a:t>
+                </a:r>
+                <a:r>
+                  <a:rPr lang="zh-CN" altLang="en-US" dirty="0"/>
+                  <a:t>每个数据实例</a:t>
+                </a:r>
+                <a14:m>
+                  <m:oMath xmlns:m="http://schemas.openxmlformats.org/officeDocument/2006/math">
+                    <m:r>
+                      <a:rPr lang="en-US" altLang="zh-CN" i="1" dirty="0">
+                        <a:latin typeface="Cambria Math" panose="02040503050406030204" charset="0"/>
+                        <a:cs typeface="Cambria Math" panose="02040503050406030204" charset="0"/>
+                      </a:rPr>
+                      <m:t> </m:t>
+                    </m:r>
+                    <m:r>
+                      <a:rPr lang="en-US" altLang="zh-CN" i="1" dirty="0">
+                        <a:latin typeface="Cambria Math" panose="02040503050406030204" charset="0"/>
+                        <a:cs typeface="Cambria Math" panose="02040503050406030204" charset="0"/>
+                      </a:rPr>
+                      <m:t>𝑥</m:t>
+                    </m:r>
+                  </m:oMath>
+                </a14:m>
+                <a:r>
+                  <a:rPr lang="en-US" altLang="zh-CN" dirty="0"/>
+                  <a:t> </a:t>
+                </a:r>
+                <a:r>
+                  <a:rPr lang="zh-CN" altLang="en-US" dirty="0"/>
+                  <a:t>表示为</a:t>
+                </a:r>
+                <a14:m>
+                  <m:oMath xmlns:m="http://schemas.openxmlformats.org/officeDocument/2006/math">
+                    <m:r>
+                      <a:rPr lang="en-US" altLang="zh-CN" i="1" dirty="0">
+                        <a:latin typeface="Cambria Math" panose="02040503050406030204" charset="0"/>
+                        <a:cs typeface="Cambria Math" panose="02040503050406030204" charset="0"/>
+                      </a:rPr>
+                      <m:t> (</m:t>
+                    </m:r>
+                    <m:sSub>
+                      <m:sSubPr>
+                        <m:ctrlPr>
+                          <a:rPr lang="en-US" altLang="zh-CN" i="1" dirty="0">
+                            <a:latin typeface="Cambria Math" panose="02040503050406030204" charset="0"/>
+                            <a:cs typeface="Cambria Math" panose="02040503050406030204" charset="0"/>
+                          </a:rPr>
+                        </m:ctrlPr>
+                      </m:sSubPr>
+                      <m:e>
+                        <m:r>
+                          <a:rPr lang="en-US" altLang="zh-CN" i="1" dirty="0">
+                            <a:latin typeface="Cambria Math" panose="02040503050406030204" charset="0"/>
+                            <a:cs typeface="Cambria Math" panose="02040503050406030204" charset="0"/>
+                          </a:rPr>
+                          <m:t>𝑥</m:t>
+                        </m:r>
+                      </m:e>
+                      <m:sub>
+                        <m:r>
+                          <a:rPr lang="en-US" altLang="zh-CN" i="1" dirty="0">
+                            <a:latin typeface="Cambria Math" panose="02040503050406030204" charset="0"/>
+                            <a:cs typeface="Cambria Math" panose="02040503050406030204" charset="0"/>
+                          </a:rPr>
+                          <m:t>1</m:t>
+                        </m:r>
+                      </m:sub>
+                    </m:sSub>
+                    <m:r>
+                      <a:rPr lang="en-US" altLang="zh-CN" i="1" dirty="0">
+                        <a:latin typeface="Cambria Math" panose="02040503050406030204" charset="0"/>
+                        <a:cs typeface="Cambria Math" panose="02040503050406030204" charset="0"/>
+                      </a:rPr>
+                      <m:t>,</m:t>
+                    </m:r>
+                    <m:r>
+                      <a:rPr lang="en-US" altLang="zh-CN" i="1" dirty="0">
+                        <a:latin typeface="Cambria Math" panose="02040503050406030204" charset="0"/>
+                        <a:cs typeface="Cambria Math" panose="02040503050406030204" charset="0"/>
+                      </a:rPr>
+                      <m:t>⋯,</m:t>
+                    </m:r>
+                    <m:sSub>
+                      <m:sSubPr>
+                        <m:ctrlPr>
+                          <a:rPr lang="en-US" altLang="zh-CN" i="1" dirty="0">
+                            <a:latin typeface="Cambria Math" panose="02040503050406030204" charset="0"/>
+                            <a:cs typeface="Cambria Math" panose="02040503050406030204" charset="0"/>
+                          </a:rPr>
+                        </m:ctrlPr>
+                      </m:sSubPr>
+                      <m:e>
+                        <m:r>
+                          <a:rPr lang="en-US" altLang="zh-CN" i="1" dirty="0">
+                            <a:latin typeface="Cambria Math" panose="02040503050406030204" charset="0"/>
+                            <a:cs typeface="Cambria Math" panose="02040503050406030204" charset="0"/>
+                          </a:rPr>
+                          <m:t>𝑥</m:t>
+                        </m:r>
+                      </m:e>
+                      <m:sub>
+                        <m:r>
+                          <a:rPr lang="en-US" altLang="zh-CN" i="1" dirty="0">
+                            <a:latin typeface="Cambria Math" panose="02040503050406030204" charset="0"/>
+                            <a:cs typeface="Cambria Math" panose="02040503050406030204" charset="0"/>
+                          </a:rPr>
+                          <m:t>𝑡</m:t>
+                        </m:r>
+                      </m:sub>
+                    </m:sSub>
+                    <m:r>
+                      <a:rPr lang="en-US" altLang="zh-CN" i="1" dirty="0">
+                        <a:latin typeface="Cambria Math" panose="02040503050406030204" charset="0"/>
+                        <a:cs typeface="Cambria Math" panose="02040503050406030204" charset="0"/>
+                      </a:rPr>
+                      <m:t>)</m:t>
+                    </m:r>
+                  </m:oMath>
+                </a14:m>
+                <a:endParaRPr lang="en-US" altLang="zh-CN" i="1" dirty="0">
+                  <a:latin typeface="Cambria Math" panose="02040503050406030204" charset="0"/>
+                  <a:cs typeface="Cambria Math" panose="02040503050406030204" charset="0"/>
+                </a:endParaRPr>
+              </a:p>
+              <a:p>
+                <a:endParaRPr lang="en-US" altLang="zh-CN" i="1" dirty="0">
+                  <a:latin typeface="Cambria Math" panose="02040503050406030204" charset="0"/>
+                  <a:cs typeface="Cambria Math" panose="02040503050406030204" charset="0"/>
+                </a:endParaRPr>
+              </a:p>
+              <a:p>
+                <a:r>
+                  <a:rPr lang="zh-CN" altLang="en-US" dirty="0"/>
+                  <a:t>数据的特征</a:t>
+                </a:r>
+                <a:r>
+                  <a:rPr lang="en-US" altLang="zh-CN" dirty="0"/>
+                  <a:t>(</a:t>
+                </a:r>
+                <a:r>
+                  <a:rPr lang="zh-CN" altLang="en-US" dirty="0"/>
+                  <a:t>属性</a:t>
+                </a:r>
+                <a:r>
+                  <a:rPr lang="en-US" altLang="zh-CN" dirty="0"/>
+                  <a:t>)</a:t>
+                </a:r>
+                <a:r>
+                  <a:rPr lang="zh-CN" altLang="en-US" dirty="0"/>
+                  <a:t>集合为</a:t>
+                </a:r>
+                <a:r>
+                  <a:rPr lang="en-US" altLang="zh-CN" dirty="0"/>
+                  <a:t>: </a:t>
+                </a:r>
+                <a14:m>
+                  <m:oMath xmlns:m="http://schemas.openxmlformats.org/officeDocument/2006/math">
+                    <m:r>
+                      <a:rPr lang="en-US" altLang="zh-CN" i="1" dirty="0">
+                        <a:latin typeface="Cambria Math" panose="02040503050406030204" charset="0"/>
+                        <a:cs typeface="Cambria Math" panose="02040503050406030204" charset="0"/>
+                      </a:rPr>
+                      <m:t>𝐴</m:t>
+                    </m:r>
+                    <m:r>
+                      <a:rPr lang="en-US" altLang="zh-CN" i="1" dirty="0">
+                        <a:latin typeface="Cambria Math" panose="02040503050406030204" charset="0"/>
+                        <a:cs typeface="Cambria Math" panose="02040503050406030204" charset="0"/>
+                      </a:rPr>
+                      <m:t> ={</m:t>
+                    </m:r>
+                    <m:sSub>
+                      <m:sSubPr>
+                        <m:ctrlPr>
+                          <a:rPr lang="en-US" altLang="zh-CN" i="1" dirty="0">
+                            <a:latin typeface="Cambria Math" panose="02040503050406030204" charset="0"/>
+                            <a:cs typeface="Cambria Math" panose="02040503050406030204" charset="0"/>
+                          </a:rPr>
+                        </m:ctrlPr>
+                      </m:sSubPr>
+                      <m:e>
+                        <m:r>
+                          <a:rPr lang="en-US" altLang="zh-CN" i="1" dirty="0">
+                            <a:latin typeface="Cambria Math" panose="02040503050406030204" charset="0"/>
+                            <a:cs typeface="Cambria Math" panose="02040503050406030204" charset="0"/>
+                          </a:rPr>
+                          <m:t>𝐴</m:t>
+                        </m:r>
+                      </m:e>
+                      <m:sub>
+                        <m:r>
+                          <a:rPr lang="en-US" altLang="zh-CN" i="1" dirty="0">
+                            <a:latin typeface="Cambria Math" panose="02040503050406030204" charset="0"/>
+                            <a:cs typeface="Cambria Math" panose="02040503050406030204" charset="0"/>
+                          </a:rPr>
+                          <m:t>1</m:t>
+                        </m:r>
+                      </m:sub>
+                    </m:sSub>
+                    <m:r>
+                      <a:rPr lang="en-US" altLang="zh-CN" i="1" dirty="0">
+                        <a:latin typeface="Cambria Math" panose="02040503050406030204" charset="0"/>
+                        <a:cs typeface="Cambria Math" panose="02040503050406030204" charset="0"/>
+                      </a:rPr>
+                      <m:t>,⋯,</m:t>
+                    </m:r>
+                    <m:sSub>
+                      <m:sSubPr>
+                        <m:ctrlPr>
+                          <a:rPr lang="en-US" altLang="zh-CN" i="1" dirty="0">
+                            <a:latin typeface="Cambria Math" panose="02040503050406030204" charset="0"/>
+                            <a:cs typeface="Cambria Math" panose="02040503050406030204" charset="0"/>
+                          </a:rPr>
+                        </m:ctrlPr>
+                      </m:sSubPr>
+                      <m:e>
+                        <m:r>
+                          <a:rPr lang="en-US" altLang="zh-CN" i="1" dirty="0">
+                            <a:latin typeface="Cambria Math" panose="02040503050406030204" charset="0"/>
+                            <a:cs typeface="Cambria Math" panose="02040503050406030204" charset="0"/>
+                          </a:rPr>
+                          <m:t>𝐴</m:t>
+                        </m:r>
+                      </m:e>
+                      <m:sub>
+                        <m:r>
+                          <a:rPr lang="en-US" altLang="zh-CN" i="1" dirty="0">
+                            <a:latin typeface="Cambria Math" panose="02040503050406030204" charset="0"/>
+                            <a:cs typeface="Cambria Math" panose="02040503050406030204" charset="0"/>
+                          </a:rPr>
+                          <m:t>𝑡</m:t>
+                        </m:r>
+                      </m:sub>
+                    </m:sSub>
+                    <m:r>
+                      <a:rPr lang="en-US" altLang="zh-CN" i="1" dirty="0">
+                        <a:latin typeface="Cambria Math" panose="02040503050406030204" charset="0"/>
+                        <a:cs typeface="Cambria Math" panose="02040503050406030204" charset="0"/>
+                      </a:rPr>
+                      <m:t>} </m:t>
+                    </m:r>
+                  </m:oMath>
+                </a14:m>
+                <a:r>
+                  <a:rPr lang="zh-CN" altLang="en-US" dirty="0">
+                    <a:latin typeface="Cambria Math" panose="02040503050406030204" charset="0"/>
+                    <a:cs typeface="Cambria Math" panose="02040503050406030204" charset="0"/>
+                  </a:rPr>
+                  <a:t>；在实际问题中，每个属性都有一个定义域</a:t>
+                </a:r>
+                <a:r>
+                  <a:rPr lang="en-US" altLang="zh-CN" dirty="0">
+                    <a:latin typeface="Cambria Math" panose="02040503050406030204" charset="0"/>
+                    <a:cs typeface="Cambria Math" panose="02040503050406030204" charset="0"/>
+                  </a:rPr>
+                  <a:t>  </a:t>
+                </a:r>
+                <a14:m>
+                  <m:oMath xmlns:m="http://schemas.openxmlformats.org/officeDocument/2006/math">
+                    <m:r>
+                      <a:rPr lang="en-US" altLang="zh-CN" i="1" dirty="0">
+                        <a:latin typeface="Cambria Math" panose="02040503050406030204" charset="0"/>
+                        <a:cs typeface="Cambria Math" panose="02040503050406030204" charset="0"/>
+                      </a:rPr>
+                      <m:t>𝐼</m:t>
+                    </m:r>
+                    <m:r>
+                      <a:rPr lang="en-US" altLang="zh-CN" i="1" dirty="0">
+                        <a:latin typeface="Cambria Math" panose="02040503050406030204" charset="0"/>
+                        <a:cs typeface="Cambria Math" panose="02040503050406030204" charset="0"/>
+                      </a:rPr>
+                      <m:t> ={</m:t>
+                    </m:r>
+                    <m:sSub>
+                      <m:sSubPr>
+                        <m:ctrlPr>
+                          <a:rPr lang="en-US" altLang="zh-CN" i="1" dirty="0">
+                            <a:latin typeface="Cambria Math" panose="02040503050406030204" charset="0"/>
+                            <a:cs typeface="Cambria Math" panose="02040503050406030204" charset="0"/>
+                          </a:rPr>
+                        </m:ctrlPr>
+                      </m:sSubPr>
+                      <m:e>
+                        <m:r>
+                          <a:rPr lang="en-US" altLang="zh-CN" i="1" dirty="0">
+                            <a:latin typeface="Cambria Math" panose="02040503050406030204" charset="0"/>
+                            <a:cs typeface="Cambria Math" panose="02040503050406030204" charset="0"/>
+                          </a:rPr>
+                          <m:t>𝐼</m:t>
+                        </m:r>
+                      </m:e>
+                      <m:sub>
+                        <m:r>
+                          <a:rPr lang="en-US" altLang="zh-CN" i="1" dirty="0">
+                            <a:latin typeface="Cambria Math" panose="02040503050406030204" charset="0"/>
+                            <a:cs typeface="Cambria Math" panose="02040503050406030204" charset="0"/>
+                          </a:rPr>
+                          <m:t>1</m:t>
+                        </m:r>
+                      </m:sub>
+                    </m:sSub>
+                    <m:r>
+                      <a:rPr lang="en-US" altLang="zh-CN" i="1" dirty="0">
+                        <a:latin typeface="Cambria Math" panose="02040503050406030204" charset="0"/>
+                        <a:cs typeface="Cambria Math" panose="02040503050406030204" charset="0"/>
+                      </a:rPr>
+                      <m:t>,⋯,</m:t>
+                    </m:r>
+                    <m:sSub>
+                      <m:sSubPr>
+                        <m:ctrlPr>
+                          <a:rPr lang="en-US" altLang="zh-CN" i="1" dirty="0">
+                            <a:latin typeface="Cambria Math" panose="02040503050406030204" charset="0"/>
+                            <a:cs typeface="Cambria Math" panose="02040503050406030204" charset="0"/>
+                          </a:rPr>
+                        </m:ctrlPr>
+                      </m:sSubPr>
+                      <m:e>
+                        <m:r>
+                          <a:rPr lang="en-US" altLang="zh-CN" i="1" dirty="0">
+                            <a:latin typeface="Cambria Math" panose="02040503050406030204" charset="0"/>
+                            <a:cs typeface="Cambria Math" panose="02040503050406030204" charset="0"/>
+                          </a:rPr>
+                          <m:t>𝐼</m:t>
+                        </m:r>
+                      </m:e>
+                      <m:sub>
+                        <m:r>
+                          <a:rPr lang="en-US" altLang="zh-CN" i="1" dirty="0">
+                            <a:latin typeface="Cambria Math" panose="02040503050406030204" charset="0"/>
+                            <a:cs typeface="Cambria Math" panose="02040503050406030204" charset="0"/>
+                          </a:rPr>
+                          <m:t>𝑡</m:t>
+                        </m:r>
+                      </m:sub>
+                    </m:sSub>
+                    <m:r>
+                      <a:rPr lang="en-US" altLang="zh-CN" i="1" dirty="0">
+                        <a:latin typeface="Cambria Math" panose="02040503050406030204" charset="0"/>
+                        <a:cs typeface="Cambria Math" panose="02040503050406030204" charset="0"/>
+                      </a:rPr>
+                      <m:t>}</m:t>
+                    </m:r>
+                  </m:oMath>
+                </a14:m>
+                <a:r>
+                  <a:rPr lang="en-US" altLang="zh-CN" dirty="0">
+                    <a:latin typeface="Cambria Math" panose="02040503050406030204" charset="0"/>
+                    <a:cs typeface="Cambria Math" panose="02040503050406030204" charset="0"/>
+                  </a:rPr>
+                  <a:t> , </a:t>
+                </a:r>
+                <a:r>
+                  <a:rPr lang="zh-CN" altLang="en-US" dirty="0">
+                    <a:latin typeface="Cambria Math" panose="02040503050406030204" charset="0"/>
+                    <a:cs typeface="Cambria Math" panose="02040503050406030204" charset="0"/>
+                  </a:rPr>
+                  <a:t>其中</a:t>
+                </a:r>
+                <a:r>
+                  <a:rPr lang="en-US" altLang="zh-CN" dirty="0">
+                    <a:latin typeface="Cambria Math" panose="02040503050406030204" charset="0"/>
+                    <a:cs typeface="Cambria Math" panose="02040503050406030204" charset="0"/>
+                  </a:rPr>
+                  <a:t> </a:t>
+                </a:r>
+                <a14:m>
+                  <m:oMath xmlns:m="http://schemas.openxmlformats.org/officeDocument/2006/math">
+                    <m:sSub>
+                      <m:sSubPr>
+                        <m:ctrlPr>
+                          <a:rPr lang="en-US" altLang="zh-CN" i="1" dirty="0">
+                            <a:latin typeface="Cambria Math" panose="02040503050406030204" charset="0"/>
+                            <a:cs typeface="Cambria Math" panose="02040503050406030204" charset="0"/>
+                          </a:rPr>
+                        </m:ctrlPr>
+                      </m:sSubPr>
+                      <m:e>
+                        <m:r>
+                          <a:rPr lang="en-US" altLang="zh-CN" i="1" dirty="0">
+                            <a:latin typeface="Cambria Math" panose="02040503050406030204" charset="0"/>
+                            <a:cs typeface="Cambria Math" panose="02040503050406030204" charset="0"/>
+                          </a:rPr>
+                          <m:t>𝐴</m:t>
+                        </m:r>
+                      </m:e>
+                      <m:sub>
+                        <m:r>
+                          <a:rPr lang="en-US" altLang="zh-CN" i="1" dirty="0">
+                            <a:latin typeface="Cambria Math" panose="02040503050406030204" charset="0"/>
+                            <a:cs typeface="Cambria Math" panose="02040503050406030204" charset="0"/>
+                          </a:rPr>
+                          <m:t>𝑖</m:t>
+                        </m:r>
+                      </m:sub>
+                    </m:sSub>
+                    <m:r>
+                      <a:rPr lang="en-US" altLang="zh-CN" i="1" dirty="0">
+                        <a:latin typeface="Cambria Math" panose="02040503050406030204" charset="0"/>
+                        <a:cs typeface="Cambria Math" panose="02040503050406030204" charset="0"/>
+                      </a:rPr>
+                      <m:t> ={</m:t>
+                    </m:r>
+                    <m:r>
+                      <a:rPr lang="en-US" altLang="zh-CN" i="1" dirty="0">
+                        <a:latin typeface="Cambria Math" panose="02040503050406030204" charset="0"/>
+                        <a:cs typeface="Cambria Math" panose="02040503050406030204" charset="0"/>
+                      </a:rPr>
+                      <m:t>𝑎</m:t>
+                    </m:r>
+                    <m:r>
+                      <a:rPr lang="en-US" altLang="zh-CN" i="1" dirty="0">
+                        <a:latin typeface="Cambria Math" panose="02040503050406030204" charset="0"/>
+                        <a:cs typeface="Cambria Math" panose="02040503050406030204" charset="0"/>
+                      </a:rPr>
+                      <m:t> ∈</m:t>
+                    </m:r>
+                    <m:sSub>
+                      <m:sSubPr>
+                        <m:ctrlPr>
+                          <a:rPr lang="en-US" altLang="zh-CN" i="1" dirty="0">
+                            <a:latin typeface="Cambria Math" panose="02040503050406030204" charset="0"/>
+                            <a:cs typeface="Cambria Math" panose="02040503050406030204" charset="0"/>
+                          </a:rPr>
+                        </m:ctrlPr>
+                      </m:sSubPr>
+                      <m:e>
+                        <m:r>
+                          <a:rPr lang="en-US" altLang="zh-CN" i="1" dirty="0">
+                            <a:latin typeface="Cambria Math" panose="02040503050406030204" charset="0"/>
+                            <a:cs typeface="Cambria Math" panose="02040503050406030204" charset="0"/>
+                          </a:rPr>
+                          <m:t>𝐼</m:t>
+                        </m:r>
+                      </m:e>
+                      <m:sub>
+                        <m:r>
+                          <a:rPr lang="en-US" altLang="zh-CN" i="1" dirty="0">
+                            <a:latin typeface="Cambria Math" panose="02040503050406030204" charset="0"/>
+                            <a:cs typeface="Cambria Math" panose="02040503050406030204" charset="0"/>
+                          </a:rPr>
+                          <m:t>𝑖</m:t>
+                        </m:r>
+                      </m:sub>
+                    </m:sSub>
+                    <m:r>
+                      <a:rPr lang="en-US" altLang="zh-CN" i="1" dirty="0">
+                        <a:latin typeface="Cambria Math" panose="02040503050406030204" charset="0"/>
+                        <a:cs typeface="Cambria Math" panose="02040503050406030204" charset="0"/>
+                      </a:rPr>
+                      <m:t>}</m:t>
+                    </m:r>
+                  </m:oMath>
+                </a14:m>
+                <a:r>
+                  <a:rPr lang="en-US" altLang="zh-CN" dirty="0">
+                    <a:latin typeface="Cambria Math" panose="02040503050406030204" charset="0"/>
+                    <a:cs typeface="Cambria Math" panose="02040503050406030204" charset="0"/>
+                  </a:rPr>
+                  <a:t> </a:t>
+                </a:r>
+                <a:endParaRPr lang="en-US" altLang="zh-CN" dirty="0">
+                  <a:latin typeface="Cambria Math" panose="02040503050406030204" charset="0"/>
+                  <a:cs typeface="Cambria Math" panose="02040503050406030204" charset="0"/>
+                </a:endParaRPr>
+              </a:p>
+              <a:p>
+                <a:r>
+                  <a:rPr lang="zh-CN" altLang="en-US" dirty="0">
+                    <a:latin typeface="Cambria Math" panose="02040503050406030204" charset="0"/>
+                    <a:cs typeface="Cambria Math" panose="02040503050406030204" charset="0"/>
+                  </a:rPr>
+                  <a:t>不同的问题关注不同，修复问题要做的是</a:t>
+                </a:r>
+                <a:endParaRPr lang="en-US" altLang="zh-CN" dirty="0">
+                  <a:latin typeface="Cambria Math" panose="02040503050406030204" charset="0"/>
+                  <a:cs typeface="Cambria Math" panose="02040503050406030204" charset="0"/>
+                </a:endParaRPr>
+              </a:p>
+              <a:p>
+                <a:endParaRPr lang="zh-CN" altLang="en-US" dirty="0">
+                  <a:latin typeface="Cambria Math" panose="02040503050406030204" charset="0"/>
+                  <a:cs typeface="Cambria Math" panose="02040503050406030204" charset="0"/>
+                </a:endParaRPr>
+              </a:p>
+            </p:txBody>
+          </p:sp>
+        </mc:Choice>
+        <mc:Fallback>
+          <p:sp>
+            <p:nvSpPr>
+              <p:cNvPr id="3" name="内容占位符 2"/>
+              <p:cNvSpPr>
+                <a:spLocks noRot="1" noChangeAspect="1" noMove="1" noResize="1" noEditPoints="1" noAdjustHandles="1" noChangeArrowheads="1" noChangeShapeType="1" noTextEdit="1"/>
+              </p:cNvSpPr>
+              <p:nvPr>
+                <p:ph idx="1"/>
+              </p:nvPr>
+            </p:nvSpPr>
+            <p:spPr>
+              <a:blipFill rotWithShape="1">
+                <a:blip r:embed="rId1"/>
+                <a:stretch>
+                  <a:fillRect t="-407" b="4"/>
+                </a:stretch>
+              </a:blipFill>
+            </p:spPr>
+            <p:txBody>
+              <a:bodyPr/>
+              <a:lstStyle/>
+              <a:p>
+                <a:r>
+                  <a:rPr lang="zh-CN" altLang="en-US">
+                    <a:noFill/>
+                  </a:rPr>
+                  <a:t> </a:t>
+                </a:r>
+              </a:p>
+            </p:txBody>
+          </p:sp>
+        </mc:Fallback>
+      </mc:AlternateContent>
+    </p:spTree>
+  </p:cSld>
+  <p:clrMapOvr>
+    <a:masterClrMapping/>
+  </p:clrMapOvr>
+</p:sld>
+</file>
+
+<file path=ppt/slides/slide15.xml><?xml version="1.0" encoding="utf-8"?>
+<p:sld xmlns:a="http://schemas.openxmlformats.org/drawingml/2006/main" xmlns:r="http://schemas.openxmlformats.org/officeDocument/2006/relationships" xmlns:p="http://schemas.openxmlformats.org/presentationml/2006/main">
+  <p:cSld>
     <p:bg>
       <p:bgPr>
         <a:blipFill dpi="0" rotWithShape="1">
@@ -11494,7 +12612,7 @@
         <p:spPr bwMode="auto">
           <a:xfrm>
             <a:off x="5807981" y="1016942"/>
-            <a:ext cx="3535680" cy="553085"/>
+            <a:ext cx="1820545" cy="553085"/>
           </a:xfrm>
           <a:prstGeom prst="rect">
             <a:avLst/>
@@ -11670,7 +12788,24 @@
                 <a:ea typeface="微软雅黑" panose="020B0503020204020204" charset="-122"/>
                 <a:cs typeface="+mn-cs"/>
               </a:rPr>
-              <a:t> Existing research</a:t>
+              <a:t> </a:t>
+            </a:r>
+            <a:r>
+              <a:rPr kumimoji="0" lang="zh-CN" altLang="en-US" sz="3000" b="1" i="0" u="none" strike="noStrike" kern="1200" cap="none" spc="0" normalizeH="0" baseline="0" noProof="0" dirty="0">
+                <a:ln>
+                  <a:noFill/>
+                </a:ln>
+                <a:solidFill>
+                  <a:srgbClr val="3C3C3C"/>
+                </a:solidFill>
+                <a:effectLst/>
+                <a:uLnTx/>
+                <a:uFillTx/>
+                <a:latin typeface="微软雅黑" panose="020B0503020204020204" charset="-122"/>
+                <a:ea typeface="微软雅黑" panose="020B0503020204020204" charset="-122"/>
+                <a:cs typeface="+mn-cs"/>
+              </a:rPr>
+              <a:t>背景介绍</a:t>
             </a:r>
             <a:endParaRPr kumimoji="0" lang="zh-CN" altLang="en-US" sz="3000" b="1" i="0" u="none" strike="noStrike" kern="1200" cap="none" spc="0" normalizeH="0" baseline="0" noProof="0" dirty="0">
               <a:ln>
@@ -17111,22 +18246,255 @@
           </a:p>
         </p:txBody>
       </p:sp>
+      <mc:AlternateContent xmlns:mc="http://schemas.openxmlformats.org/markup-compatibility/2006">
+        <mc:Choice xmlns:a14="http://schemas.microsoft.com/office/drawing/2010/main" Requires="a14">
+          <p:sp>
+            <p:nvSpPr>
+              <p:cNvPr id="3" name="内容占位符 2"/>
+              <p:cNvSpPr>
+                <a:spLocks noGrp="1"/>
+              </p:cNvSpPr>
+              <p:nvPr>
+                <p:ph idx="1"/>
+              </p:nvPr>
+            </p:nvSpPr>
+            <p:spPr/>
+            <p:txBody>
+              <a:bodyPr/>
+              <a:lstStyle/>
+              <a:p>
+                <a:pPr fontAlgn="auto">
+                  <a:lnSpc>
+                    <a:spcPct val="150000"/>
+                  </a:lnSpc>
+                </a:pPr>
+                <a:r>
+                  <a:rPr lang="zh-CN" altLang="en-US" dirty="0">
+                    <a:latin typeface="Cambria Math" panose="02040503050406030204" charset="0"/>
+                    <a:cs typeface="Cambria Math" panose="02040503050406030204" charset="0"/>
+                  </a:rPr>
+                  <a:t>通过已有的神经网络</a:t>
+                </a:r>
+                <a:r>
+                  <a:rPr lang="en-US" altLang="zh-CN" dirty="0">
+                    <a:latin typeface="Cambria Math" panose="02040503050406030204" charset="0"/>
+                    <a:cs typeface="Cambria Math" panose="02040503050406030204" charset="0"/>
+                  </a:rPr>
+                  <a:t> N </a:t>
+                </a:r>
+                <a:r>
+                  <a:rPr lang="zh-CN" altLang="en-US" dirty="0">
+                    <a:latin typeface="Cambria Math" panose="02040503050406030204" charset="0"/>
+                    <a:cs typeface="Cambria Math" panose="02040503050406030204" charset="0"/>
+                  </a:rPr>
+                  <a:t>和性质</a:t>
+                </a:r>
+                <a:r>
+                  <a:rPr lang="en-US" altLang="zh-CN" dirty="0">
+                    <a:latin typeface="Cambria Math" panose="02040503050406030204" charset="0"/>
+                    <a:cs typeface="Cambria Math" panose="02040503050406030204" charset="0"/>
+                  </a:rPr>
+                  <a:t> </a:t>
+                </a:r>
+                <a14:m>
+                  <m:oMath xmlns:m="http://schemas.openxmlformats.org/officeDocument/2006/math">
+                    <m:r>
+                      <a:rPr lang="en-US" altLang="zh-CN" i="1" dirty="0">
+                        <a:latin typeface="Cambria Math" panose="02040503050406030204" charset="0"/>
+                        <a:cs typeface="Cambria Math" panose="02040503050406030204" charset="0"/>
+                      </a:rPr>
+                      <m:t>𝜑</m:t>
+                    </m:r>
+                  </m:oMath>
+                </a14:m>
+                <a:r>
+                  <a:rPr lang="en-US" altLang="zh-CN" dirty="0">
+                    <a:latin typeface="Cambria Math" panose="02040503050406030204" charset="0"/>
+                    <a:cs typeface="Cambria Math" panose="02040503050406030204" charset="0"/>
+                  </a:rPr>
+                  <a:t> </a:t>
+                </a:r>
+                <a:r>
+                  <a:rPr lang="zh-CN" altLang="en-US" dirty="0">
+                    <a:latin typeface="Cambria Math" panose="02040503050406030204" charset="0"/>
+                    <a:cs typeface="Cambria Math" panose="02040503050406030204" charset="0"/>
+                  </a:rPr>
+                  <a:t>，构造一个新的网络</a:t>
+                </a:r>
+                <a:r>
+                  <a:rPr lang="en-US" altLang="zh-CN" dirty="0">
+                    <a:latin typeface="Cambria Math" panose="02040503050406030204" charset="0"/>
+                    <a:cs typeface="Cambria Math" panose="02040503050406030204" charset="0"/>
+                  </a:rPr>
+                  <a:t> M, </a:t>
+                </a:r>
+                <a:r>
+                  <a:rPr lang="zh-CN" altLang="en-US" dirty="0">
+                    <a:latin typeface="Cambria Math" panose="02040503050406030204" charset="0"/>
+                    <a:cs typeface="Cambria Math" panose="02040503050406030204" charset="0"/>
+                  </a:rPr>
+                  <a:t>使得神经网络</a:t>
+                </a:r>
+                <a:r>
+                  <a:rPr lang="en-US" altLang="zh-CN" dirty="0">
+                    <a:latin typeface="Cambria Math" panose="02040503050406030204" charset="0"/>
+                    <a:cs typeface="Cambria Math" panose="02040503050406030204" charset="0"/>
+                  </a:rPr>
+                  <a:t> M </a:t>
+                </a:r>
+                <a:r>
+                  <a:rPr lang="zh-CN" altLang="en-US" dirty="0">
+                    <a:latin typeface="Cambria Math" panose="02040503050406030204" charset="0"/>
+                    <a:cs typeface="Cambria Math" panose="02040503050406030204" charset="0"/>
+                  </a:rPr>
+                  <a:t>满足性质</a:t>
+                </a:r>
+                <a14:m>
+                  <m:oMath xmlns:m="http://schemas.openxmlformats.org/officeDocument/2006/math">
+                    <m:r>
+                      <a:rPr lang="en-US" altLang="zh-CN" i="1" dirty="0">
+                        <a:latin typeface="Cambria Math" panose="02040503050406030204" charset="0"/>
+                        <a:cs typeface="Cambria Math" panose="02040503050406030204" charset="0"/>
+                      </a:rPr>
+                      <m:t> </m:t>
+                    </m:r>
+                    <m:r>
+                      <a:rPr lang="en-US" altLang="zh-CN" i="1" dirty="0">
+                        <a:latin typeface="Cambria Math" panose="02040503050406030204" charset="0"/>
+                        <a:cs typeface="Cambria Math" panose="02040503050406030204" charset="0"/>
+                      </a:rPr>
+                      <m:t>𝜑</m:t>
+                    </m:r>
+                  </m:oMath>
+                </a14:m>
+                <a:r>
+                  <a:rPr lang="en-US" altLang="zh-CN" dirty="0">
+                    <a:latin typeface="Cambria Math" panose="02040503050406030204" charset="0"/>
+                    <a:cs typeface="Cambria Math" panose="02040503050406030204" charset="0"/>
+                  </a:rPr>
+                  <a:t> .</a:t>
+                </a:r>
+                <a:endParaRPr lang="en-US" altLang="zh-CN" dirty="0">
+                  <a:latin typeface="Cambria Math" panose="02040503050406030204" charset="0"/>
+                  <a:cs typeface="Cambria Math" panose="02040503050406030204" charset="0"/>
+                </a:endParaRPr>
+              </a:p>
+              <a:p>
+                <a:pPr fontAlgn="auto">
+                  <a:lnSpc>
+                    <a:spcPct val="150000"/>
+                  </a:lnSpc>
+                </a:pPr>
+                <a:endParaRPr lang="en-US" altLang="zh-CN" dirty="0">
+                  <a:latin typeface="Cambria Math" panose="02040503050406030204" charset="0"/>
+                  <a:cs typeface="Cambria Math" panose="02040503050406030204" charset="0"/>
+                </a:endParaRPr>
+              </a:p>
+            </p:txBody>
+          </p:sp>
+        </mc:Choice>
+        <mc:Fallback>
+          <p:sp>
+            <p:nvSpPr>
+              <p:cNvPr id="3" name="内容占位符 2"/>
+              <p:cNvSpPr>
+                <a:spLocks noRot="1" noChangeAspect="1" noMove="1" noResize="1" noEditPoints="1" noAdjustHandles="1" noChangeArrowheads="1" noChangeShapeType="1" noTextEdit="1"/>
+              </p:cNvSpPr>
+              <p:nvPr>
+                <p:ph idx="1"/>
+              </p:nvPr>
+            </p:nvSpPr>
+            <p:spPr>
+              <a:blipFill rotWithShape="1">
+                <a:blip r:embed="rId1"/>
+                <a:stretch>
+                  <a:fillRect t="-6" b="4"/>
+                </a:stretch>
+              </a:blipFill>
+            </p:spPr>
+            <p:txBody>
+              <a:bodyPr/>
+              <a:lstStyle/>
+              <a:p>
+                <a:r>
+                  <a:rPr lang="zh-CN" altLang="en-US">
+                    <a:noFill/>
+                  </a:rPr>
+                  <a:t> </a:t>
+                </a:r>
+              </a:p>
+            </p:txBody>
+          </p:sp>
+        </mc:Fallback>
+      </mc:AlternateContent>
+      <p:pic>
+        <p:nvPicPr>
+          <p:cNvPr id="4" name="图片 3"/>
+          <p:cNvPicPr>
+            <a:picLocks noChangeAspect="1"/>
+          </p:cNvPicPr>
+          <p:nvPr/>
+        </p:nvPicPr>
+        <p:blipFill>
+          <a:blip r:embed="rId2"/>
+          <a:stretch>
+            <a:fillRect/>
+          </a:stretch>
+        </p:blipFill>
+        <p:spPr>
+          <a:xfrm>
+            <a:off x="1838960" y="2613025"/>
+            <a:ext cx="8359140" cy="3052445"/>
+          </a:xfrm>
+          <a:prstGeom prst="rect">
+            <a:avLst/>
+          </a:prstGeom>
+        </p:spPr>
+      </p:pic>
       <p:sp>
         <p:nvSpPr>
-          <p:cNvPr id="3" name="内容占位符 2"/>
-          <p:cNvSpPr>
-            <a:spLocks noGrp="1"/>
-          </p:cNvSpPr>
-          <p:nvPr>
-            <p:ph idx="1"/>
-          </p:nvPr>
+          <p:cNvPr id="6" name="文本框 5"/>
+          <p:cNvSpPr txBox="1"/>
+          <p:nvPr/>
         </p:nvSpPr>
-        <p:spPr/>
+        <p:spPr>
+          <a:xfrm>
+            <a:off x="683895" y="5560060"/>
+            <a:ext cx="10988675" cy="583565"/>
+          </a:xfrm>
+          <a:prstGeom prst="rect">
+            <a:avLst/>
+          </a:prstGeom>
+          <a:noFill/>
+        </p:spPr>
         <p:txBody>
-          <a:bodyPr/>
-          <a:lstStyle/>
+          <a:bodyPr wrap="square" rtlCol="0">
+            <a:spAutoFit/>
+          </a:bodyPr>
           <a:p>
-            <a:endParaRPr lang="zh-CN" altLang="en-US" dirty="0"/>
+            <a:r>
+              <a:rPr lang="zh-CN" altLang="en-US" sz="1600"/>
+              <a:t>M. Usman, D. Gopinath, Y. Sun, Y. Noller, and C. S. Pasareanu. Nnrepair:</a:t>
+            </a:r>
+            <a:r>
+              <a:rPr lang="en-US" altLang="zh-CN" sz="1600"/>
+              <a:t> </a:t>
+            </a:r>
+            <a:r>
+              <a:rPr lang="zh-CN" altLang="en-US" sz="1600"/>
+              <a:t>Constraint-based repair of neural network classifiers</a:t>
+            </a:r>
+            <a:r>
+              <a:rPr lang="en-US" altLang="zh-CN" sz="1600">
+                <a:sym typeface="+mn-ea"/>
+              </a:rPr>
+              <a:t>(CAV2021)</a:t>
+            </a:r>
+            <a:r>
+              <a:rPr lang="zh-CN" altLang="en-US" sz="1600"/>
+              <a:t>.</a:t>
+            </a:r>
+            <a:endParaRPr lang="en-US" altLang="zh-CN" sz="1600"/>
           </a:p>
         </p:txBody>
       </p:sp>
@@ -17207,7 +18575,7 @@
         </p:blipFill>
         <p:spPr>
           <a:xfrm>
-            <a:off x="5191125" y="1809750"/>
+            <a:off x="5235575" y="1679575"/>
             <a:ext cx="6283960" cy="3814445"/>
           </a:xfrm>
           <a:prstGeom prst="rect">
@@ -17223,8 +18591,8 @@
         </p:nvSpPr>
         <p:spPr>
           <a:xfrm>
-            <a:off x="484505" y="2193925"/>
-            <a:ext cx="5272405" cy="3415030"/>
+            <a:off x="521335" y="1809750"/>
+            <a:ext cx="5272405" cy="3553460"/>
           </a:xfrm>
           <a:prstGeom prst="rect">
             <a:avLst/>
@@ -17236,7 +18604,10 @@
             <a:spAutoFit/>
           </a:bodyPr>
           <a:p>
-            <a:pPr marL="285750" indent="-285750">
+            <a:pPr marL="285750" indent="-285750" fontAlgn="auto">
+              <a:lnSpc>
+                <a:spcPct val="150000"/>
+              </a:lnSpc>
               <a:buFont typeface="Arial" panose="020B0604020202020204" pitchFamily="34" charset="0"/>
               <a:buChar char="•"/>
             </a:pPr>
@@ -17251,86 +18622,74 @@
             <a:endParaRPr lang="zh-CN" altLang="en-US"/>
           </a:p>
           <a:p>
-            <a:pPr marL="285750" indent="-285750">
+            <a:pPr marL="285750" indent="-285750" fontAlgn="auto">
+              <a:lnSpc>
+                <a:spcPct val="150000"/>
+              </a:lnSpc>
               <a:buFont typeface="Arial" panose="020B0604020202020204" pitchFamily="34" charset="0"/>
               <a:buChar char="•"/>
             </a:pPr>
+            <a:r>
+              <a:rPr lang="zh-CN" altLang="en-US"/>
+              <a:t>在</a:t>
+            </a:r>
+            <a:r>
+              <a:rPr lang="en-US" altLang="zh-CN"/>
+              <a:t> r</a:t>
+            </a:r>
+            <a:r>
+              <a:rPr lang="zh-CN" altLang="en-US"/>
+              <a:t>efine 的过程中，input space会被不断分割，从而保证训练的</a:t>
+            </a:r>
+            <a:r>
+              <a:rPr lang="zh-CN" altLang="en-US"/>
+              <a:t>效率。</a:t>
+            </a:r>
             <a:endParaRPr lang="zh-CN" altLang="en-US"/>
           </a:p>
           <a:p>
-            <a:pPr marL="285750" indent="-285750">
+            <a:pPr marL="285750" indent="-285750" fontAlgn="auto">
+              <a:lnSpc>
+                <a:spcPct val="150000"/>
+              </a:lnSpc>
               <a:buFont typeface="Arial" panose="020B0604020202020204" pitchFamily="34" charset="0"/>
               <a:buChar char="•"/>
             </a:pPr>
             <a:r>
               <a:rPr lang="zh-CN" altLang="en-US"/>
-              <a:t>在</a:t>
+              <a:t>通过</a:t>
             </a:r>
             <a:r>
               <a:rPr lang="en-US" altLang="zh-CN"/>
+              <a:t> correctness</a:t>
+            </a:r>
+            <a:r>
+              <a:rPr lang="zh-CN" altLang="en-US"/>
               <a:t> </a:t>
             </a:r>
             <a:r>
+              <a:rPr lang="en-US" altLang="zh-CN"/>
+              <a:t>l</a:t>
+            </a:r>
+            <a:r>
               <a:rPr lang="zh-CN" altLang="en-US"/>
-              <a:t>refine 的过程中，input space会被不断分割，从而保证训练的</a:t>
+              <a:t>oss</a:t>
+            </a:r>
+            <a:r>
+              <a:rPr lang="en-US" altLang="zh-CN"/>
+              <a:t> , </a:t>
             </a:r>
             <a:r>
               <a:rPr lang="zh-CN" altLang="en-US"/>
-              <a:t>效率。</a:t>
+              <a:t>保证训练结束后安全性质可满足</a:t>
             </a:r>
             <a:endParaRPr lang="zh-CN" altLang="en-US"/>
           </a:p>
           <a:p>
-            <a:pPr marL="285750" indent="-285750">
-              <a:buFont typeface="Arial" panose="020B0604020202020204" pitchFamily="34" charset="0"/>
-              <a:buChar char="•"/>
-            </a:pPr>
-            <a:endParaRPr lang="zh-CN" altLang="en-US"/>
-          </a:p>
-          <a:p>
-            <a:pPr marL="285750" indent="-285750">
-              <a:buFont typeface="Arial" panose="020B0604020202020204" pitchFamily="34" charset="0"/>
-              <a:buChar char="•"/>
-            </a:pPr>
-            <a:r>
-              <a:rPr lang="zh-CN" altLang="en-US"/>
-              <a:t>通过</a:t>
-            </a:r>
-            <a:r>
-              <a:rPr lang="en-US" altLang="zh-CN"/>
-              <a:t>correctness</a:t>
-            </a:r>
-            <a:r>
-              <a:rPr lang="zh-CN" altLang="en-US"/>
-              <a:t> </a:t>
-            </a:r>
-            <a:r>
-              <a:rPr lang="en-US" altLang="zh-CN"/>
-              <a:t>L</a:t>
-            </a:r>
-            <a:r>
-              <a:rPr lang="zh-CN" altLang="en-US"/>
-              <a:t>oss</a:t>
-            </a:r>
-            <a:r>
-              <a:rPr lang="en-US" altLang="zh-CN"/>
-              <a:t> , </a:t>
-            </a:r>
-            <a:r>
-              <a:rPr lang="zh-CN" altLang="en-US"/>
-              <a:t>保证训练结束后安全性质可满足</a:t>
-            </a:r>
-            <a:endParaRPr lang="zh-CN" altLang="en-US"/>
-          </a:p>
-          <a:p>
-            <a:pPr marL="285750" indent="-285750">
-              <a:buFont typeface="Arial" panose="020B0604020202020204" pitchFamily="34" charset="0"/>
-              <a:buChar char="•"/>
-            </a:pPr>
-            <a:endParaRPr lang="zh-CN" altLang="en-US"/>
-          </a:p>
-          <a:p>
-            <a:pPr marL="285750" indent="-285750">
+            <a:pPr marL="285750" indent="-285750" fontAlgn="auto">
+              <a:lnSpc>
+                <a:spcPct val="150000"/>
+              </a:lnSpc>
               <a:buFont typeface="Arial" panose="020B0604020202020204" pitchFamily="34" charset="0"/>
               <a:buChar char="•"/>
             </a:pPr>
@@ -17471,7 +18830,7 @@
         <p:spPr>
           <a:xfrm>
             <a:off x="1887855" y="4689475"/>
-            <a:ext cx="8417560" cy="1198880"/>
+            <a:ext cx="8417560" cy="1337945"/>
           </a:xfrm>
           <a:prstGeom prst="rect">
             <a:avLst/>
@@ -17483,7 +18842,10 @@
             <a:spAutoFit/>
           </a:bodyPr>
           <a:p>
-            <a:pPr marL="285750" indent="-285750">
+            <a:pPr marL="285750" indent="-285750" fontAlgn="auto">
+              <a:lnSpc>
+                <a:spcPct val="150000"/>
+              </a:lnSpc>
               <a:buFont typeface="Arial" panose="020B0604020202020204" pitchFamily="34" charset="0"/>
               <a:buChar char="•"/>
             </a:pPr>
@@ -17515,48 +18877,47 @@
               <a:rPr lang="zh-CN" altLang="en-US"/>
               <a:t>。</a:t>
             </a:r>
-            <a:endParaRPr lang="en-US" altLang="zh-CN"/>
+            <a:endParaRPr lang="zh-CN" altLang="en-US"/>
           </a:p>
           <a:p>
-            <a:pPr marL="285750" indent="-285750">
+            <a:pPr marL="285750" indent="-285750" fontAlgn="auto">
+              <a:lnSpc>
+                <a:spcPct val="150000"/>
+              </a:lnSpc>
               <a:buFont typeface="Arial" panose="020B0604020202020204" pitchFamily="34" charset="0"/>
               <a:buChar char="•"/>
             </a:pPr>
+            <a:r>
+              <a:rPr lang="zh-CN" altLang="en-US"/>
+              <a:t>对每个</a:t>
+            </a:r>
+            <a:r>
+              <a:rPr lang="en-US" altLang="zh-CN"/>
+              <a:t>local input region </a:t>
+            </a:r>
+            <a:r>
+              <a:rPr lang="zh-CN" altLang="en-US"/>
+              <a:t>添加对应的</a:t>
+            </a:r>
+            <a:r>
+              <a:rPr lang="en-US" altLang="zh-CN"/>
+              <a:t> patch </a:t>
+            </a:r>
+            <a:r>
+              <a:rPr lang="zh-CN" altLang="en-US"/>
+              <a:t>网络</a:t>
+            </a:r>
+            <a:r>
+              <a:rPr lang="zh-CN" altLang="en-US"/>
+              <a:t>进行修复。</a:t>
+            </a:r>
             <a:endParaRPr lang="zh-CN" altLang="en-US"/>
           </a:p>
           <a:p>
-            <a:pPr marL="285750" indent="-285750">
-              <a:buFont typeface="Arial" panose="020B0604020202020204" pitchFamily="34" charset="0"/>
-              <a:buChar char="•"/>
-            </a:pPr>
-            <a:r>
-              <a:rPr lang="zh-CN" altLang="en-US"/>
-              <a:t>对每个</a:t>
-            </a:r>
-            <a:r>
-              <a:rPr lang="en-US" altLang="zh-CN"/>
-              <a:t>local input region </a:t>
-            </a:r>
-            <a:r>
-              <a:rPr lang="zh-CN" altLang="en-US"/>
-              <a:t>添加对应的</a:t>
-            </a:r>
-            <a:r>
-              <a:rPr lang="en-US" altLang="zh-CN"/>
-              <a:t> patch </a:t>
-            </a:r>
-            <a:r>
-              <a:rPr lang="zh-CN" altLang="en-US"/>
-              <a:t>网络</a:t>
-            </a:r>
-            <a:r>
-              <a:rPr lang="zh-CN" altLang="en-US"/>
-              <a:t>进行修复。</a:t>
-            </a:r>
-            <a:endParaRPr lang="zh-CN" altLang="en-US"/>
-          </a:p>
-          <a:p>
-            <a:pPr marL="285750" indent="-285750">
+            <a:pPr marL="285750" indent="-285750" fontAlgn="auto">
+              <a:lnSpc>
+                <a:spcPct val="150000"/>
+              </a:lnSpc>
               <a:buFont typeface="Arial" panose="020B0604020202020204" pitchFamily="34" charset="0"/>
               <a:buChar char="•"/>
             </a:pPr>
@@ -17687,12 +19048,22 @@
           </a:xfrm>
         </p:spPr>
         <p:txBody>
-          <a:bodyPr/>
+          <a:bodyPr>
+            <a:normAutofit fontScale="90000"/>
+          </a:bodyPr>
           <a:lstStyle/>
           <a:p>
             <a:r>
               <a:rPr lang="zh-CN" altLang="en-US" dirty="0"/>
-              <a:t>The challenging of REASSURE</a:t>
+              <a:t>The challenging </a:t>
+            </a:r>
+            <a:r>
+              <a:rPr lang="en-US" altLang="zh-CN" dirty="0"/>
+              <a:t>and progress </a:t>
+            </a:r>
+            <a:r>
+              <a:rPr lang="zh-CN" altLang="en-US" dirty="0"/>
+              <a:t>of REASSURE</a:t>
             </a:r>
             <a:r>
               <a:rPr lang="en-US" altLang="zh-CN" dirty="0"/>
@@ -17716,12 +19087,130 @@
             <p:ph idx="1"/>
           </p:nvPr>
         </p:nvSpPr>
-        <p:spPr/>
+        <p:spPr>
+          <a:xfrm>
+            <a:off x="838200" y="1021998"/>
+            <a:ext cx="10515600" cy="5061482"/>
+          </a:xfrm>
+        </p:spPr>
         <p:txBody>
-          <a:bodyPr/>
+          <a:bodyPr>
+            <a:normAutofit lnSpcReduction="20000"/>
+          </a:bodyPr>
           <a:lstStyle/>
           <a:p>
+            <a:pPr marL="0" indent="0">
+              <a:buNone/>
+            </a:pPr>
             <a:endParaRPr lang="zh-CN" altLang="en-US" dirty="0"/>
+          </a:p>
+          <a:p>
+            <a:pPr lvl="0" fontAlgn="auto">
+              <a:lnSpc>
+                <a:spcPct val="150000"/>
+              </a:lnSpc>
+            </a:pPr>
+            <a:r>
+              <a:rPr lang="zh-CN" altLang="en-US" dirty="0">
+                <a:sym typeface="+mn-ea"/>
+              </a:rPr>
+              <a:t>已有</a:t>
+            </a:r>
+            <a:r>
+              <a:rPr lang="zh-CN" altLang="en-US" dirty="0">
+                <a:sym typeface="+mn-ea"/>
+              </a:rPr>
+              <a:t>工作的不足：</a:t>
+            </a:r>
+            <a:endParaRPr lang="zh-CN" altLang="en-US" dirty="0">
+              <a:sym typeface="+mn-ea"/>
+            </a:endParaRPr>
+          </a:p>
+          <a:p>
+            <a:pPr lvl="1" fontAlgn="auto">
+              <a:lnSpc>
+                <a:spcPct val="150000"/>
+              </a:lnSpc>
+            </a:pPr>
+            <a:r>
+              <a:rPr lang="zh-CN" altLang="en-US" dirty="0"/>
+              <a:t>不能修复多个性质</a:t>
+            </a:r>
+            <a:r>
+              <a:rPr lang="zh-CN" altLang="en-US" dirty="0"/>
+              <a:t>或能力较差。</a:t>
+            </a:r>
+            <a:endParaRPr lang="zh-CN" altLang="en-US" dirty="0"/>
+          </a:p>
+          <a:p>
+            <a:pPr lvl="1" fontAlgn="auto">
+              <a:lnSpc>
+                <a:spcPct val="150000"/>
+              </a:lnSpc>
+            </a:pPr>
+            <a:r>
+              <a:rPr lang="en-US" altLang="zh-CN" dirty="0"/>
+              <a:t>Activation pattern 的数量关于神经元个数是指数多的；不断修复可能导致网络过大</a:t>
+            </a:r>
+            <a:r>
+              <a:rPr lang="zh-CN" altLang="en-US" dirty="0"/>
+              <a:t>。</a:t>
+            </a:r>
+            <a:endParaRPr lang="zh-CN" altLang="en-US" dirty="0"/>
+          </a:p>
+          <a:p>
+            <a:pPr lvl="0" fontAlgn="auto">
+              <a:lnSpc>
+                <a:spcPct val="150000"/>
+              </a:lnSpc>
+            </a:pPr>
+            <a:r>
+              <a:rPr lang="zh-CN" altLang="en-US" sz="2800" dirty="0"/>
+              <a:t>我们的目标：</a:t>
+            </a:r>
+            <a:endParaRPr lang="zh-CN" altLang="en-US" sz="2800" dirty="0"/>
+          </a:p>
+          <a:p>
+            <a:pPr lvl="1" fontAlgn="auto">
+              <a:lnSpc>
+                <a:spcPct val="150000"/>
+              </a:lnSpc>
+            </a:pPr>
+            <a:r>
+              <a:rPr lang="zh-CN" altLang="en-US" dirty="0"/>
+              <a:t>高效且可行</a:t>
+            </a:r>
+            <a:r>
+              <a:rPr lang="zh-CN" altLang="en-US" dirty="0"/>
+              <a:t>的修复多个性质。</a:t>
+            </a:r>
+            <a:endParaRPr lang="zh-CN" altLang="en-US" dirty="0"/>
+          </a:p>
+          <a:p>
+            <a:pPr lvl="1" fontAlgn="auto">
+              <a:lnSpc>
+                <a:spcPct val="150000"/>
+              </a:lnSpc>
+            </a:pPr>
+            <a:r>
+              <a:rPr lang="zh-CN" altLang="en-US" dirty="0"/>
+              <a:t>不局限于单个activation pattern对应的输入区间用网络进行修复，而是用一些方法去定位到范围更大的有缺陷的输入区间，再用</a:t>
+            </a:r>
+            <a:r>
+              <a:rPr lang="zh-CN" altLang="en-US" dirty="0"/>
+              <a:t>网络去进行修复。</a:t>
+            </a:r>
+            <a:endParaRPr lang="zh-CN" altLang="en-US" dirty="0"/>
+          </a:p>
+          <a:p>
+            <a:pPr lvl="0"/>
+            <a:endParaRPr lang="en-US" altLang="zh-CN" dirty="0"/>
+          </a:p>
+          <a:p>
+            <a:endParaRPr lang="en-US" altLang="zh-CN" dirty="0"/>
+          </a:p>
+          <a:p>
+            <a:endParaRPr lang="en-US" altLang="zh-CN" dirty="0"/>
           </a:p>
         </p:txBody>
       </p:sp>
@@ -19409,29 +20898,112 @@
           <a:bodyPr/>
           <a:lstStyle/>
           <a:p>
-            <a:endParaRPr lang="zh-CN" altLang="en-US" dirty="0"/>
+            <a:r>
+              <a:rPr lang="en-US" altLang="zh-CN" dirty="0"/>
+              <a:t>Repair with incremental verification</a:t>
+            </a:r>
+            <a:endParaRPr lang="en-US" altLang="zh-CN" dirty="0"/>
           </a:p>
         </p:txBody>
       </p:sp>
-      <p:sp>
-        <p:nvSpPr>
-          <p:cNvPr id="3" name="内容占位符 2"/>
-          <p:cNvSpPr>
-            <a:spLocks noGrp="1"/>
-          </p:cNvSpPr>
+      <p:pic>
+        <p:nvPicPr>
+          <p:cNvPr id="4" name="内容占位符 3" descr="1"/>
+          <p:cNvPicPr>
+            <a:picLocks noChangeAspect="1"/>
+          </p:cNvPicPr>
           <p:nvPr>
             <p:ph idx="1"/>
           </p:nvPr>
+        </p:nvPicPr>
+        <p:blipFill>
+          <a:blip r:embed="rId1"/>
+          <a:stretch>
+            <a:fillRect/>
+          </a:stretch>
+        </p:blipFill>
+        <p:spPr>
+          <a:xfrm>
+            <a:off x="5917565" y="1860550"/>
+            <a:ext cx="5168900" cy="3137535"/>
+          </a:xfrm>
+          <a:prstGeom prst="rect">
+            <a:avLst/>
+          </a:prstGeom>
+        </p:spPr>
+      </p:pic>
+      <p:sp>
+        <p:nvSpPr>
+          <p:cNvPr id="6" name="椭圆形标注 5"/>
+          <p:cNvSpPr/>
+          <p:nvPr/>
         </p:nvSpPr>
-        <p:spPr/>
+        <p:spPr>
+          <a:xfrm>
+            <a:off x="10480040" y="2931795"/>
+            <a:ext cx="1327785" cy="596265"/>
+          </a:xfrm>
+          <a:prstGeom prst="wedgeEllipseCallout">
+            <a:avLst>
+              <a:gd name="adj1" fmla="val -80361"/>
+              <a:gd name="adj2" fmla="val 16134"/>
+            </a:avLst>
+          </a:prstGeom>
+        </p:spPr>
+        <p:style>
+          <a:lnRef idx="2">
+            <a:schemeClr val="accent6"/>
+          </a:lnRef>
+          <a:fillRef idx="1">
+            <a:schemeClr val="lt1"/>
+          </a:fillRef>
+          <a:effectRef idx="0">
+            <a:schemeClr val="accent6"/>
+          </a:effectRef>
+          <a:fontRef idx="minor">
+            <a:schemeClr val="dk1"/>
+          </a:fontRef>
+        </p:style>
         <p:txBody>
-          <a:bodyPr/>
-          <a:lstStyle/>
+          <a:bodyPr rtlCol="0" anchor="ctr"/>
           <a:p>
-            <a:endParaRPr lang="zh-CN" altLang="en-US" dirty="0"/>
+            <a:pPr algn="ctr"/>
+            <a:r>
+              <a:rPr lang="en-US" altLang="zh-CN"/>
+              <a:t>clip </a:t>
+            </a:r>
+            <a:r>
+              <a:rPr lang="en-US" altLang="zh-CN"/>
+              <a:t>the weight</a:t>
+            </a:r>
+            <a:endParaRPr lang="en-US" altLang="zh-CN"/>
           </a:p>
         </p:txBody>
       </p:sp>
+      <p:pic>
+        <p:nvPicPr>
+          <p:cNvPr id="8" name="图片 7"/>
+          <p:cNvPicPr>
+            <a:picLocks noChangeAspect="1"/>
+          </p:cNvPicPr>
+          <p:nvPr/>
+        </p:nvPicPr>
+        <p:blipFill>
+          <a:blip r:embed="rId2"/>
+          <a:stretch>
+            <a:fillRect/>
+          </a:stretch>
+        </p:blipFill>
+        <p:spPr>
+          <a:xfrm>
+            <a:off x="918845" y="1995170"/>
+            <a:ext cx="5607685" cy="3002915"/>
+          </a:xfrm>
+          <a:prstGeom prst="rect">
+            <a:avLst/>
+          </a:prstGeom>
+        </p:spPr>
+      </p:pic>
     </p:spTree>
   </p:cSld>
   <p:clrMapOvr>
@@ -19455,7 +21027,7 @@
 <file path=ppt/tags/tag3.xml><?xml version="1.0" encoding="utf-8"?>
 <p:tagLst xmlns:p="http://schemas.openxmlformats.org/presentationml/2006/main">
   <p:tag name="KSO_WPP_MARK_KEY" val="c0f8c1c7-ef60-4d72-9b76-f7734bae5e8a"/>
-  <p:tag name="COMMONDATA" val="eyJoZGlkIjoiNWRiN2EzOTIwNTFkMWRjYjlhM2M2MjEwMTAzOTAyMTAifQ=="/>
+  <p:tag name="COMMONDATA" val="eyJoZGlkIjoiYzNjMDY0NjEyOGM4YjM5OTYwM2FjNTY4ZTE2YzY5YTEifQ=="/>
 </p:tagLst>
 </file>
 

--- a/神经网络修复工作进展.pptx
+++ b/神经网络修复工作进展.pptx
@@ -17,16 +17,17 @@
     <p:sldId id="275" r:id="rId10"/>
     <p:sldId id="273" r:id="rId11"/>
     <p:sldId id="286" r:id="rId12"/>
-    <p:sldId id="287" r:id="rId13"/>
-    <p:sldId id="291" r:id="rId14"/>
-    <p:sldId id="288" r:id="rId15"/>
-    <p:sldId id="290" r:id="rId16"/>
-    <p:sldId id="266" r:id="rId17"/>
+    <p:sldId id="295" r:id="rId13"/>
+    <p:sldId id="287" r:id="rId14"/>
+    <p:sldId id="291" r:id="rId15"/>
+    <p:sldId id="288" r:id="rId16"/>
+    <p:sldId id="290" r:id="rId17"/>
+    <p:sldId id="266" r:id="rId18"/>
   </p:sldIdLst>
   <p:sldSz cx="12192000" cy="6858000"/>
   <p:notesSz cx="6858000" cy="9144000"/>
   <p:custDataLst>
-    <p:tags r:id="rId21"/>
+    <p:tags r:id="rId22"/>
   </p:custDataLst>
   <p:defaultTextStyle>
     <a:defPPr>
@@ -123,22 +124,6 @@
       </a:defRPr>
     </a:lvl9pPr>
   </p:defaultTextStyle>
-  <p:extLst>
-    <p:ext uri="{EFAFB233-063F-42B5-8137-9DF3F51BA10A}">
-      <p15:sldGuideLst xmlns:p15="http://schemas.microsoft.com/office/powerpoint/2012/main">
-        <p15:guide id="1" orient="horz" pos="2132" userDrawn="1">
-          <p15:clr>
-            <a:srgbClr val="A4A3A4"/>
-          </p15:clr>
-        </p15:guide>
-        <p15:guide id="2" pos="3832" userDrawn="1">
-          <p15:clr>
-            <a:srgbClr val="A4A3A4"/>
-          </p15:clr>
-        </p15:guide>
-      </p15:sldGuideLst>
-    </p:ext>
-  </p:extLst>
 </p:presentation>
 </file>
 
@@ -5663,6 +5648,740 @@
       <p:grpSpPr/>
       <p:sp>
         <p:nvSpPr>
+          <p:cNvPr id="3" name="标题 2"/>
+          <p:cNvSpPr>
+            <a:spLocks noGrp="1"/>
+          </p:cNvSpPr>
+          <p:nvPr>
+            <p:ph type="title"/>
+          </p:nvPr>
+        </p:nvSpPr>
+        <p:spPr/>
+        <p:txBody>
+          <a:bodyPr/>
+          <a:p>
+            <a:r>
+              <a:rPr lang="zh-CN" altLang="en-US" b="0" dirty="0"/>
+              <a:t>How to make indicator enabled</a:t>
+            </a:r>
+            <a:endParaRPr lang="zh-CN" altLang="en-US" b="0" dirty="0"/>
+          </a:p>
+        </p:txBody>
+      </p:sp>
+      <p:sp>
+        <p:nvSpPr>
+          <p:cNvPr id="5" name="流程图: 过程 4"/>
+          <p:cNvSpPr/>
+          <p:nvPr/>
+        </p:nvSpPr>
+        <p:spPr>
+          <a:xfrm>
+            <a:off x="1520190" y="1686560"/>
+            <a:ext cx="1527810" cy="522605"/>
+          </a:xfrm>
+          <a:prstGeom prst="flowChartProcess">
+            <a:avLst/>
+          </a:prstGeom>
+          <a:ln>
+            <a:solidFill>
+              <a:schemeClr val="tx1"/>
+            </a:solidFill>
+          </a:ln>
+        </p:spPr>
+        <p:style>
+          <a:lnRef idx="2">
+            <a:schemeClr val="accent6"/>
+          </a:lnRef>
+          <a:fillRef idx="1">
+            <a:schemeClr val="lt1"/>
+          </a:fillRef>
+          <a:effectRef idx="0">
+            <a:schemeClr val="accent6"/>
+          </a:effectRef>
+          <a:fontRef idx="minor">
+            <a:schemeClr val="dk1"/>
+          </a:fontRef>
+        </p:style>
+        <p:txBody>
+          <a:bodyPr rtlCol="0" anchor="ctr"/>
+          <a:p>
+            <a:pPr algn="ctr"/>
+            <a:r>
+              <a:rPr lang="en-US" altLang="zh-CN">
+                <a:ln/>
+                <a:solidFill>
+                  <a:srgbClr val="FF0000"/>
+                </a:solidFill>
+                <a:effectLst>
+                  <a:outerShdw blurRad="38100" dist="19050" dir="2700000" algn="tl" rotWithShape="0">
+                    <a:schemeClr val="dk1">
+                      <a:alpha val="40000"/>
+                    </a:schemeClr>
+                  </a:outerShdw>
+                </a:effectLst>
+              </a:rPr>
+              <a:t>input region</a:t>
+            </a:r>
+            <a:endParaRPr lang="en-US" altLang="zh-CN">
+              <a:ln/>
+              <a:solidFill>
+                <a:srgbClr val="FF0000"/>
+              </a:solidFill>
+              <a:effectLst>
+                <a:outerShdw blurRad="38100" dist="19050" dir="2700000" algn="tl" rotWithShape="0">
+                  <a:schemeClr val="dk1">
+                    <a:alpha val="40000"/>
+                  </a:schemeClr>
+                </a:outerShdw>
+              </a:effectLst>
+            </a:endParaRPr>
+          </a:p>
+        </p:txBody>
+      </p:sp>
+      <p:sp>
+        <p:nvSpPr>
+          <p:cNvPr id="7" name="文本框 6"/>
+          <p:cNvSpPr txBox="1"/>
+          <p:nvPr/>
+        </p:nvSpPr>
+        <p:spPr>
+          <a:xfrm>
+            <a:off x="2161540" y="2430780"/>
+            <a:ext cx="886460" cy="306705"/>
+          </a:xfrm>
+          <a:prstGeom prst="rect">
+            <a:avLst/>
+          </a:prstGeom>
+          <a:noFill/>
+        </p:spPr>
+        <p:txBody>
+          <a:bodyPr wrap="square" rtlCol="0">
+            <a:spAutoFit/>
+          </a:bodyPr>
+          <a:p>
+            <a:pPr algn="ctr"/>
+            <a:r>
+              <a:rPr lang="en-US" altLang="zh-CN" sz="1400"/>
+              <a:t>split</a:t>
+            </a:r>
+            <a:endParaRPr lang="en-US" altLang="zh-CN" sz="1400"/>
+          </a:p>
+        </p:txBody>
+      </p:sp>
+      <p:sp>
+        <p:nvSpPr>
+          <p:cNvPr id="8" name="流程图: 过程 7"/>
+          <p:cNvSpPr/>
+          <p:nvPr>
+            <p:custDataLst>
+              <p:tags r:id="rId1"/>
+            </p:custDataLst>
+          </p:nvPr>
+        </p:nvSpPr>
+        <p:spPr>
+          <a:xfrm>
+            <a:off x="1725295" y="3086100"/>
+            <a:ext cx="1111885" cy="459105"/>
+          </a:xfrm>
+          <a:prstGeom prst="flowChartProcess">
+            <a:avLst/>
+          </a:prstGeom>
+          <a:ln>
+            <a:solidFill>
+              <a:schemeClr val="tx1"/>
+            </a:solidFill>
+          </a:ln>
+        </p:spPr>
+        <p:style>
+          <a:lnRef idx="2">
+            <a:schemeClr val="accent6"/>
+          </a:lnRef>
+          <a:fillRef idx="1">
+            <a:schemeClr val="lt1"/>
+          </a:fillRef>
+          <a:effectRef idx="0">
+            <a:schemeClr val="accent6"/>
+          </a:effectRef>
+          <a:fontRef idx="minor">
+            <a:schemeClr val="dk1"/>
+          </a:fontRef>
+        </p:style>
+        <p:txBody>
+          <a:bodyPr rtlCol="0" anchor="ctr"/>
+          <a:p>
+            <a:pPr algn="ctr"/>
+            <a:r>
+              <a:rPr lang="en-US" altLang="zh-CN"/>
+              <a:t>safe</a:t>
+            </a:r>
+            <a:endParaRPr lang="en-US" altLang="zh-CN"/>
+          </a:p>
+        </p:txBody>
+      </p:sp>
+      <p:sp>
+        <p:nvSpPr>
+          <p:cNvPr id="9" name="右箭头 8"/>
+          <p:cNvSpPr/>
+          <p:nvPr>
+            <p:custDataLst>
+              <p:tags r:id="rId2"/>
+            </p:custDataLst>
+          </p:nvPr>
+        </p:nvSpPr>
+        <p:spPr>
+          <a:xfrm>
+            <a:off x="5945505" y="3579495"/>
+            <a:ext cx="1231900" cy="127635"/>
+          </a:xfrm>
+          <a:prstGeom prst="rightArrow">
+            <a:avLst>
+              <a:gd name="adj1" fmla="val 50000"/>
+              <a:gd name="adj2" fmla="val 335323"/>
+            </a:avLst>
+          </a:prstGeom>
+        </p:spPr>
+        <p:style>
+          <a:lnRef idx="2">
+            <a:schemeClr val="accent6"/>
+          </a:lnRef>
+          <a:fillRef idx="1">
+            <a:schemeClr val="lt1"/>
+          </a:fillRef>
+          <a:effectRef idx="0">
+            <a:schemeClr val="accent6"/>
+          </a:effectRef>
+          <a:fontRef idx="minor">
+            <a:schemeClr val="dk1"/>
+          </a:fontRef>
+        </p:style>
+        <p:txBody>
+          <a:bodyPr rtlCol="0" anchor="ctr"/>
+          <a:p>
+            <a:pPr algn="ctr"/>
+            <a:endParaRPr lang="zh-CN" altLang="en-US"/>
+          </a:p>
+        </p:txBody>
+      </p:sp>
+      <p:sp>
+        <p:nvSpPr>
+          <p:cNvPr id="10" name="文本框 9"/>
+          <p:cNvSpPr txBox="1"/>
+          <p:nvPr>
+            <p:custDataLst>
+              <p:tags r:id="rId3"/>
+            </p:custDataLst>
+          </p:nvPr>
+        </p:nvSpPr>
+        <p:spPr>
+          <a:xfrm>
+            <a:off x="6005195" y="2995295"/>
+            <a:ext cx="1112520" cy="465455"/>
+          </a:xfrm>
+          <a:prstGeom prst="rect">
+            <a:avLst/>
+          </a:prstGeom>
+          <a:noFill/>
+        </p:spPr>
+        <p:txBody>
+          <a:bodyPr wrap="square" rtlCol="0">
+            <a:noAutofit/>
+          </a:bodyPr>
+          <a:p>
+            <a:pPr algn="ctr"/>
+            <a:r>
+              <a:rPr lang="en-US" altLang="zh-CN" sz="1600"/>
+              <a:t>training indicator</a:t>
+            </a:r>
+            <a:endParaRPr lang="en-US" altLang="zh-CN" sz="1600"/>
+          </a:p>
+        </p:txBody>
+      </p:sp>
+      <p:sp>
+        <p:nvSpPr>
+          <p:cNvPr id="12" name="流程图: 过程 11"/>
+          <p:cNvSpPr/>
+          <p:nvPr>
+            <p:custDataLst>
+              <p:tags r:id="rId4"/>
+            </p:custDataLst>
+          </p:nvPr>
+        </p:nvSpPr>
+        <p:spPr>
+          <a:xfrm>
+            <a:off x="7480935" y="3382010"/>
+            <a:ext cx="1527810" cy="522605"/>
+          </a:xfrm>
+          <a:prstGeom prst="flowChartProcess">
+            <a:avLst/>
+          </a:prstGeom>
+          <a:ln>
+            <a:solidFill>
+              <a:schemeClr val="tx1"/>
+            </a:solidFill>
+          </a:ln>
+        </p:spPr>
+        <p:style>
+          <a:lnRef idx="2">
+            <a:schemeClr val="accent6"/>
+          </a:lnRef>
+          <a:fillRef idx="1">
+            <a:schemeClr val="lt1"/>
+          </a:fillRef>
+          <a:effectRef idx="0">
+            <a:schemeClr val="accent6"/>
+          </a:effectRef>
+          <a:fontRef idx="minor">
+            <a:schemeClr val="dk1"/>
+          </a:fontRef>
+        </p:style>
+        <p:txBody>
+          <a:bodyPr rtlCol="0" anchor="ctr"/>
+          <a:p>
+            <a:pPr algn="ctr"/>
+            <a:r>
+              <a:rPr lang="en-US" altLang="zh-CN"/>
+              <a:t>enabled indicator</a:t>
+            </a:r>
+            <a:endParaRPr lang="en-US" altLang="zh-CN"/>
+          </a:p>
+        </p:txBody>
+      </p:sp>
+      <p:sp>
+        <p:nvSpPr>
+          <p:cNvPr id="13" name="右箭头 12"/>
+          <p:cNvSpPr/>
+          <p:nvPr>
+            <p:custDataLst>
+              <p:tags r:id="rId5"/>
+            </p:custDataLst>
+          </p:nvPr>
+        </p:nvSpPr>
+        <p:spPr>
+          <a:xfrm rot="5400000">
+            <a:off x="1934845" y="2589530"/>
+            <a:ext cx="692150" cy="92075"/>
+          </a:xfrm>
+          <a:prstGeom prst="rightArrow">
+            <a:avLst>
+              <a:gd name="adj1" fmla="val 50000"/>
+              <a:gd name="adj2" fmla="val 335323"/>
+            </a:avLst>
+          </a:prstGeom>
+        </p:spPr>
+        <p:style>
+          <a:lnRef idx="2">
+            <a:schemeClr val="accent6"/>
+          </a:lnRef>
+          <a:fillRef idx="1">
+            <a:schemeClr val="lt1"/>
+          </a:fillRef>
+          <a:effectRef idx="0">
+            <a:schemeClr val="accent6"/>
+          </a:effectRef>
+          <a:fontRef idx="minor">
+            <a:schemeClr val="dk1"/>
+          </a:fontRef>
+        </p:style>
+        <p:txBody>
+          <a:bodyPr rtlCol="0" anchor="ctr"/>
+          <a:p>
+            <a:pPr algn="ctr"/>
+            <a:endParaRPr lang="zh-CN" altLang="en-US"/>
+          </a:p>
+        </p:txBody>
+      </p:sp>
+      <p:sp>
+        <p:nvSpPr>
+          <p:cNvPr id="4" name="流程图: 过程 3"/>
+          <p:cNvSpPr/>
+          <p:nvPr>
+            <p:custDataLst>
+              <p:tags r:id="rId6"/>
+            </p:custDataLst>
+          </p:nvPr>
+        </p:nvSpPr>
+        <p:spPr>
+          <a:xfrm>
+            <a:off x="1734185" y="3707130"/>
+            <a:ext cx="1111885" cy="459105"/>
+          </a:xfrm>
+          <a:prstGeom prst="flowChartProcess">
+            <a:avLst/>
+          </a:prstGeom>
+          <a:ln>
+            <a:solidFill>
+              <a:schemeClr val="tx1"/>
+            </a:solidFill>
+          </a:ln>
+        </p:spPr>
+        <p:style>
+          <a:lnRef idx="2">
+            <a:schemeClr val="accent6"/>
+          </a:lnRef>
+          <a:fillRef idx="1">
+            <a:schemeClr val="lt1"/>
+          </a:fillRef>
+          <a:effectRef idx="0">
+            <a:schemeClr val="accent6"/>
+          </a:effectRef>
+          <a:fontRef idx="minor">
+            <a:schemeClr val="dk1"/>
+          </a:fontRef>
+        </p:style>
+        <p:txBody>
+          <a:bodyPr rtlCol="0" anchor="ctr"/>
+          <a:p>
+            <a:pPr algn="ctr"/>
+            <a:r>
+              <a:rPr lang="en-US" altLang="zh-CN"/>
+              <a:t>unsafe</a:t>
+            </a:r>
+            <a:endParaRPr lang="en-US" altLang="zh-CN"/>
+          </a:p>
+        </p:txBody>
+      </p:sp>
+      <p:sp>
+        <p:nvSpPr>
+          <p:cNvPr id="6" name="左大括号 5"/>
+          <p:cNvSpPr/>
+          <p:nvPr/>
+        </p:nvSpPr>
+        <p:spPr>
+          <a:xfrm>
+            <a:off x="3216910" y="3086100"/>
+            <a:ext cx="586105" cy="1073785"/>
+          </a:xfrm>
+          <a:prstGeom prst="leftBrace">
+            <a:avLst/>
+          </a:prstGeom>
+        </p:spPr>
+        <p:style>
+          <a:lnRef idx="3">
+            <a:schemeClr val="accent1"/>
+          </a:lnRef>
+          <a:fillRef idx="0">
+            <a:schemeClr val="accent1"/>
+          </a:fillRef>
+          <a:effectRef idx="2">
+            <a:schemeClr val="accent1"/>
+          </a:effectRef>
+          <a:fontRef idx="minor">
+            <a:schemeClr val="tx1"/>
+          </a:fontRef>
+        </p:style>
+        <p:txBody>
+          <a:bodyPr rtlCol="0" anchor="ctr"/>
+          <a:p>
+            <a:pPr algn="ctr"/>
+            <a:endParaRPr lang="zh-CN" altLang="en-US"/>
+          </a:p>
+        </p:txBody>
+      </p:sp>
+      <p:sp>
+        <p:nvSpPr>
+          <p:cNvPr id="14" name="文本框 13"/>
+          <p:cNvSpPr txBox="1"/>
+          <p:nvPr/>
+        </p:nvSpPr>
+        <p:spPr>
+          <a:xfrm>
+            <a:off x="3901440" y="3162300"/>
+            <a:ext cx="1759585" cy="922020"/>
+          </a:xfrm>
+          <a:prstGeom prst="rect">
+            <a:avLst/>
+          </a:prstGeom>
+          <a:noFill/>
+        </p:spPr>
+        <p:txBody>
+          <a:bodyPr wrap="square" rtlCol="0">
+            <a:spAutoFit/>
+          </a:bodyPr>
+          <a:p>
+            <a:r>
+              <a:rPr lang="en-US" altLang="zh-CN"/>
+              <a:t>if safe or not</a:t>
+            </a:r>
+            <a:endParaRPr lang="en-US" altLang="zh-CN"/>
+          </a:p>
+          <a:p>
+            <a:endParaRPr lang="en-US" altLang="zh-CN"/>
+          </a:p>
+          <a:p>
+            <a:r>
+              <a:rPr lang="en-US" altLang="zh-CN"/>
+              <a:t>which property</a:t>
+            </a:r>
+            <a:endParaRPr lang="en-US" altLang="zh-CN"/>
+          </a:p>
+        </p:txBody>
+      </p:sp>
+      <p:sp>
+        <p:nvSpPr>
+          <p:cNvPr id="15" name="左大括号 14"/>
+          <p:cNvSpPr/>
+          <p:nvPr/>
+        </p:nvSpPr>
+        <p:spPr>
+          <a:xfrm>
+            <a:off x="9371330" y="3105785"/>
+            <a:ext cx="586105" cy="1073785"/>
+          </a:xfrm>
+          <a:prstGeom prst="leftBrace">
+            <a:avLst/>
+          </a:prstGeom>
+        </p:spPr>
+        <p:style>
+          <a:lnRef idx="3">
+            <a:schemeClr val="accent1"/>
+          </a:lnRef>
+          <a:fillRef idx="0">
+            <a:schemeClr val="accent1"/>
+          </a:fillRef>
+          <a:effectRef idx="2">
+            <a:schemeClr val="accent1"/>
+          </a:effectRef>
+          <a:fontRef idx="minor">
+            <a:schemeClr val="tx1"/>
+          </a:fontRef>
+        </p:style>
+        <p:txBody>
+          <a:bodyPr rtlCol="0" anchor="ctr"/>
+          <a:p>
+            <a:pPr algn="ctr"/>
+            <a:endParaRPr lang="zh-CN" altLang="en-US"/>
+          </a:p>
+        </p:txBody>
+      </p:sp>
+      <p:sp>
+        <p:nvSpPr>
+          <p:cNvPr id="16" name="文本框 15"/>
+          <p:cNvSpPr txBox="1"/>
+          <p:nvPr/>
+        </p:nvSpPr>
+        <p:spPr>
+          <a:xfrm>
+            <a:off x="10026650" y="3182620"/>
+            <a:ext cx="1759585" cy="922020"/>
+          </a:xfrm>
+          <a:prstGeom prst="rect">
+            <a:avLst/>
+          </a:prstGeom>
+          <a:noFill/>
+        </p:spPr>
+        <p:txBody>
+          <a:bodyPr wrap="square" rtlCol="0">
+            <a:spAutoFit/>
+          </a:bodyPr>
+          <a:p>
+            <a:r>
+              <a:rPr lang="en-US" altLang="zh-CN"/>
+              <a:t>which input region need to be repaird</a:t>
+            </a:r>
+            <a:endParaRPr lang="en-US" altLang="zh-CN"/>
+          </a:p>
+        </p:txBody>
+      </p:sp>
+      <p:sp>
+        <p:nvSpPr>
+          <p:cNvPr id="17" name="右箭头 16"/>
+          <p:cNvSpPr/>
+          <p:nvPr>
+            <p:custDataLst>
+              <p:tags r:id="rId7"/>
+            </p:custDataLst>
+          </p:nvPr>
+        </p:nvSpPr>
+        <p:spPr>
+          <a:xfrm rot="5400000">
+            <a:off x="7918450" y="4364990"/>
+            <a:ext cx="652145" cy="90805"/>
+          </a:xfrm>
+          <a:prstGeom prst="rightArrow">
+            <a:avLst>
+              <a:gd name="adj1" fmla="val 50000"/>
+              <a:gd name="adj2" fmla="val 335323"/>
+            </a:avLst>
+          </a:prstGeom>
+        </p:spPr>
+        <p:style>
+          <a:lnRef idx="2">
+            <a:schemeClr val="accent6"/>
+          </a:lnRef>
+          <a:fillRef idx="1">
+            <a:schemeClr val="lt1"/>
+          </a:fillRef>
+          <a:effectRef idx="0">
+            <a:schemeClr val="accent6"/>
+          </a:effectRef>
+          <a:fontRef idx="minor">
+            <a:schemeClr val="dk1"/>
+          </a:fontRef>
+        </p:style>
+        <p:txBody>
+          <a:bodyPr rtlCol="0" anchor="ctr"/>
+          <a:p>
+            <a:pPr algn="ctr"/>
+            <a:endParaRPr lang="zh-CN" altLang="en-US"/>
+          </a:p>
+        </p:txBody>
+      </p:sp>
+      <p:sp>
+        <p:nvSpPr>
+          <p:cNvPr id="18" name="文本框 17"/>
+          <p:cNvSpPr txBox="1"/>
+          <p:nvPr>
+            <p:custDataLst>
+              <p:tags r:id="rId8"/>
+            </p:custDataLst>
+          </p:nvPr>
+        </p:nvSpPr>
+        <p:spPr>
+          <a:xfrm>
+            <a:off x="8392160" y="4231640"/>
+            <a:ext cx="1112520" cy="465455"/>
+          </a:xfrm>
+          <a:prstGeom prst="rect">
+            <a:avLst/>
+          </a:prstGeom>
+          <a:noFill/>
+        </p:spPr>
+        <p:txBody>
+          <a:bodyPr wrap="square" rtlCol="0">
+            <a:noAutofit/>
+          </a:bodyPr>
+          <a:p>
+            <a:pPr algn="ctr"/>
+            <a:r>
+              <a:rPr lang="en-US" altLang="zh-CN" sz="1200"/>
+              <a:t>combine with patch</a:t>
+            </a:r>
+            <a:r>
+              <a:rPr lang="en-US" altLang="zh-CN" sz="1600"/>
+              <a:t> </a:t>
+            </a:r>
+            <a:endParaRPr lang="en-US" altLang="zh-CN" sz="1600"/>
+          </a:p>
+        </p:txBody>
+      </p:sp>
+      <p:pic>
+        <p:nvPicPr>
+          <p:cNvPr id="19" name="图片 18"/>
+          <p:cNvPicPr>
+            <a:picLocks noChangeAspect="1"/>
+          </p:cNvPicPr>
+          <p:nvPr/>
+        </p:nvPicPr>
+        <p:blipFill>
+          <a:blip r:embed="rId9"/>
+          <a:stretch>
+            <a:fillRect/>
+          </a:stretch>
+        </p:blipFill>
+        <p:spPr>
+          <a:xfrm>
+            <a:off x="1179195" y="4891405"/>
+            <a:ext cx="5998210" cy="789940"/>
+          </a:xfrm>
+          <a:prstGeom prst="rect">
+            <a:avLst/>
+          </a:prstGeom>
+        </p:spPr>
+      </p:pic>
+      <p:sp>
+        <p:nvSpPr>
+          <p:cNvPr id="20" name="流程图: 过程 19"/>
+          <p:cNvSpPr/>
+          <p:nvPr>
+            <p:custDataLst>
+              <p:tags r:id="rId10"/>
+            </p:custDataLst>
+          </p:nvPr>
+        </p:nvSpPr>
+        <p:spPr>
+          <a:xfrm>
+            <a:off x="7480300" y="5024755"/>
+            <a:ext cx="1527810" cy="522605"/>
+          </a:xfrm>
+          <a:prstGeom prst="flowChartProcess">
+            <a:avLst/>
+          </a:prstGeom>
+          <a:ln>
+            <a:solidFill>
+              <a:schemeClr val="tx1"/>
+            </a:solidFill>
+          </a:ln>
+        </p:spPr>
+        <p:style>
+          <a:lnRef idx="2">
+            <a:schemeClr val="accent6"/>
+          </a:lnRef>
+          <a:fillRef idx="1">
+            <a:schemeClr val="lt1"/>
+          </a:fillRef>
+          <a:effectRef idx="0">
+            <a:schemeClr val="accent6"/>
+          </a:effectRef>
+          <a:fontRef idx="minor">
+            <a:schemeClr val="dk1"/>
+          </a:fontRef>
+        </p:style>
+        <p:txBody>
+          <a:bodyPr rtlCol="0" anchor="ctr"/>
+          <a:p>
+            <a:pPr algn="ctr"/>
+            <a:r>
+              <a:rPr lang="en-US" altLang="zh-CN">
+                <a:ln/>
+                <a:solidFill>
+                  <a:schemeClr val="accent1"/>
+                </a:solidFill>
+                <a:effectLst>
+                  <a:outerShdw blurRad="38100" dist="25400" dir="5400000" algn="ctr" rotWithShape="0">
+                    <a:srgbClr val="6E747A">
+                      <a:alpha val="43000"/>
+                    </a:srgbClr>
+                  </a:outerShdw>
+                </a:effectLst>
+              </a:rPr>
+              <a:t>repaired NN</a:t>
+            </a:r>
+            <a:endParaRPr lang="en-US" altLang="zh-CN">
+              <a:ln/>
+              <a:solidFill>
+                <a:schemeClr val="accent1"/>
+              </a:solidFill>
+              <a:effectLst>
+                <a:outerShdw blurRad="38100" dist="25400" dir="5400000" algn="ctr" rotWithShape="0">
+                  <a:srgbClr val="6E747A">
+                    <a:alpha val="43000"/>
+                  </a:srgbClr>
+                </a:outerShdw>
+              </a:effectLst>
+            </a:endParaRPr>
+          </a:p>
+        </p:txBody>
+      </p:sp>
+    </p:spTree>
+  </p:cSld>
+  <p:clrMapOvr>
+    <a:masterClrMapping/>
+  </p:clrMapOvr>
+</p:sld>
+</file>
+
+<file path=ppt/slides/slide11.xml><?xml version="1.0" encoding="utf-8"?>
+<p:sld xmlns:a="http://schemas.openxmlformats.org/drawingml/2006/main" xmlns:r="http://schemas.openxmlformats.org/officeDocument/2006/relationships" xmlns:p="http://schemas.openxmlformats.org/presentationml/2006/main">
+  <p:cSld>
+    <p:spTree>
+      <p:nvGrpSpPr>
+        <p:cNvPr id="1" name=""/>
+        <p:cNvGrpSpPr/>
+        <p:nvPr/>
+      </p:nvGrpSpPr>
+      <p:grpSpPr/>
+      <p:sp>
+        <p:nvSpPr>
           <p:cNvPr id="2" name="内容占位符 1"/>
           <p:cNvSpPr>
             <a:spLocks noGrp="1"/>
@@ -5696,12 +6415,20 @@
             </a:pPr>
             <a:r>
               <a:rPr lang="zh-CN" altLang="en-US"/>
-              <a:t>添加固定相同数量的patch网络和indicator网络</a:t>
-            </a:r>
-            <a:endParaRPr lang="zh-CN" altLang="en-US"/>
-          </a:p>
-          <a:p>
-            <a:pPr lvl="2" fontAlgn="auto">
+              <a:t>添加固定与</a:t>
+            </a:r>
+            <a:r>
+              <a:rPr lang="zh-CN" altLang="en-US"/>
+              <a:t>待修复性质</a:t>
+            </a:r>
+            <a:r>
+              <a:rPr lang="zh-CN" altLang="en-US"/>
+              <a:t>数量的patch网络</a:t>
+            </a:r>
+            <a:endParaRPr lang="zh-CN" altLang="en-US"/>
+          </a:p>
+          <a:p>
+            <a:pPr lvl="1" fontAlgn="auto">
               <a:lnSpc>
                 <a:spcPct val="150000"/>
               </a:lnSpc>
@@ -5712,7 +6439,11 @@
             </a:r>
             <a:r>
               <a:rPr lang="zh-CN" altLang="en-US"/>
-              <a:t>和</a:t>
+              <a:t>的</a:t>
+            </a:r>
+            <a:r>
+              <a:rPr lang="zh-CN" altLang="en-US"/>
+              <a:t>输出分量和</a:t>
             </a:r>
             <a:r>
               <a:rPr lang="en-US" altLang="zh-CN"/>
@@ -5983,7 +6714,7 @@
 </p:sld>
 </file>
 
-<file path=ppt/slides/slide11.xml><?xml version="1.0" encoding="utf-8"?>
+<file path=ppt/slides/slide12.xml><?xml version="1.0" encoding="utf-8"?>
 <p:sld xmlns:a="http://schemas.openxmlformats.org/drawingml/2006/main" xmlns:r="http://schemas.openxmlformats.org/officeDocument/2006/relationships" xmlns:p="http://schemas.openxmlformats.org/presentationml/2006/main">
   <p:cSld>
     <p:spTree>
@@ -6160,7 +6891,7 @@
 </p:sld>
 </file>
 
-<file path=ppt/slides/slide12.xml><?xml version="1.0" encoding="utf-8"?>
+<file path=ppt/slides/slide13.xml><?xml version="1.0" encoding="utf-8"?>
 <p:sld xmlns:a="http://schemas.openxmlformats.org/drawingml/2006/main" xmlns:r="http://schemas.openxmlformats.org/officeDocument/2006/relationships" xmlns:p="http://schemas.openxmlformats.org/presentationml/2006/main">
   <p:cSld>
     <p:spTree>
@@ -6339,7 +7070,7 @@
 </p:sld>
 </file>
 
-<file path=ppt/slides/slide13.xml><?xml version="1.0" encoding="utf-8"?>
+<file path=ppt/slides/slide14.xml><?xml version="1.0" encoding="utf-8"?>
 <p:sld xmlns:a="http://schemas.openxmlformats.org/drawingml/2006/main" xmlns:r="http://schemas.openxmlformats.org/officeDocument/2006/relationships" xmlns:p="http://schemas.openxmlformats.org/presentationml/2006/main">
   <p:cSld>
     <p:spTree>
@@ -6677,7 +7408,7 @@
 </p:sld>
 </file>
 
-<file path=ppt/slides/slide14.xml><?xml version="1.0" encoding="utf-8"?>
+<file path=ppt/slides/slide15.xml><?xml version="1.0" encoding="utf-8"?>
 <p:sld xmlns:a="http://schemas.openxmlformats.org/drawingml/2006/main" xmlns:r="http://schemas.openxmlformats.org/officeDocument/2006/relationships" xmlns:p="http://schemas.openxmlformats.org/presentationml/2006/main">
   <p:cSld>
     <p:bg>
@@ -10628,7 +11359,7 @@
             <a:pPr algn="ctr"/>
             <a:r>
               <a:rPr lang="en-US" altLang="zh-CN"/>
-              <a:t>violated for properties</a:t>
+              <a:t>unsafe </a:t>
             </a:r>
             <a:endParaRPr lang="en-US" altLang="zh-CN"/>
           </a:p>
@@ -10908,20 +11639,74 @@
 
 <file path=ppt/tags/tag10.xml><?xml version="1.0" encoding="utf-8"?>
 <p:tagLst xmlns:p="http://schemas.openxmlformats.org/presentationml/2006/main">
-  <p:tag name="KSO_WM_UNIT_TABLE_BEAUTIFY" val="smartTable{78d83743-3def-4133-908e-2525dfca33e6}"/>
+  <p:tag name="KSO_WM_BEAUTIFY_FLAG" val=""/>
 </p:tagLst>
 </file>
 
 <file path=ppt/tags/tag11.xml><?xml version="1.0" encoding="utf-8"?>
 <p:tagLst xmlns:p="http://schemas.openxmlformats.org/presentationml/2006/main">
-  <p:tag name="KSO_WPP_MARK_KEY" val="c0f8c1c7-ef60-4d72-9b76-f7734bae5e8a"/>
-  <p:tag name="COMMONDATA" val="eyJoZGlkIjoiNWRiN2EzOTIwNTFkMWRjYjlhM2M2MjEwMTAzOTAyMTAifQ=="/>
+  <p:tag name="KSO_WM_BEAUTIFY_FLAG" val=""/>
+</p:tagLst>
+</file>
+
+<file path=ppt/tags/tag12.xml><?xml version="1.0" encoding="utf-8"?>
+<p:tagLst xmlns:p="http://schemas.openxmlformats.org/presentationml/2006/main">
+  <p:tag name="KSO_WM_BEAUTIFY_FLAG" val=""/>
+</p:tagLst>
+</file>
+
+<file path=ppt/tags/tag13.xml><?xml version="1.0" encoding="utf-8"?>
+<p:tagLst xmlns:p="http://schemas.openxmlformats.org/presentationml/2006/main">
+  <p:tag name="KSO_WM_BEAUTIFY_FLAG" val=""/>
+</p:tagLst>
+</file>
+
+<file path=ppt/tags/tag14.xml><?xml version="1.0" encoding="utf-8"?>
+<p:tagLst xmlns:p="http://schemas.openxmlformats.org/presentationml/2006/main">
+  <p:tag name="KSO_WM_BEAUTIFY_FLAG" val=""/>
+</p:tagLst>
+</file>
+
+<file path=ppt/tags/tag15.xml><?xml version="1.0" encoding="utf-8"?>
+<p:tagLst xmlns:p="http://schemas.openxmlformats.org/presentationml/2006/main">
+  <p:tag name="KSO_WM_BEAUTIFY_FLAG" val=""/>
+</p:tagLst>
+</file>
+
+<file path=ppt/tags/tag16.xml><?xml version="1.0" encoding="utf-8"?>
+<p:tagLst xmlns:p="http://schemas.openxmlformats.org/presentationml/2006/main">
+  <p:tag name="KSO_WM_BEAUTIFY_FLAG" val=""/>
+</p:tagLst>
+</file>
+
+<file path=ppt/tags/tag17.xml><?xml version="1.0" encoding="utf-8"?>
+<p:tagLst xmlns:p="http://schemas.openxmlformats.org/presentationml/2006/main">
+  <p:tag name="KSO_WM_BEAUTIFY_FLAG" val=""/>
+</p:tagLst>
+</file>
+
+<file path=ppt/tags/tag18.xml><?xml version="1.0" encoding="utf-8"?>
+<p:tagLst xmlns:p="http://schemas.openxmlformats.org/presentationml/2006/main">
+  <p:tag name="KSO_WM_UNIT_TABLE_BEAUTIFY" val="smartTable{2d3aae49-591d-455a-ba04-05c9138e3332}"/>
+</p:tagLst>
+</file>
+
+<file path=ppt/tags/tag19.xml><?xml version="1.0" encoding="utf-8"?>
+<p:tagLst xmlns:p="http://schemas.openxmlformats.org/presentationml/2006/main">
+  <p:tag name="KSO_WM_UNIT_TABLE_BEAUTIFY" val="smartTable{78d83743-3def-4133-908e-2525dfca33e6}"/>
 </p:tagLst>
 </file>
 
 <file path=ppt/tags/tag2.xml><?xml version="1.0" encoding="utf-8"?>
 <p:tagLst xmlns:p="http://schemas.openxmlformats.org/presentationml/2006/main">
   <p:tag name="KSO_WM_BEAUTIFY_FLAG" val=""/>
+</p:tagLst>
+</file>
+
+<file path=ppt/tags/tag20.xml><?xml version="1.0" encoding="utf-8"?>
+<p:tagLst xmlns:p="http://schemas.openxmlformats.org/presentationml/2006/main">
+  <p:tag name="KSO_WPP_MARK_KEY" val="c0f8c1c7-ef60-4d72-9b76-f7734bae5e8a"/>
+  <p:tag name="COMMONDATA" val="eyJoZGlkIjoiYzNjMDY0NjEyOGM4YjM5OTYwM2FjNTY4ZTE2YzY5YTEifQ=="/>
 </p:tagLst>
 </file>
 
@@ -10963,7 +11748,7 @@
 
 <file path=ppt/tags/tag9.xml><?xml version="1.0" encoding="utf-8"?>
 <p:tagLst xmlns:p="http://schemas.openxmlformats.org/presentationml/2006/main">
-  <p:tag name="KSO_WM_UNIT_TABLE_BEAUTIFY" val="smartTable{2d3aae49-591d-455a-ba04-05c9138e3332}"/>
+  <p:tag name="KSO_WM_BEAUTIFY_FLAG" val=""/>
 </p:tagLst>
 </file>
 

--- a/神经网络修复工作进展.pptx
+++ b/神经网络修复工作进展.pptx
@@ -124,6 +124,22 @@
       </a:defRPr>
     </a:lvl9pPr>
   </p:defaultTextStyle>
+  <p:extLst>
+    <p:ext uri="{EFAFB233-063F-42B5-8137-9DF3F51BA10A}">
+      <p15:sldGuideLst xmlns:p15="http://schemas.microsoft.com/office/powerpoint/2012/main">
+        <p15:guide id="1" orient="horz" pos="2104" userDrawn="1">
+          <p15:clr>
+            <a:srgbClr val="A4A3A4"/>
+          </p15:clr>
+        </p15:guide>
+        <p15:guide id="2" pos="3842" userDrawn="1">
+          <p15:clr>
+            <a:srgbClr val="A4A3A4"/>
+          </p15:clr>
+        </p15:guide>
+      </p15:sldGuideLst>
+    </p:ext>
+  </p:extLst>
 </p:presentation>
 </file>
 
@@ -801,17 +817,67 @@
           <a:p>
             <a:r>
               <a:rPr lang="zh-CN" altLang="en-US"/>
-              <a:t>接下来讲一下我们已经做的实验。</a:t>
-            </a:r>
-            <a:endParaRPr lang="zh-CN" altLang="en-US"/>
-          </a:p>
-          <a:p>
-            <a:endParaRPr lang="zh-CN" altLang="en-US"/>
-          </a:p>
-          <a:p>
-            <a:r>
-              <a:rPr lang="zh-CN" altLang="en-US"/>
-              <a:t>我们暂时固定了</a:t>
+              <a:t>对</a:t>
+            </a:r>
+            <a:r>
+              <a:rPr lang="en-US" altLang="zh-CN"/>
+              <a:t>indicator</a:t>
+            </a:r>
+            <a:r>
+              <a:rPr lang="zh-CN" altLang="en-US"/>
+              <a:t>进行预训练，使得它对输入区间有识别能力，可以判断这个输入区间是在哪个</a:t>
+            </a:r>
+            <a:r>
+              <a:rPr lang="zh-CN" altLang="en-US"/>
+              <a:t>性质中</a:t>
+            </a:r>
+            <a:endParaRPr lang="zh-CN" altLang="en-US"/>
+          </a:p>
+          <a:p>
+            <a:endParaRPr lang="zh-CN" altLang="en-US"/>
+          </a:p>
+          <a:p>
+            <a:r>
+              <a:rPr lang="zh-CN" altLang="en-US"/>
+              <a:t>像对于安全性质，我们可以先对输入区间进行分割，使得精度提高。将这些区间作为训练集放入</a:t>
+            </a:r>
+            <a:r>
+              <a:rPr lang="en-US" altLang="zh-CN"/>
+              <a:t>indicator</a:t>
+            </a:r>
+            <a:r>
+              <a:rPr lang="zh-CN" altLang="en-US"/>
+              <a:t>中进行训练，使得</a:t>
+            </a:r>
+            <a:r>
+              <a:rPr lang="en-US" altLang="zh-CN"/>
+              <a:t>indicator</a:t>
+            </a:r>
+            <a:r>
+              <a:rPr lang="zh-CN" altLang="en-US"/>
+              <a:t>对于输入区间和性质的相关性有一个较好的</a:t>
+            </a:r>
+            <a:r>
+              <a:rPr lang="zh-CN" altLang="en-US"/>
+              <a:t>判定。</a:t>
+            </a:r>
+            <a:endParaRPr lang="zh-CN" altLang="en-US"/>
+          </a:p>
+          <a:p>
+            <a:endParaRPr lang="en-US" altLang="zh-CN"/>
+          </a:p>
+          <a:p>
+            <a:r>
+              <a:rPr lang="zh-CN" altLang="en-US"/>
+              <a:t>有了预训练的</a:t>
+            </a:r>
+            <a:r>
+              <a:rPr lang="en-US" altLang="zh-CN"/>
+              <a:t>indicator</a:t>
+            </a:r>
+            <a:r>
+              <a:rPr lang="zh-CN" altLang="en-US"/>
+              <a:t>以后，我们就可以将它和</a:t>
             </a:r>
             <a:r>
               <a:rPr lang="en-US" altLang="zh-CN"/>
@@ -819,65 +885,35 @@
             </a:r>
             <a:r>
               <a:rPr lang="zh-CN" altLang="en-US"/>
-              <a:t>和</a:t>
+              <a:t>相结合，去进行修复。结合的方法就是用下面的公式。在这个公式，当支持网络的输出较小时，</a:t>
             </a:r>
             <a:r>
               <a:rPr lang="en-US" altLang="zh-CN"/>
-              <a:t>indicator</a:t>
-            </a:r>
-            <a:r>
-              <a:rPr lang="zh-CN" altLang="en-US"/>
-              <a:t>的网络数量，并让</a:t>
+              <a:t>ha</a:t>
+            </a:r>
+            <a:r>
+              <a:rPr lang="zh-CN" altLang="en-US"/>
+              <a:t>会更偏向于</a:t>
             </a:r>
             <a:r>
               <a:rPr lang="en-US" altLang="zh-CN"/>
-              <a:t>indicator</a:t>
-            </a:r>
-            <a:r>
-              <a:rPr lang="zh-CN" altLang="en-US"/>
-              <a:t>网络对应控制一个</a:t>
-            </a:r>
-            <a:r>
-              <a:rPr lang="en-US" altLang="zh-CN"/>
-              <a:t>patch</a:t>
-            </a:r>
-            <a:r>
-              <a:rPr lang="zh-CN" altLang="en-US"/>
-              <a:t>网络</a:t>
-            </a:r>
-            <a:r>
-              <a:rPr lang="zh-CN" altLang="en-US"/>
-              <a:t>进行修复。</a:t>
-            </a:r>
-            <a:endParaRPr lang="zh-CN" altLang="en-US"/>
-          </a:p>
-          <a:p>
-            <a:endParaRPr lang="zh-CN" altLang="en-US"/>
-          </a:p>
-          <a:p>
-            <a:r>
-              <a:rPr lang="zh-CN" altLang="en-US"/>
-              <a:t>在训练的过程中这些网络是一起训练的，且同时修复多个</a:t>
-            </a:r>
-            <a:r>
-              <a:rPr lang="zh-CN" altLang="en-US"/>
-              <a:t>安全性质。</a:t>
-            </a:r>
-            <a:endParaRPr lang="zh-CN" altLang="en-US"/>
-          </a:p>
-          <a:p>
-            <a:endParaRPr lang="zh-CN" altLang="en-US"/>
-          </a:p>
-          <a:p>
-            <a:r>
-              <a:rPr lang="zh-CN" altLang="en-US"/>
-              <a:t>实验结果如下。可以看出现在的版本成功修复了多个安全性质，准确率也有</a:t>
-            </a:r>
-            <a:r>
-              <a:rPr lang="zh-CN" altLang="en-US"/>
-              <a:t>相应的提升。</a:t>
-            </a:r>
-            <a:endParaRPr lang="zh-CN" altLang="en-US"/>
+              <a:t>0</a:t>
+            </a:r>
+            <a:r>
+              <a:rPr lang="zh-CN" altLang="en-US"/>
+              <a:t>。</a:t>
+            </a:r>
+            <a:endParaRPr lang="zh-CN" altLang="en-US"/>
+          </a:p>
+          <a:p>
+            <a:endParaRPr lang="zh-CN" altLang="en-US"/>
+          </a:p>
+          <a:p>
+            <a:r>
+              <a:rPr lang="zh-CN" altLang="en-US"/>
+              <a:t>最后再把结合过后的修复部件和原网络结合，即两个部分的输出相加即可。</a:t>
+            </a:r>
+            <a:endParaRPr lang="en-US" altLang="zh-CN"/>
           </a:p>
         </p:txBody>
       </p:sp>
@@ -923,31 +959,17 @@
           <a:p>
             <a:r>
               <a:rPr lang="zh-CN" altLang="en-US"/>
-              <a:t>但是还有一些很大的不足。</a:t>
-            </a:r>
-            <a:endParaRPr lang="zh-CN" altLang="en-US"/>
-          </a:p>
-          <a:p>
-            <a:endParaRPr lang="zh-CN" altLang="en-US"/>
-          </a:p>
-          <a:p>
-            <a:r>
-              <a:rPr lang="zh-CN" altLang="en-US"/>
-              <a:t>由于训练框架中会使用抽象解释的方法，而抽象解释导致gamma会有相应的误差，不能准确地对具体数据的所在空间进行定位。换句话说，可能导致不在应该修复的空间内的点</a:t>
-            </a:r>
-            <a:r>
-              <a:rPr lang="zh-CN" altLang="en-US"/>
-              <a:t>被修复。</a:t>
-            </a:r>
-            <a:endParaRPr lang="zh-CN" altLang="en-US"/>
-          </a:p>
-          <a:p>
-            <a:endParaRPr lang="zh-CN" altLang="en-US"/>
-          </a:p>
-          <a:p>
-            <a:r>
-              <a:rPr lang="zh-CN" altLang="en-US"/>
-              <a:t>还有一个问题是训练得到</a:t>
+              <a:t>接下来讲一下我们已经做的实验。</a:t>
+            </a:r>
+            <a:endParaRPr lang="zh-CN" altLang="en-US"/>
+          </a:p>
+          <a:p>
+            <a:endParaRPr lang="zh-CN" altLang="en-US"/>
+          </a:p>
+          <a:p>
+            <a:r>
+              <a:rPr lang="zh-CN" altLang="en-US"/>
+              <a:t>我们暂时固定了</a:t>
             </a:r>
             <a:r>
               <a:rPr lang="en-US" altLang="zh-CN"/>
@@ -955,7 +977,23 @@
             </a:r>
             <a:r>
               <a:rPr lang="zh-CN" altLang="en-US"/>
-              <a:t>网络参数都是相同的，换句话说，我们训练得到的</a:t>
+              <a:t>和</a:t>
+            </a:r>
+            <a:r>
+              <a:rPr lang="en-US" altLang="zh-CN"/>
+              <a:t>indicator</a:t>
+            </a:r>
+            <a:r>
+              <a:rPr lang="zh-CN" altLang="en-US"/>
+              <a:t>的网络数量，并让</a:t>
+            </a:r>
+            <a:r>
+              <a:rPr lang="en-US" altLang="zh-CN"/>
+              <a:t>indicator</a:t>
+            </a:r>
+            <a:r>
+              <a:rPr lang="zh-CN" altLang="en-US"/>
+              <a:t>网络对应控制一个</a:t>
             </a:r>
             <a:r>
               <a:rPr lang="en-US" altLang="zh-CN"/>
@@ -963,19 +1001,39 @@
             </a:r>
             <a:r>
               <a:rPr lang="zh-CN" altLang="en-US"/>
-              <a:t>网络并没有达到修复特定性质的目的。这有可能是因为</a:t>
-            </a:r>
-            <a:r>
-              <a:rPr lang="en-US" altLang="zh-CN"/>
-              <a:t>indicator</a:t>
-            </a:r>
-            <a:r>
-              <a:rPr lang="zh-CN" altLang="en-US"/>
-              <a:t>不够精确，也有可能是训练的设计不好，需要进一步的</a:t>
-            </a:r>
-            <a:r>
-              <a:rPr lang="zh-CN" altLang="en-US"/>
-              <a:t>研究。</a:t>
+              <a:t>网络</a:t>
+            </a:r>
+            <a:r>
+              <a:rPr lang="zh-CN" altLang="en-US"/>
+              <a:t>进行修复。</a:t>
+            </a:r>
+            <a:endParaRPr lang="zh-CN" altLang="en-US"/>
+          </a:p>
+          <a:p>
+            <a:endParaRPr lang="zh-CN" altLang="en-US"/>
+          </a:p>
+          <a:p>
+            <a:r>
+              <a:rPr lang="zh-CN" altLang="en-US"/>
+              <a:t>在训练的过程中这些网络是一起训练的，且同时修复多个</a:t>
+            </a:r>
+            <a:r>
+              <a:rPr lang="zh-CN" altLang="en-US"/>
+              <a:t>安全性质。</a:t>
+            </a:r>
+            <a:endParaRPr lang="zh-CN" altLang="en-US"/>
+          </a:p>
+          <a:p>
+            <a:endParaRPr lang="zh-CN" altLang="en-US"/>
+          </a:p>
+          <a:p>
+            <a:r>
+              <a:rPr lang="zh-CN" altLang="en-US"/>
+              <a:t>实验结果如下。可以看出现在的版本成功修复了多个安全性质，准确率也有</a:t>
+            </a:r>
+            <a:r>
+              <a:rPr lang="zh-CN" altLang="en-US"/>
+              <a:t>相应的提升。</a:t>
             </a:r>
             <a:endParaRPr lang="zh-CN" altLang="en-US"/>
           </a:p>
@@ -1023,21 +1081,47 @@
           <a:p>
             <a:r>
               <a:rPr lang="zh-CN" altLang="en-US"/>
-              <a:t>我们还做了关于公平性质的修复。首先需要对数据进行预处理，将数据一一编码成性质。每个性质都有一个敏感属性，在敏感属性上，我们的约束是全区间，也就是所有可以取到的值；在非敏感属性上，我们约束的上下界是相等的，即原本数据的</a:t>
-            </a:r>
-            <a:r>
-              <a:rPr lang="zh-CN" altLang="en-US"/>
-              <a:t>值。</a:t>
-            </a:r>
-            <a:endParaRPr lang="zh-CN" altLang="en-US"/>
-          </a:p>
-          <a:p>
-            <a:endParaRPr lang="zh-CN" altLang="en-US"/>
-          </a:p>
-          <a:p>
-            <a:r>
-              <a:rPr lang="zh-CN" altLang="en-US"/>
-              <a:t>在公平性实验中，我们修复所有的性质，</a:t>
+              <a:t>但是还有一些很大的不足。</a:t>
+            </a:r>
+            <a:endParaRPr lang="zh-CN" altLang="en-US"/>
+          </a:p>
+          <a:p>
+            <a:endParaRPr lang="zh-CN" altLang="en-US"/>
+          </a:p>
+          <a:p>
+            <a:r>
+              <a:rPr lang="zh-CN" altLang="en-US"/>
+              <a:t>由于训练框架中会使用抽象解释的方法，而抽象解释导致gamma会有相应的误差，不能准确地对具体数据的所在空间进行定位。换句话说，可能导致不在应该修复的空间内的点</a:t>
+            </a:r>
+            <a:r>
+              <a:rPr lang="zh-CN" altLang="en-US"/>
+              <a:t>被修复。</a:t>
+            </a:r>
+            <a:endParaRPr lang="zh-CN" altLang="en-US"/>
+          </a:p>
+          <a:p>
+            <a:endParaRPr lang="zh-CN" altLang="en-US"/>
+          </a:p>
+          <a:p>
+            <a:r>
+              <a:rPr lang="zh-CN" altLang="en-US"/>
+              <a:t>还有一个问题是训练得到</a:t>
+            </a:r>
+            <a:r>
+              <a:rPr lang="en-US" altLang="zh-CN"/>
+              <a:t>patch</a:t>
+            </a:r>
+            <a:r>
+              <a:rPr lang="zh-CN" altLang="en-US"/>
+              <a:t>网络参数都是相同的，换句话说，我们训练得到的</a:t>
+            </a:r>
+            <a:r>
+              <a:rPr lang="en-US" altLang="zh-CN"/>
+              <a:t>patch</a:t>
+            </a:r>
+            <a:r>
+              <a:rPr lang="zh-CN" altLang="en-US"/>
+              <a:t>网络并没有达到修复特定性质的目的。这有可能是因为</a:t>
             </a:r>
             <a:r>
               <a:rPr lang="en-US" altLang="zh-CN"/>
@@ -1045,29 +1129,11 @@
             </a:r>
             <a:r>
               <a:rPr lang="zh-CN" altLang="en-US"/>
-              <a:t>和</a:t>
-            </a:r>
-            <a:r>
-              <a:rPr lang="en-US" altLang="zh-CN"/>
-              <a:t>patch</a:t>
-            </a:r>
-            <a:r>
-              <a:rPr lang="zh-CN" altLang="en-US"/>
-              <a:t>的设置和安全性实验相同。</a:t>
-            </a:r>
-            <a:endParaRPr lang="zh-CN" altLang="en-US"/>
-          </a:p>
-          <a:p>
-            <a:endParaRPr lang="zh-CN" altLang="en-US"/>
-          </a:p>
-          <a:p>
-            <a:r>
-              <a:rPr lang="zh-CN" altLang="en-US"/>
-              <a:t>我们一共做了两组实验，训练集和测试集相同和不同的情况我们</a:t>
-            </a:r>
-            <a:r>
-              <a:rPr lang="zh-CN" altLang="en-US"/>
-              <a:t>都测了一下。</a:t>
+              <a:t>不够精确，也有可能是训练的设计不好，需要进一步的</a:t>
+            </a:r>
+            <a:r>
+              <a:rPr lang="zh-CN" altLang="en-US"/>
+              <a:t>研究。</a:t>
             </a:r>
             <a:endParaRPr lang="zh-CN" altLang="en-US"/>
           </a:p>
@@ -1113,22 +1179,53 @@
         <p:txBody>
           <a:bodyPr/>
           <a:p>
-            <a:endParaRPr lang="zh-CN" altLang="en-US"/>
-          </a:p>
-          <a:p>
-            <a:r>
-              <a:rPr lang="zh-CN" altLang="en-US"/>
-              <a:t>训练集和验证集不同时，效果不好的原因：数据量太少，测试集和验证集分布完全不同，或者说是权重可行解和泛化的可行解域差距很大。后面考虑用数据增强的方法去做</a:t>
-            </a:r>
-            <a:endParaRPr lang="zh-CN" altLang="en-US"/>
-          </a:p>
-          <a:p>
-            <a:endParaRPr lang="zh-CN" altLang="en-US"/>
-          </a:p>
-          <a:p>
-            <a:r>
-              <a:rPr lang="zh-CN" altLang="en-US"/>
-              <a:t>公平性质的sensitive属性编码时要求整个子空间都要满足，且公平性质是若干数据，即若干个性质对应的可行解域的交，这导致可行解域很小</a:t>
+            <a:r>
+              <a:rPr lang="zh-CN" altLang="en-US"/>
+              <a:t>我们还做了关于公平性质的修复。首先需要对数据进行预处理，将数据一一编码成性质。每个性质都有一个敏感属性，在敏感属性上，我们的约束是全区间，也就是所有可以取到的值；在非敏感属性上，我们约束的上下界是相等的，即原本数据的</a:t>
+            </a:r>
+            <a:r>
+              <a:rPr lang="zh-CN" altLang="en-US"/>
+              <a:t>值。</a:t>
+            </a:r>
+            <a:endParaRPr lang="zh-CN" altLang="en-US"/>
+          </a:p>
+          <a:p>
+            <a:endParaRPr lang="zh-CN" altLang="en-US"/>
+          </a:p>
+          <a:p>
+            <a:r>
+              <a:rPr lang="zh-CN" altLang="en-US"/>
+              <a:t>在公平性实验中，我们修复所有的性质，</a:t>
+            </a:r>
+            <a:r>
+              <a:rPr lang="en-US" altLang="zh-CN"/>
+              <a:t>indicator</a:t>
+            </a:r>
+            <a:r>
+              <a:rPr lang="zh-CN" altLang="en-US"/>
+              <a:t>和</a:t>
+            </a:r>
+            <a:r>
+              <a:rPr lang="en-US" altLang="zh-CN"/>
+              <a:t>patch</a:t>
+            </a:r>
+            <a:r>
+              <a:rPr lang="zh-CN" altLang="en-US"/>
+              <a:t>的设置和安全性实验相同。</a:t>
+            </a:r>
+            <a:endParaRPr lang="zh-CN" altLang="en-US"/>
+          </a:p>
+          <a:p>
+            <a:endParaRPr lang="zh-CN" altLang="en-US"/>
+          </a:p>
+          <a:p>
+            <a:r>
+              <a:rPr lang="zh-CN" altLang="en-US"/>
+              <a:t>我们一共做了两组实验，训练集和测试集相同和不同的情况我们</a:t>
+            </a:r>
+            <a:r>
+              <a:rPr lang="zh-CN" altLang="en-US"/>
+              <a:t>都测了一下。</a:t>
             </a:r>
             <a:endParaRPr lang="zh-CN" altLang="en-US"/>
           </a:p>
@@ -1143,6 +1240,67 @@
 </file>
 
 <file path=ppt/notesSlides/notesSlide14.xml><?xml version="1.0" encoding="utf-8"?>
+<p:notes xmlns:a="http://schemas.openxmlformats.org/drawingml/2006/main" xmlns:r="http://schemas.openxmlformats.org/officeDocument/2006/relationships" xmlns:p="http://schemas.openxmlformats.org/presentationml/2006/main">
+  <p:cSld>
+    <p:spTree>
+      <p:nvGrpSpPr>
+        <p:cNvPr id="1" name=""/>
+        <p:cNvGrpSpPr/>
+        <p:nvPr/>
+      </p:nvGrpSpPr>
+      <p:grpSpPr/>
+      <p:sp>
+        <p:nvSpPr>
+          <p:cNvPr id="2" name="幻灯片图像占位符 1"/>
+          <p:cNvSpPr/>
+          <p:nvPr>
+            <p:ph type="sldImg" idx="2"/>
+          </p:nvPr>
+        </p:nvSpPr>
+        <p:spPr/>
+      </p:sp>
+      <p:sp>
+        <p:nvSpPr>
+          <p:cNvPr id="3" name="文本占位符 2"/>
+          <p:cNvSpPr/>
+          <p:nvPr>
+            <p:ph type="body" idx="3"/>
+          </p:nvPr>
+        </p:nvSpPr>
+        <p:spPr/>
+        <p:txBody>
+          <a:bodyPr/>
+          <a:p>
+            <a:endParaRPr lang="zh-CN" altLang="en-US"/>
+          </a:p>
+          <a:p>
+            <a:r>
+              <a:rPr lang="zh-CN" altLang="en-US"/>
+              <a:t>训练集和验证集不同时，效果不好的原因：数据量太少，测试集和验证集分布完全不同，或者说是权重可行解和泛化的可行解域差距很大。后面考虑用数据增强的方法去做</a:t>
+            </a:r>
+            <a:endParaRPr lang="zh-CN" altLang="en-US"/>
+          </a:p>
+          <a:p>
+            <a:endParaRPr lang="zh-CN" altLang="en-US"/>
+          </a:p>
+          <a:p>
+            <a:r>
+              <a:rPr lang="zh-CN" altLang="en-US"/>
+              <a:t>公平性质的sensitive属性编码时要求整个子空间都要满足，且公平性质是若干数据，即若干个性质对应的可行解域的交，这导致可行解域很小</a:t>
+            </a:r>
+            <a:endParaRPr lang="zh-CN" altLang="en-US"/>
+          </a:p>
+        </p:txBody>
+      </p:sp>
+    </p:spTree>
+  </p:cSld>
+  <p:clrMapOvr>
+    <a:masterClrMapping/>
+  </p:clrMapOvr>
+</p:notes>
+</file>
+
+<file path=ppt/notesSlides/notesSlide15.xml><?xml version="1.0" encoding="utf-8"?>
 <p:notes xmlns:a="http://schemas.openxmlformats.org/drawingml/2006/main" xmlns:r="http://schemas.openxmlformats.org/officeDocument/2006/relationships" xmlns:p="http://schemas.openxmlformats.org/presentationml/2006/main">
   <p:cSld>
     <p:spTree>
@@ -5708,7 +5866,6 @@
             <a:pPr algn="ctr"/>
             <a:r>
               <a:rPr lang="en-US" altLang="zh-CN">
-                <a:ln/>
                 <a:solidFill>
                   <a:srgbClr val="FF0000"/>
                 </a:solidFill>
@@ -5723,7 +5880,6 @@
               <a:t>input region</a:t>
             </a:r>
             <a:endParaRPr lang="en-US" altLang="zh-CN">
-              <a:ln/>
               <a:solidFill>
                 <a:srgbClr val="FF0000"/>
               </a:solidFill>
@@ -5781,7 +5937,7 @@
         <p:spPr>
           <a:xfrm>
             <a:off x="1725295" y="3086100"/>
-            <a:ext cx="1111885" cy="459105"/>
+            <a:ext cx="1111885" cy="624205"/>
           </a:xfrm>
           <a:prstGeom prst="flowChartProcess">
             <a:avLst/>
@@ -5812,7 +5968,11 @@
             <a:pPr algn="ctr"/>
             <a:r>
               <a:rPr lang="en-US" altLang="zh-CN"/>
-              <a:t>safe</a:t>
+              <a:t>sub </a:t>
+            </a:r>
+            <a:r>
+              <a:rPr lang="en-US" altLang="zh-CN"/>
+              <a:t>region 1</a:t>
             </a:r>
             <a:endParaRPr lang="en-US" altLang="zh-CN"/>
           </a:p>
@@ -6002,8 +6162,8 @@
         </p:nvSpPr>
         <p:spPr>
           <a:xfrm>
-            <a:off x="1734185" y="3707130"/>
-            <a:ext cx="1111885" cy="459105"/>
+            <a:off x="1725295" y="3997325"/>
+            <a:ext cx="1111885" cy="607695"/>
           </a:xfrm>
           <a:prstGeom prst="flowChartProcess">
             <a:avLst/>
@@ -6034,7 +6194,15 @@
             <a:pPr algn="ctr"/>
             <a:r>
               <a:rPr lang="en-US" altLang="zh-CN"/>
-              <a:t>unsafe</a:t>
+              <a:t>sub</a:t>
+            </a:r>
+            <a:endParaRPr lang="en-US" altLang="zh-CN"/>
+          </a:p>
+          <a:p>
+            <a:pPr algn="ctr"/>
+            <a:r>
+              <a:rPr lang="en-US" altLang="zh-CN"/>
+              <a:t>region 2</a:t>
             </a:r>
             <a:endParaRPr lang="en-US" altLang="zh-CN"/>
           </a:p>
@@ -6086,7 +6254,7 @@
         <p:spPr>
           <a:xfrm>
             <a:off x="3901440" y="3162300"/>
-            <a:ext cx="1759585" cy="922020"/>
+            <a:ext cx="1759585" cy="645160"/>
           </a:xfrm>
           <a:prstGeom prst="rect">
             <a:avLst/>
@@ -6097,13 +6265,6 @@
           <a:bodyPr wrap="square" rtlCol="0">
             <a:spAutoFit/>
           </a:bodyPr>
-          <a:p>
-            <a:r>
-              <a:rPr lang="en-US" altLang="zh-CN"/>
-              <a:t>if safe or not</a:t>
-            </a:r>
-            <a:endParaRPr lang="en-US" altLang="zh-CN"/>
-          </a:p>
           <a:p>
             <a:endParaRPr lang="en-US" altLang="zh-CN"/>
           </a:p>
@@ -6176,7 +6337,20 @@
           <a:p>
             <a:r>
               <a:rPr lang="en-US" altLang="zh-CN"/>
-              <a:t>which input region need to be repaird</a:t>
+              <a:t>the input region</a:t>
+            </a:r>
+            <a:endParaRPr lang="en-US" altLang="zh-CN"/>
+          </a:p>
+          <a:p>
+            <a:r>
+              <a:rPr lang="en-US" altLang="zh-CN"/>
+              <a:t>belongs to </a:t>
+            </a:r>
+            <a:r>
+              <a:rPr lang="en-US" altLang="zh-CN">
+                <a:sym typeface="+mn-ea"/>
+              </a:rPr>
+              <a:t>which property</a:t>
             </a:r>
             <a:endParaRPr lang="en-US" altLang="zh-CN"/>
           </a:p>
@@ -6193,8 +6367,8 @@
           </p:nvPr>
         </p:nvSpPr>
         <p:spPr>
-          <a:xfrm rot="5400000">
-            <a:off x="7918450" y="4364990"/>
+          <a:xfrm rot="16200000">
+            <a:off x="7918450" y="2914015"/>
             <a:ext cx="652145" cy="90805"/>
           </a:xfrm>
           <a:prstGeom prst="rightArrow">
@@ -6238,8 +6412,8 @@
         </p:nvSpPr>
         <p:spPr>
           <a:xfrm>
-            <a:off x="8392160" y="4231640"/>
-            <a:ext cx="1112520" cy="465455"/>
+            <a:off x="8392160" y="2696845"/>
+            <a:ext cx="1342390" cy="465455"/>
           </a:xfrm>
           <a:prstGeom prst="rect">
             <a:avLst/>
@@ -6257,10 +6431,10 @@
               <a:t>combine with patch</a:t>
             </a:r>
             <a:r>
-              <a:rPr lang="en-US" altLang="zh-CN" sz="1600"/>
-              <a:t> </a:t>
-            </a:r>
-            <a:endParaRPr lang="en-US" altLang="zh-CN" sz="1600"/>
+              <a:rPr lang="en-US" altLang="zh-CN" sz="1200"/>
+              <a:t> and NN</a:t>
+            </a:r>
+            <a:endParaRPr lang="en-US" altLang="zh-CN" sz="1200"/>
           </a:p>
         </p:txBody>
       </p:sp>
@@ -6280,8 +6454,8 @@
         </p:blipFill>
         <p:spPr>
           <a:xfrm>
-            <a:off x="1179195" y="4891405"/>
-            <a:ext cx="5998210" cy="789940"/>
+            <a:off x="1751965" y="4749800"/>
+            <a:ext cx="9618980" cy="1266825"/>
           </a:xfrm>
           <a:prstGeom prst="rect">
             <a:avLst/>
@@ -6300,7 +6474,7 @@
         </p:nvSpPr>
         <p:spPr>
           <a:xfrm>
-            <a:off x="7480300" y="5024755"/>
+            <a:off x="7480300" y="2014220"/>
             <a:ext cx="1527810" cy="522605"/>
           </a:xfrm>
           <a:prstGeom prst="flowChartProcess">
@@ -6332,7 +6506,6 @@
             <a:pPr algn="ctr"/>
             <a:r>
               <a:rPr lang="en-US" altLang="zh-CN">
-                <a:ln/>
                 <a:solidFill>
                   <a:schemeClr val="accent1"/>
                 </a:solidFill>
@@ -6344,10 +6517,9 @@
                   </a:outerShdw>
                 </a:effectLst>
               </a:rPr>
-              <a:t>repaired NN</a:t>
+              <a:t>repaired NN‘</a:t>
             </a:r>
             <a:endParaRPr lang="en-US" altLang="zh-CN">
-              <a:ln/>
               <a:solidFill>
                 <a:schemeClr val="accent1"/>
               </a:solidFill>
@@ -6771,7 +6943,7 @@
             </a:pPr>
             <a:r>
               <a:rPr lang="zh-CN" altLang="en-US"/>
-              <a:t>实验结果：</a:t>
+              <a:t>结果讨论：</a:t>
             </a:r>
             <a:endParaRPr lang="zh-CN" altLang="en-US"/>
           </a:p>
@@ -6783,56 +6955,28 @@
             </a:pPr>
             <a:r>
               <a:rPr lang="zh-CN" altLang="en-US"/>
-              <a:t>抽象解释的</a:t>
+              <a:t>抽象解释</a:t>
             </a:r>
             <a:r>
               <a:rPr lang="en-US" altLang="zh-CN"/>
-              <a:t>over approximation </a:t>
-            </a:r>
-            <a:r>
-              <a:rPr lang="zh-CN" altLang="en-US"/>
-              <a:t>会导致</a:t>
-            </a:r>
-            <a:r>
-              <a:rPr lang="en-US" altLang="zh-CN"/>
-              <a:t>indicator</a:t>
-            </a:r>
-            <a:r>
-              <a:rPr lang="zh-CN" altLang="en-US"/>
-              <a:t>的定位能力</a:t>
-            </a:r>
-            <a:r>
-              <a:rPr lang="zh-CN" altLang="en-US"/>
-              <a:t>变差</a:t>
-            </a:r>
-            <a:endParaRPr lang="zh-CN" altLang="en-US"/>
-          </a:p>
-          <a:p>
-            <a:pPr lvl="1" fontAlgn="auto">
-              <a:lnSpc>
-                <a:spcPct val="150000"/>
-              </a:lnSpc>
-            </a:pPr>
+              <a:t> &amp; indicator</a:t>
+            </a:r>
+            <a:r>
+              <a:rPr lang="zh-CN" altLang="en-US"/>
+              <a:t>与</a:t>
+            </a:r>
             <a:r>
               <a:rPr lang="en-US" altLang="zh-CN"/>
               <a:t>patch</a:t>
             </a:r>
             <a:r>
               <a:rPr lang="zh-CN" altLang="en-US"/>
-              <a:t>还未达到修复特定性质的目的：</a:t>
-            </a:r>
-            <a:r>
-              <a:rPr lang="zh-CN" altLang="en-US"/>
-              <a:t>参数相同</a:t>
-            </a:r>
-            <a:endParaRPr lang="zh-CN" altLang="en-US"/>
-          </a:p>
-          <a:p>
-            <a:pPr lvl="0"/>
-            <a:endParaRPr lang="zh-CN" altLang="en-US"/>
-          </a:p>
-          <a:p>
-            <a:pPr lvl="0"/>
+              <a:t>的</a:t>
+            </a:r>
+            <a:r>
+              <a:rPr lang="zh-CN" altLang="en-US"/>
+              <a:t>结合能力</a:t>
+            </a:r>
             <a:endParaRPr lang="zh-CN" altLang="en-US"/>
           </a:p>
         </p:txBody>
@@ -11485,7 +11629,11 @@
             </a:r>
             <a:r>
               <a:rPr lang="en-US" altLang="zh-CN"/>
-              <a:t>: 对输入空间自适应区分 </a:t>
+              <a:t>: 对输入空间</a:t>
+            </a:r>
+            <a:r>
+              <a:rPr lang="zh-CN" altLang="en-US"/>
+              <a:t>进行分类</a:t>
             </a:r>
             <a:endParaRPr lang="en-US" altLang="zh-CN"/>
           </a:p>
@@ -11706,7 +11854,7 @@
 <file path=ppt/tags/tag20.xml><?xml version="1.0" encoding="utf-8"?>
 <p:tagLst xmlns:p="http://schemas.openxmlformats.org/presentationml/2006/main">
   <p:tag name="KSO_WPP_MARK_KEY" val="c0f8c1c7-ef60-4d72-9b76-f7734bae5e8a"/>
-  <p:tag name="COMMONDATA" val="eyJoZGlkIjoiYzNjMDY0NjEyOGM4YjM5OTYwM2FjNTY4ZTE2YzY5YTEifQ=="/>
+  <p:tag name="COMMONDATA" val="eyJoZGlkIjoiNWRiN2EzOTIwNTFkMWRjYjlhM2M2MjEwMTAzOTAyMTAifQ=="/>
 </p:tagLst>
 </file>
 

--- a/神经网络修复工作进展.pptx
+++ b/神经网络修复工作进展.pptx
@@ -17,17 +17,16 @@
     <p:sldId id="275" r:id="rId10"/>
     <p:sldId id="273" r:id="rId11"/>
     <p:sldId id="286" r:id="rId12"/>
-    <p:sldId id="295" r:id="rId13"/>
-    <p:sldId id="287" r:id="rId14"/>
-    <p:sldId id="291" r:id="rId15"/>
-    <p:sldId id="288" r:id="rId16"/>
-    <p:sldId id="290" r:id="rId17"/>
-    <p:sldId id="266" r:id="rId18"/>
+    <p:sldId id="287" r:id="rId13"/>
+    <p:sldId id="288" r:id="rId14"/>
+    <p:sldId id="290" r:id="rId15"/>
+    <p:sldId id="295" r:id="rId16"/>
+    <p:sldId id="266" r:id="rId17"/>
   </p:sldIdLst>
   <p:sldSz cx="12192000" cy="6858000"/>
   <p:notesSz cx="6858000" cy="9144000"/>
   <p:custDataLst>
-    <p:tags r:id="rId22"/>
+    <p:tags r:id="rId21"/>
   </p:custDataLst>
   <p:defaultTextStyle>
     <a:defPPr>
@@ -132,7 +131,7 @@
             <a:srgbClr val="A4A3A4"/>
           </p15:clr>
         </p15:guide>
-        <p15:guide id="2" pos="3842" userDrawn="1">
+        <p15:guide id="2" pos="3832" userDrawn="1">
           <p15:clr>
             <a:srgbClr val="A4A3A4"/>
           </p15:clr>
@@ -817,7 +816,25 @@
           <a:p>
             <a:r>
               <a:rPr lang="zh-CN" altLang="en-US"/>
-              <a:t>对</a:t>
+              <a:t>接下来讲一下我们已经做的实验。</a:t>
+            </a:r>
+            <a:endParaRPr lang="zh-CN" altLang="en-US"/>
+          </a:p>
+          <a:p>
+            <a:endParaRPr lang="zh-CN" altLang="en-US"/>
+          </a:p>
+          <a:p>
+            <a:r>
+              <a:rPr lang="zh-CN" altLang="en-US"/>
+              <a:t>我们暂时固定了</a:t>
+            </a:r>
+            <a:r>
+              <a:rPr lang="en-US" altLang="zh-CN"/>
+              <a:t>patch</a:t>
+            </a:r>
+            <a:r>
+              <a:rPr lang="zh-CN" altLang="en-US"/>
+              <a:t>和</a:t>
             </a:r>
             <a:r>
               <a:rPr lang="en-US" altLang="zh-CN"/>
@@ -825,21 +842,7 @@
             </a:r>
             <a:r>
               <a:rPr lang="zh-CN" altLang="en-US"/>
-              <a:t>进行预训练，使得它对输入区间有识别能力，可以判断这个输入区间是在哪个</a:t>
-            </a:r>
-            <a:r>
-              <a:rPr lang="zh-CN" altLang="en-US"/>
-              <a:t>性质中</a:t>
-            </a:r>
-            <a:endParaRPr lang="zh-CN" altLang="en-US"/>
-          </a:p>
-          <a:p>
-            <a:endParaRPr lang="zh-CN" altLang="en-US"/>
-          </a:p>
-          <a:p>
-            <a:r>
-              <a:rPr lang="zh-CN" altLang="en-US"/>
-              <a:t>像对于安全性质，我们可以先对输入区间进行分割，使得精度提高。将这些区间作为训练集放入</a:t>
+              <a:t>的网络数量，并让</a:t>
             </a:r>
             <a:r>
               <a:rPr lang="en-US" altLang="zh-CN"/>
@@ -847,7 +850,15 @@
             </a:r>
             <a:r>
               <a:rPr lang="zh-CN" altLang="en-US"/>
-              <a:t>中进行训练，使得</a:t>
+              <a:t>与</a:t>
+            </a:r>
+            <a:r>
+              <a:rPr lang="en-US" altLang="zh-CN"/>
+              <a:t>patch</a:t>
+            </a:r>
+            <a:r>
+              <a:rPr lang="zh-CN" altLang="en-US"/>
+              <a:t>网络一一对应，每个</a:t>
             </a:r>
             <a:r>
               <a:rPr lang="en-US" altLang="zh-CN"/>
@@ -855,29 +866,7 @@
             </a:r>
             <a:r>
               <a:rPr lang="zh-CN" altLang="en-US"/>
-              <a:t>对于输入区间和性质的相关性有一个较好的</a:t>
-            </a:r>
-            <a:r>
-              <a:rPr lang="zh-CN" altLang="en-US"/>
-              <a:t>判定。</a:t>
-            </a:r>
-            <a:endParaRPr lang="zh-CN" altLang="en-US"/>
-          </a:p>
-          <a:p>
-            <a:endParaRPr lang="en-US" altLang="zh-CN"/>
-          </a:p>
-          <a:p>
-            <a:r>
-              <a:rPr lang="zh-CN" altLang="en-US"/>
-              <a:t>有了预训练的</a:t>
-            </a:r>
-            <a:r>
-              <a:rPr lang="en-US" altLang="zh-CN"/>
-              <a:t>indicator</a:t>
-            </a:r>
-            <a:r>
-              <a:rPr lang="zh-CN" altLang="en-US"/>
-              <a:t>以后，我们就可以将它和</a:t>
+              <a:t>控制一个</a:t>
             </a:r>
             <a:r>
               <a:rPr lang="en-US" altLang="zh-CN"/>
@@ -885,35 +874,114 @@
             </a:r>
             <a:r>
               <a:rPr lang="zh-CN" altLang="en-US"/>
-              <a:t>相结合，去进行修复。结合的方法就是用下面的公式。在这个公式，当支持网络的输出较小时，</a:t>
-            </a:r>
-            <a:r>
-              <a:rPr lang="en-US" altLang="zh-CN"/>
-              <a:t>ha</a:t>
-            </a:r>
-            <a:r>
-              <a:rPr lang="zh-CN" altLang="en-US"/>
-              <a:t>会更偏向于</a:t>
-            </a:r>
-            <a:r>
-              <a:rPr lang="en-US" altLang="zh-CN"/>
-              <a:t>0</a:t>
-            </a:r>
-            <a:r>
-              <a:rPr lang="zh-CN" altLang="en-US"/>
-              <a:t>。</a:t>
-            </a:r>
-            <a:endParaRPr lang="zh-CN" altLang="en-US"/>
-          </a:p>
-          <a:p>
-            <a:endParaRPr lang="zh-CN" altLang="en-US"/>
-          </a:p>
-          <a:p>
-            <a:r>
-              <a:rPr lang="zh-CN" altLang="en-US"/>
-              <a:t>最后再把结合过后的修复部件和原网络结合，即两个部分的输出相加即可。</a:t>
-            </a:r>
-            <a:endParaRPr lang="en-US" altLang="zh-CN"/>
+              <a:t>网络</a:t>
+            </a:r>
+            <a:r>
+              <a:rPr lang="zh-CN" altLang="en-US"/>
+              <a:t>进行修复。</a:t>
+            </a:r>
+            <a:endParaRPr lang="zh-CN" altLang="en-US"/>
+          </a:p>
+          <a:p>
+            <a:endParaRPr lang="zh-CN" altLang="en-US"/>
+          </a:p>
+          <a:p>
+            <a:r>
+              <a:rPr lang="zh-CN" altLang="en-US"/>
+              <a:t>在训练的过程中这些网络是一起训练的，且同时修复多个</a:t>
+            </a:r>
+            <a:r>
+              <a:rPr lang="zh-CN" altLang="en-US"/>
+              <a:t>安全性质。</a:t>
+            </a:r>
+            <a:endParaRPr lang="zh-CN" altLang="en-US"/>
+          </a:p>
+          <a:p>
+            <a:endParaRPr lang="zh-CN" altLang="en-US"/>
+          </a:p>
+          <a:p>
+            <a:r>
+              <a:rPr lang="zh-CN" altLang="en-US"/>
+              <a:t>实验结果如下。可以看出现在的版本成功修复了多个安全性质，准确率也有</a:t>
+            </a:r>
+            <a:r>
+              <a:rPr lang="zh-CN" altLang="en-US"/>
+              <a:t>相应的提升。</a:t>
+            </a:r>
+            <a:endParaRPr lang="zh-CN" altLang="en-US"/>
+          </a:p>
+          <a:p>
+            <a:endParaRPr lang="zh-CN" altLang="en-US"/>
+          </a:p>
+          <a:p>
+            <a:r>
+              <a:rPr lang="zh-CN" altLang="en-US"/>
+              <a:t>但是还有一些很大的不足，比如</a:t>
+            </a:r>
+            <a:r>
+              <a:rPr lang="zh-CN" altLang="en-US">
+                <a:sym typeface="+mn-ea"/>
+              </a:rPr>
+              <a:t>训练得到</a:t>
+            </a:r>
+            <a:r>
+              <a:rPr lang="en-US" altLang="zh-CN">
+                <a:sym typeface="+mn-ea"/>
+              </a:rPr>
+              <a:t>patch</a:t>
+            </a:r>
+            <a:r>
+              <a:rPr lang="zh-CN" altLang="en-US">
+                <a:sym typeface="+mn-ea"/>
+              </a:rPr>
+              <a:t>网络参数都是相同的，换句话说，我们训练得到的</a:t>
+            </a:r>
+            <a:r>
+              <a:rPr lang="en-US" altLang="zh-CN">
+                <a:sym typeface="+mn-ea"/>
+              </a:rPr>
+              <a:t>patch</a:t>
+            </a:r>
+            <a:r>
+              <a:rPr lang="zh-CN" altLang="en-US">
+                <a:sym typeface="+mn-ea"/>
+              </a:rPr>
+              <a:t>网络并没有达到修复特定性质的目的。这有可能是因为</a:t>
+            </a:r>
+            <a:r>
+              <a:rPr lang="en-US" altLang="zh-CN">
+                <a:sym typeface="+mn-ea"/>
+              </a:rPr>
+              <a:t>indicator</a:t>
+            </a:r>
+            <a:r>
+              <a:rPr lang="zh-CN" altLang="en-US">
+                <a:sym typeface="+mn-ea"/>
+              </a:rPr>
+              <a:t>不够精确，也有可能是训练的设计不好。</a:t>
+            </a:r>
+            <a:r>
+              <a:rPr lang="en-US" altLang="zh-CN">
+                <a:sym typeface="+mn-ea"/>
+              </a:rPr>
+              <a:t> </a:t>
+            </a:r>
+            <a:r>
+              <a:rPr lang="zh-CN" altLang="en-US">
+                <a:sym typeface="+mn-ea"/>
+              </a:rPr>
+              <a:t>后面会提到我们</a:t>
+            </a:r>
+            <a:r>
+              <a:rPr lang="zh-CN" altLang="en-US">
+                <a:sym typeface="+mn-ea"/>
+              </a:rPr>
+              <a:t>针对这些问题的改进方案。</a:t>
+            </a:r>
+            <a:endParaRPr lang="zh-CN" altLang="en-US"/>
+          </a:p>
+          <a:p>
+            <a:endParaRPr lang="zh-CN" altLang="en-US"/>
           </a:p>
         </p:txBody>
       </p:sp>
@@ -959,17 +1027,29 @@
           <a:p>
             <a:r>
               <a:rPr lang="zh-CN" altLang="en-US"/>
-              <a:t>接下来讲一下我们已经做的实验。</a:t>
-            </a:r>
-            <a:endParaRPr lang="zh-CN" altLang="en-US"/>
-          </a:p>
-          <a:p>
-            <a:endParaRPr lang="zh-CN" altLang="en-US"/>
-          </a:p>
-          <a:p>
-            <a:r>
-              <a:rPr lang="zh-CN" altLang="en-US"/>
-              <a:t>我们暂时固定了</a:t>
+              <a:t>我们还做了关于公平性质的修复。首先需要对数据进行预处理，将数据一一编码成性质。每个性质都有一个敏感属性，在敏感属性上，我们的约束是全区间，也就是所有可以取到的值；在非敏感属性上，我们约束的上下界是相等的，即原本数据的</a:t>
+            </a:r>
+            <a:r>
+              <a:rPr lang="zh-CN" altLang="en-US"/>
+              <a:t>值。</a:t>
+            </a:r>
+            <a:endParaRPr lang="zh-CN" altLang="en-US"/>
+          </a:p>
+          <a:p>
+            <a:endParaRPr lang="zh-CN" altLang="en-US"/>
+          </a:p>
+          <a:p>
+            <a:r>
+              <a:rPr lang="zh-CN" altLang="en-US"/>
+              <a:t>在公平性实验中，我们修复所有的性质，</a:t>
+            </a:r>
+            <a:r>
+              <a:rPr lang="en-US" altLang="zh-CN"/>
+              <a:t>indicator</a:t>
+            </a:r>
+            <a:r>
+              <a:rPr lang="zh-CN" altLang="en-US"/>
+              <a:t>和</a:t>
             </a:r>
             <a:r>
               <a:rPr lang="en-US" altLang="zh-CN"/>
@@ -977,63 +1057,21 @@
             </a:r>
             <a:r>
               <a:rPr lang="zh-CN" altLang="en-US"/>
-              <a:t>和</a:t>
-            </a:r>
-            <a:r>
-              <a:rPr lang="en-US" altLang="zh-CN"/>
-              <a:t>indicator</a:t>
-            </a:r>
-            <a:r>
-              <a:rPr lang="zh-CN" altLang="en-US"/>
-              <a:t>的网络数量，并让</a:t>
-            </a:r>
-            <a:r>
-              <a:rPr lang="en-US" altLang="zh-CN"/>
-              <a:t>indicator</a:t>
-            </a:r>
-            <a:r>
-              <a:rPr lang="zh-CN" altLang="en-US"/>
-              <a:t>网络对应控制一个</a:t>
-            </a:r>
-            <a:r>
-              <a:rPr lang="en-US" altLang="zh-CN"/>
-              <a:t>patch</a:t>
-            </a:r>
-            <a:r>
-              <a:rPr lang="zh-CN" altLang="en-US"/>
-              <a:t>网络</a:t>
-            </a:r>
-            <a:r>
-              <a:rPr lang="zh-CN" altLang="en-US"/>
-              <a:t>进行修复。</a:t>
-            </a:r>
-            <a:endParaRPr lang="zh-CN" altLang="en-US"/>
-          </a:p>
-          <a:p>
-            <a:endParaRPr lang="zh-CN" altLang="en-US"/>
-          </a:p>
-          <a:p>
-            <a:r>
-              <a:rPr lang="zh-CN" altLang="en-US"/>
-              <a:t>在训练的过程中这些网络是一起训练的，且同时修复多个</a:t>
-            </a:r>
-            <a:r>
-              <a:rPr lang="zh-CN" altLang="en-US"/>
-              <a:t>安全性质。</a:t>
-            </a:r>
-            <a:endParaRPr lang="zh-CN" altLang="en-US"/>
-          </a:p>
-          <a:p>
-            <a:endParaRPr lang="zh-CN" altLang="en-US"/>
-          </a:p>
-          <a:p>
-            <a:r>
-              <a:rPr lang="zh-CN" altLang="en-US"/>
-              <a:t>实验结果如下。可以看出现在的版本成功修复了多个安全性质，准确率也有</a:t>
-            </a:r>
-            <a:r>
-              <a:rPr lang="zh-CN" altLang="en-US"/>
-              <a:t>相应的提升。</a:t>
+              <a:t>的设置和安全性实验相同。</a:t>
+            </a:r>
+            <a:endParaRPr lang="zh-CN" altLang="en-US"/>
+          </a:p>
+          <a:p>
+            <a:endParaRPr lang="zh-CN" altLang="en-US"/>
+          </a:p>
+          <a:p>
+            <a:r>
+              <a:rPr lang="zh-CN" altLang="en-US"/>
+              <a:t>我们一共做了两组实验，训练集和测试集相同和不同的情况我们</a:t>
+            </a:r>
+            <a:r>
+              <a:rPr lang="zh-CN" altLang="en-US"/>
+              <a:t>都测了一下。</a:t>
             </a:r>
             <a:endParaRPr lang="zh-CN" altLang="en-US"/>
           </a:p>
@@ -1079,61 +1117,22 @@
         <p:txBody>
           <a:bodyPr/>
           <a:p>
-            <a:r>
-              <a:rPr lang="zh-CN" altLang="en-US"/>
-              <a:t>但是还有一些很大的不足。</a:t>
-            </a:r>
-            <a:endParaRPr lang="zh-CN" altLang="en-US"/>
-          </a:p>
-          <a:p>
-            <a:endParaRPr lang="zh-CN" altLang="en-US"/>
-          </a:p>
-          <a:p>
-            <a:r>
-              <a:rPr lang="zh-CN" altLang="en-US"/>
-              <a:t>由于训练框架中会使用抽象解释的方法，而抽象解释导致gamma会有相应的误差，不能准确地对具体数据的所在空间进行定位。换句话说，可能导致不在应该修复的空间内的点</a:t>
-            </a:r>
-            <a:r>
-              <a:rPr lang="zh-CN" altLang="en-US"/>
-              <a:t>被修复。</a:t>
-            </a:r>
-            <a:endParaRPr lang="zh-CN" altLang="en-US"/>
-          </a:p>
-          <a:p>
-            <a:endParaRPr lang="zh-CN" altLang="en-US"/>
-          </a:p>
-          <a:p>
-            <a:r>
-              <a:rPr lang="zh-CN" altLang="en-US"/>
-              <a:t>还有一个问题是训练得到</a:t>
-            </a:r>
-            <a:r>
-              <a:rPr lang="en-US" altLang="zh-CN"/>
-              <a:t>patch</a:t>
-            </a:r>
-            <a:r>
-              <a:rPr lang="zh-CN" altLang="en-US"/>
-              <a:t>网络参数都是相同的，换句话说，我们训练得到的</a:t>
-            </a:r>
-            <a:r>
-              <a:rPr lang="en-US" altLang="zh-CN"/>
-              <a:t>patch</a:t>
-            </a:r>
-            <a:r>
-              <a:rPr lang="zh-CN" altLang="en-US"/>
-              <a:t>网络并没有达到修复特定性质的目的。这有可能是因为</a:t>
-            </a:r>
-            <a:r>
-              <a:rPr lang="en-US" altLang="zh-CN"/>
-              <a:t>indicator</a:t>
-            </a:r>
-            <a:r>
-              <a:rPr lang="zh-CN" altLang="en-US"/>
-              <a:t>不够精确，也有可能是训练的设计不好，需要进一步的</a:t>
-            </a:r>
-            <a:r>
-              <a:rPr lang="zh-CN" altLang="en-US"/>
-              <a:t>研究。</a:t>
+            <a:endParaRPr lang="zh-CN" altLang="en-US"/>
+          </a:p>
+          <a:p>
+            <a:r>
+              <a:rPr lang="zh-CN" altLang="en-US"/>
+              <a:t>训练集和验证集不同时，效果不好的原因：数据量太少，测试集和验证集分布完全不同，或者说是权重可行解和泛化的可行解域差距很大。后面考虑用数据增强的方法去做</a:t>
+            </a:r>
+            <a:endParaRPr lang="zh-CN" altLang="en-US"/>
+          </a:p>
+          <a:p>
+            <a:endParaRPr lang="zh-CN" altLang="en-US"/>
+          </a:p>
+          <a:p>
+            <a:r>
+              <a:rPr lang="zh-CN" altLang="en-US"/>
+              <a:t>公平性质的sensitive属性编码时要求整个子空间都要满足，且公平性质是若干数据，即若干个性质对应的可行解域的交，这导致可行解域很小</a:t>
             </a:r>
             <a:endParaRPr lang="zh-CN" altLang="en-US"/>
           </a:p>
@@ -1181,21 +1180,11 @@
           <a:p>
             <a:r>
               <a:rPr lang="zh-CN" altLang="en-US"/>
-              <a:t>我们还做了关于公平性质的修复。首先需要对数据进行预处理，将数据一一编码成性质。每个性质都有一个敏感属性，在敏感属性上，我们的约束是全区间，也就是所有可以取到的值；在非敏感属性上，我们约束的上下界是相等的，即原本数据的</a:t>
-            </a:r>
-            <a:r>
-              <a:rPr lang="zh-CN" altLang="en-US"/>
-              <a:t>值。</a:t>
-            </a:r>
-            <a:endParaRPr lang="zh-CN" altLang="en-US"/>
-          </a:p>
-          <a:p>
-            <a:endParaRPr lang="zh-CN" altLang="en-US"/>
-          </a:p>
-          <a:p>
-            <a:r>
-              <a:rPr lang="zh-CN" altLang="en-US"/>
-              <a:t>在公平性实验中，我们修复所有的性质，</a:t>
+              <a:t>我们的改进方案呢，</a:t>
+            </a:r>
+            <a:r>
+              <a:rPr lang="zh-CN" altLang="en-US"/>
+              <a:t>就是对</a:t>
             </a:r>
             <a:r>
               <a:rPr lang="en-US" altLang="zh-CN"/>
@@ -1203,7 +1192,59 @@
             </a:r>
             <a:r>
               <a:rPr lang="zh-CN" altLang="en-US"/>
-              <a:t>和</a:t>
+              <a:t>进行预训练，使得它对输入区间有识别能力，可以判断这个输入区间是在哪个性质中的</a:t>
+            </a:r>
+            <a:r>
+              <a:rPr lang="zh-CN" altLang="en-US"/>
+              <a:t>约束</a:t>
+            </a:r>
+            <a:endParaRPr lang="zh-CN" altLang="en-US"/>
+          </a:p>
+          <a:p>
+            <a:endParaRPr lang="zh-CN" altLang="en-US"/>
+          </a:p>
+          <a:p>
+            <a:r>
+              <a:rPr lang="zh-CN" altLang="en-US"/>
+              <a:t>像对于安全性质，我们可以先对输入区间进行分割，使得精度提高。将这些区间作为训练集放入</a:t>
+            </a:r>
+            <a:r>
+              <a:rPr lang="en-US" altLang="zh-CN"/>
+              <a:t>indicator</a:t>
+            </a:r>
+            <a:r>
+              <a:rPr lang="zh-CN" altLang="en-US"/>
+              <a:t>中进行训练，使得</a:t>
+            </a:r>
+            <a:r>
+              <a:rPr lang="en-US" altLang="zh-CN"/>
+              <a:t>indicator</a:t>
+            </a:r>
+            <a:r>
+              <a:rPr lang="zh-CN" altLang="en-US"/>
+              <a:t>对于输入区间和性质的相关性有一个较好的</a:t>
+            </a:r>
+            <a:r>
+              <a:rPr lang="zh-CN" altLang="en-US"/>
+              <a:t>判定。</a:t>
+            </a:r>
+            <a:endParaRPr lang="zh-CN" altLang="en-US"/>
+          </a:p>
+          <a:p>
+            <a:endParaRPr lang="en-US" altLang="zh-CN"/>
+          </a:p>
+          <a:p>
+            <a:r>
+              <a:rPr lang="zh-CN" altLang="en-US"/>
+              <a:t>有了预训练的</a:t>
+            </a:r>
+            <a:r>
+              <a:rPr lang="en-US" altLang="zh-CN"/>
+              <a:t>indicator</a:t>
+            </a:r>
+            <a:r>
+              <a:rPr lang="zh-CN" altLang="en-US"/>
+              <a:t>以后，我们就可以将它和</a:t>
             </a:r>
             <a:r>
               <a:rPr lang="en-US" altLang="zh-CN"/>
@@ -1211,23 +1252,35 @@
             </a:r>
             <a:r>
               <a:rPr lang="zh-CN" altLang="en-US"/>
-              <a:t>的设置和安全性实验相同。</a:t>
-            </a:r>
-            <a:endParaRPr lang="zh-CN" altLang="en-US"/>
-          </a:p>
-          <a:p>
-            <a:endParaRPr lang="zh-CN" altLang="en-US"/>
-          </a:p>
-          <a:p>
-            <a:r>
-              <a:rPr lang="zh-CN" altLang="en-US"/>
-              <a:t>我们一共做了两组实验，训练集和测试集相同和不同的情况我们</a:t>
-            </a:r>
-            <a:r>
-              <a:rPr lang="zh-CN" altLang="en-US"/>
-              <a:t>都测了一下。</a:t>
-            </a:r>
-            <a:endParaRPr lang="zh-CN" altLang="en-US"/>
+              <a:t>相结合，去进行修复。结合的方法就是用下面的公式。在这个公式，当支持网络的输出较小时，</a:t>
+            </a:r>
+            <a:r>
+              <a:rPr lang="en-US" altLang="zh-CN"/>
+              <a:t>ha</a:t>
+            </a:r>
+            <a:r>
+              <a:rPr lang="zh-CN" altLang="en-US"/>
+              <a:t>会更偏向于</a:t>
+            </a:r>
+            <a:r>
+              <a:rPr lang="en-US" altLang="zh-CN"/>
+              <a:t>0</a:t>
+            </a:r>
+            <a:r>
+              <a:rPr lang="zh-CN" altLang="en-US"/>
+              <a:t>。</a:t>
+            </a:r>
+            <a:endParaRPr lang="zh-CN" altLang="en-US"/>
+          </a:p>
+          <a:p>
+            <a:endParaRPr lang="zh-CN" altLang="en-US"/>
+          </a:p>
+          <a:p>
+            <a:r>
+              <a:rPr lang="zh-CN" altLang="en-US"/>
+              <a:t>最后再把结合过后的修复部件和原网络结合，即两个部分的输出相加即可。</a:t>
+            </a:r>
+            <a:endParaRPr lang="en-US" altLang="zh-CN"/>
           </a:p>
         </p:txBody>
       </p:sp>
@@ -1240,67 +1293,6 @@
 </file>
 
 <file path=ppt/notesSlides/notesSlide14.xml><?xml version="1.0" encoding="utf-8"?>
-<p:notes xmlns:a="http://schemas.openxmlformats.org/drawingml/2006/main" xmlns:r="http://schemas.openxmlformats.org/officeDocument/2006/relationships" xmlns:p="http://schemas.openxmlformats.org/presentationml/2006/main">
-  <p:cSld>
-    <p:spTree>
-      <p:nvGrpSpPr>
-        <p:cNvPr id="1" name=""/>
-        <p:cNvGrpSpPr/>
-        <p:nvPr/>
-      </p:nvGrpSpPr>
-      <p:grpSpPr/>
-      <p:sp>
-        <p:nvSpPr>
-          <p:cNvPr id="2" name="幻灯片图像占位符 1"/>
-          <p:cNvSpPr/>
-          <p:nvPr>
-            <p:ph type="sldImg" idx="2"/>
-          </p:nvPr>
-        </p:nvSpPr>
-        <p:spPr/>
-      </p:sp>
-      <p:sp>
-        <p:nvSpPr>
-          <p:cNvPr id="3" name="文本占位符 2"/>
-          <p:cNvSpPr/>
-          <p:nvPr>
-            <p:ph type="body" idx="3"/>
-          </p:nvPr>
-        </p:nvSpPr>
-        <p:spPr/>
-        <p:txBody>
-          <a:bodyPr/>
-          <a:p>
-            <a:endParaRPr lang="zh-CN" altLang="en-US"/>
-          </a:p>
-          <a:p>
-            <a:r>
-              <a:rPr lang="zh-CN" altLang="en-US"/>
-              <a:t>训练集和验证集不同时，效果不好的原因：数据量太少，测试集和验证集分布完全不同，或者说是权重可行解和泛化的可行解域差距很大。后面考虑用数据增强的方法去做</a:t>
-            </a:r>
-            <a:endParaRPr lang="zh-CN" altLang="en-US"/>
-          </a:p>
-          <a:p>
-            <a:endParaRPr lang="zh-CN" altLang="en-US"/>
-          </a:p>
-          <a:p>
-            <a:r>
-              <a:rPr lang="zh-CN" altLang="en-US"/>
-              <a:t>公平性质的sensitive属性编码时要求整个子空间都要满足，且公平性质是若干数据，即若干个性质对应的可行解域的交，这导致可行解域很小</a:t>
-            </a:r>
-            <a:endParaRPr lang="zh-CN" altLang="en-US"/>
-          </a:p>
-        </p:txBody>
-      </p:sp>
-    </p:spTree>
-  </p:cSld>
-  <p:clrMapOvr>
-    <a:masterClrMapping/>
-  </p:clrMapOvr>
-</p:notes>
-</file>
-
-<file path=ppt/notesSlides/notesSlide15.xml><?xml version="1.0" encoding="utf-8"?>
 <p:notes xmlns:a="http://schemas.openxmlformats.org/drawingml/2006/main" xmlns:r="http://schemas.openxmlformats.org/officeDocument/2006/relationships" xmlns:p="http://schemas.openxmlformats.org/presentationml/2006/main">
   <p:cSld>
     <p:spTree>
@@ -1697,7 +1689,11 @@
             </a:r>
             <a:r>
               <a:rPr lang="zh-CN" altLang="en-US" sz="2800"/>
-              <a:t>度量的是输入空间距离满足需要满足性质的距离。</a:t>
+              <a:t>度量的是当前网络与能够满足性质的网络之间</a:t>
+            </a:r>
+            <a:r>
+              <a:rPr lang="zh-CN" altLang="en-US" sz="2800"/>
+              <a:t>的距离。</a:t>
             </a:r>
             <a:endParaRPr lang="zh-CN" altLang="en-US" sz="2800"/>
           </a:p>
@@ -2006,7 +2002,7 @@
           <a:p>
             <a:r>
               <a:rPr lang="zh-CN" altLang="en-US"/>
-              <a:t>像刚才讲的</a:t>
+              <a:t>但是这些工作还有一些不足的地方，比如像刚才讲的</a:t>
             </a:r>
             <a:r>
               <a:rPr lang="en-US" altLang="zh-CN"/>
@@ -2022,11 +2018,23 @@
             </a:r>
             <a:r>
               <a:rPr lang="zh-CN" altLang="en-US"/>
-              <a:t>在修复多个性质是收敛非常慢，甚至无法</a:t>
-            </a:r>
-            <a:r>
-              <a:rPr lang="zh-CN" altLang="en-US"/>
-              <a:t>收敛</a:t>
+              <a:t>在修复多个性质是收敛非常慢，甚至无法收敛。刚才讲的加</a:t>
+            </a:r>
+            <a:r>
+              <a:rPr lang="en-US" altLang="zh-CN"/>
+              <a:t>patch</a:t>
+            </a:r>
+            <a:r>
+              <a:rPr lang="zh-CN" altLang="en-US"/>
+              <a:t>的方法，由于激活状态是指数多个的，这会导致修复后</a:t>
+            </a:r>
+            <a:r>
+              <a:rPr lang="zh-CN" altLang="en-US"/>
+              <a:t>的网络</a:t>
+            </a:r>
+            <a:r>
+              <a:rPr lang="zh-CN" altLang="en-US"/>
+              <a:t>过大</a:t>
             </a:r>
             <a:endParaRPr lang="zh-CN" altLang="en-US"/>
           </a:p>
@@ -5806,754 +5814,6 @@
       <p:grpSpPr/>
       <p:sp>
         <p:nvSpPr>
-          <p:cNvPr id="3" name="标题 2"/>
-          <p:cNvSpPr>
-            <a:spLocks noGrp="1"/>
-          </p:cNvSpPr>
-          <p:nvPr>
-            <p:ph type="title"/>
-          </p:nvPr>
-        </p:nvSpPr>
-        <p:spPr/>
-        <p:txBody>
-          <a:bodyPr/>
-          <a:p>
-            <a:r>
-              <a:rPr lang="zh-CN" altLang="en-US" b="0" dirty="0"/>
-              <a:t>How to make indicator enabled</a:t>
-            </a:r>
-            <a:endParaRPr lang="zh-CN" altLang="en-US" b="0" dirty="0"/>
-          </a:p>
-        </p:txBody>
-      </p:sp>
-      <p:sp>
-        <p:nvSpPr>
-          <p:cNvPr id="5" name="流程图: 过程 4"/>
-          <p:cNvSpPr/>
-          <p:nvPr/>
-        </p:nvSpPr>
-        <p:spPr>
-          <a:xfrm>
-            <a:off x="1520190" y="1686560"/>
-            <a:ext cx="1527810" cy="522605"/>
-          </a:xfrm>
-          <a:prstGeom prst="flowChartProcess">
-            <a:avLst/>
-          </a:prstGeom>
-          <a:ln>
-            <a:solidFill>
-              <a:schemeClr val="tx1"/>
-            </a:solidFill>
-          </a:ln>
-        </p:spPr>
-        <p:style>
-          <a:lnRef idx="2">
-            <a:schemeClr val="accent6"/>
-          </a:lnRef>
-          <a:fillRef idx="1">
-            <a:schemeClr val="lt1"/>
-          </a:fillRef>
-          <a:effectRef idx="0">
-            <a:schemeClr val="accent6"/>
-          </a:effectRef>
-          <a:fontRef idx="minor">
-            <a:schemeClr val="dk1"/>
-          </a:fontRef>
-        </p:style>
-        <p:txBody>
-          <a:bodyPr rtlCol="0" anchor="ctr"/>
-          <a:p>
-            <a:pPr algn="ctr"/>
-            <a:r>
-              <a:rPr lang="en-US" altLang="zh-CN">
-                <a:solidFill>
-                  <a:srgbClr val="FF0000"/>
-                </a:solidFill>
-                <a:effectLst>
-                  <a:outerShdw blurRad="38100" dist="19050" dir="2700000" algn="tl" rotWithShape="0">
-                    <a:schemeClr val="dk1">
-                      <a:alpha val="40000"/>
-                    </a:schemeClr>
-                  </a:outerShdw>
-                </a:effectLst>
-              </a:rPr>
-              <a:t>input region</a:t>
-            </a:r>
-            <a:endParaRPr lang="en-US" altLang="zh-CN">
-              <a:solidFill>
-                <a:srgbClr val="FF0000"/>
-              </a:solidFill>
-              <a:effectLst>
-                <a:outerShdw blurRad="38100" dist="19050" dir="2700000" algn="tl" rotWithShape="0">
-                  <a:schemeClr val="dk1">
-                    <a:alpha val="40000"/>
-                  </a:schemeClr>
-                </a:outerShdw>
-              </a:effectLst>
-            </a:endParaRPr>
-          </a:p>
-        </p:txBody>
-      </p:sp>
-      <p:sp>
-        <p:nvSpPr>
-          <p:cNvPr id="7" name="文本框 6"/>
-          <p:cNvSpPr txBox="1"/>
-          <p:nvPr/>
-        </p:nvSpPr>
-        <p:spPr>
-          <a:xfrm>
-            <a:off x="2161540" y="2430780"/>
-            <a:ext cx="886460" cy="306705"/>
-          </a:xfrm>
-          <a:prstGeom prst="rect">
-            <a:avLst/>
-          </a:prstGeom>
-          <a:noFill/>
-        </p:spPr>
-        <p:txBody>
-          <a:bodyPr wrap="square" rtlCol="0">
-            <a:spAutoFit/>
-          </a:bodyPr>
-          <a:p>
-            <a:pPr algn="ctr"/>
-            <a:r>
-              <a:rPr lang="en-US" altLang="zh-CN" sz="1400"/>
-              <a:t>split</a:t>
-            </a:r>
-            <a:endParaRPr lang="en-US" altLang="zh-CN" sz="1400"/>
-          </a:p>
-        </p:txBody>
-      </p:sp>
-      <p:sp>
-        <p:nvSpPr>
-          <p:cNvPr id="8" name="流程图: 过程 7"/>
-          <p:cNvSpPr/>
-          <p:nvPr>
-            <p:custDataLst>
-              <p:tags r:id="rId1"/>
-            </p:custDataLst>
-          </p:nvPr>
-        </p:nvSpPr>
-        <p:spPr>
-          <a:xfrm>
-            <a:off x="1725295" y="3086100"/>
-            <a:ext cx="1111885" cy="624205"/>
-          </a:xfrm>
-          <a:prstGeom prst="flowChartProcess">
-            <a:avLst/>
-          </a:prstGeom>
-          <a:ln>
-            <a:solidFill>
-              <a:schemeClr val="tx1"/>
-            </a:solidFill>
-          </a:ln>
-        </p:spPr>
-        <p:style>
-          <a:lnRef idx="2">
-            <a:schemeClr val="accent6"/>
-          </a:lnRef>
-          <a:fillRef idx="1">
-            <a:schemeClr val="lt1"/>
-          </a:fillRef>
-          <a:effectRef idx="0">
-            <a:schemeClr val="accent6"/>
-          </a:effectRef>
-          <a:fontRef idx="minor">
-            <a:schemeClr val="dk1"/>
-          </a:fontRef>
-        </p:style>
-        <p:txBody>
-          <a:bodyPr rtlCol="0" anchor="ctr"/>
-          <a:p>
-            <a:pPr algn="ctr"/>
-            <a:r>
-              <a:rPr lang="en-US" altLang="zh-CN"/>
-              <a:t>sub </a:t>
-            </a:r>
-            <a:r>
-              <a:rPr lang="en-US" altLang="zh-CN"/>
-              <a:t>region 1</a:t>
-            </a:r>
-            <a:endParaRPr lang="en-US" altLang="zh-CN"/>
-          </a:p>
-        </p:txBody>
-      </p:sp>
-      <p:sp>
-        <p:nvSpPr>
-          <p:cNvPr id="9" name="右箭头 8"/>
-          <p:cNvSpPr/>
-          <p:nvPr>
-            <p:custDataLst>
-              <p:tags r:id="rId2"/>
-            </p:custDataLst>
-          </p:nvPr>
-        </p:nvSpPr>
-        <p:spPr>
-          <a:xfrm>
-            <a:off x="5945505" y="3579495"/>
-            <a:ext cx="1231900" cy="127635"/>
-          </a:xfrm>
-          <a:prstGeom prst="rightArrow">
-            <a:avLst>
-              <a:gd name="adj1" fmla="val 50000"/>
-              <a:gd name="adj2" fmla="val 335323"/>
-            </a:avLst>
-          </a:prstGeom>
-        </p:spPr>
-        <p:style>
-          <a:lnRef idx="2">
-            <a:schemeClr val="accent6"/>
-          </a:lnRef>
-          <a:fillRef idx="1">
-            <a:schemeClr val="lt1"/>
-          </a:fillRef>
-          <a:effectRef idx="0">
-            <a:schemeClr val="accent6"/>
-          </a:effectRef>
-          <a:fontRef idx="minor">
-            <a:schemeClr val="dk1"/>
-          </a:fontRef>
-        </p:style>
-        <p:txBody>
-          <a:bodyPr rtlCol="0" anchor="ctr"/>
-          <a:p>
-            <a:pPr algn="ctr"/>
-            <a:endParaRPr lang="zh-CN" altLang="en-US"/>
-          </a:p>
-        </p:txBody>
-      </p:sp>
-      <p:sp>
-        <p:nvSpPr>
-          <p:cNvPr id="10" name="文本框 9"/>
-          <p:cNvSpPr txBox="1"/>
-          <p:nvPr>
-            <p:custDataLst>
-              <p:tags r:id="rId3"/>
-            </p:custDataLst>
-          </p:nvPr>
-        </p:nvSpPr>
-        <p:spPr>
-          <a:xfrm>
-            <a:off x="6005195" y="2995295"/>
-            <a:ext cx="1112520" cy="465455"/>
-          </a:xfrm>
-          <a:prstGeom prst="rect">
-            <a:avLst/>
-          </a:prstGeom>
-          <a:noFill/>
-        </p:spPr>
-        <p:txBody>
-          <a:bodyPr wrap="square" rtlCol="0">
-            <a:noAutofit/>
-          </a:bodyPr>
-          <a:p>
-            <a:pPr algn="ctr"/>
-            <a:r>
-              <a:rPr lang="en-US" altLang="zh-CN" sz="1600"/>
-              <a:t>training indicator</a:t>
-            </a:r>
-            <a:endParaRPr lang="en-US" altLang="zh-CN" sz="1600"/>
-          </a:p>
-        </p:txBody>
-      </p:sp>
-      <p:sp>
-        <p:nvSpPr>
-          <p:cNvPr id="12" name="流程图: 过程 11"/>
-          <p:cNvSpPr/>
-          <p:nvPr>
-            <p:custDataLst>
-              <p:tags r:id="rId4"/>
-            </p:custDataLst>
-          </p:nvPr>
-        </p:nvSpPr>
-        <p:spPr>
-          <a:xfrm>
-            <a:off x="7480935" y="3382010"/>
-            <a:ext cx="1527810" cy="522605"/>
-          </a:xfrm>
-          <a:prstGeom prst="flowChartProcess">
-            <a:avLst/>
-          </a:prstGeom>
-          <a:ln>
-            <a:solidFill>
-              <a:schemeClr val="tx1"/>
-            </a:solidFill>
-          </a:ln>
-        </p:spPr>
-        <p:style>
-          <a:lnRef idx="2">
-            <a:schemeClr val="accent6"/>
-          </a:lnRef>
-          <a:fillRef idx="1">
-            <a:schemeClr val="lt1"/>
-          </a:fillRef>
-          <a:effectRef idx="0">
-            <a:schemeClr val="accent6"/>
-          </a:effectRef>
-          <a:fontRef idx="minor">
-            <a:schemeClr val="dk1"/>
-          </a:fontRef>
-        </p:style>
-        <p:txBody>
-          <a:bodyPr rtlCol="0" anchor="ctr"/>
-          <a:p>
-            <a:pPr algn="ctr"/>
-            <a:r>
-              <a:rPr lang="en-US" altLang="zh-CN"/>
-              <a:t>enabled indicator</a:t>
-            </a:r>
-            <a:endParaRPr lang="en-US" altLang="zh-CN"/>
-          </a:p>
-        </p:txBody>
-      </p:sp>
-      <p:sp>
-        <p:nvSpPr>
-          <p:cNvPr id="13" name="右箭头 12"/>
-          <p:cNvSpPr/>
-          <p:nvPr>
-            <p:custDataLst>
-              <p:tags r:id="rId5"/>
-            </p:custDataLst>
-          </p:nvPr>
-        </p:nvSpPr>
-        <p:spPr>
-          <a:xfrm rot="5400000">
-            <a:off x="1934845" y="2589530"/>
-            <a:ext cx="692150" cy="92075"/>
-          </a:xfrm>
-          <a:prstGeom prst="rightArrow">
-            <a:avLst>
-              <a:gd name="adj1" fmla="val 50000"/>
-              <a:gd name="adj2" fmla="val 335323"/>
-            </a:avLst>
-          </a:prstGeom>
-        </p:spPr>
-        <p:style>
-          <a:lnRef idx="2">
-            <a:schemeClr val="accent6"/>
-          </a:lnRef>
-          <a:fillRef idx="1">
-            <a:schemeClr val="lt1"/>
-          </a:fillRef>
-          <a:effectRef idx="0">
-            <a:schemeClr val="accent6"/>
-          </a:effectRef>
-          <a:fontRef idx="minor">
-            <a:schemeClr val="dk1"/>
-          </a:fontRef>
-        </p:style>
-        <p:txBody>
-          <a:bodyPr rtlCol="0" anchor="ctr"/>
-          <a:p>
-            <a:pPr algn="ctr"/>
-            <a:endParaRPr lang="zh-CN" altLang="en-US"/>
-          </a:p>
-        </p:txBody>
-      </p:sp>
-      <p:sp>
-        <p:nvSpPr>
-          <p:cNvPr id="4" name="流程图: 过程 3"/>
-          <p:cNvSpPr/>
-          <p:nvPr>
-            <p:custDataLst>
-              <p:tags r:id="rId6"/>
-            </p:custDataLst>
-          </p:nvPr>
-        </p:nvSpPr>
-        <p:spPr>
-          <a:xfrm>
-            <a:off x="1725295" y="3997325"/>
-            <a:ext cx="1111885" cy="607695"/>
-          </a:xfrm>
-          <a:prstGeom prst="flowChartProcess">
-            <a:avLst/>
-          </a:prstGeom>
-          <a:ln>
-            <a:solidFill>
-              <a:schemeClr val="tx1"/>
-            </a:solidFill>
-          </a:ln>
-        </p:spPr>
-        <p:style>
-          <a:lnRef idx="2">
-            <a:schemeClr val="accent6"/>
-          </a:lnRef>
-          <a:fillRef idx="1">
-            <a:schemeClr val="lt1"/>
-          </a:fillRef>
-          <a:effectRef idx="0">
-            <a:schemeClr val="accent6"/>
-          </a:effectRef>
-          <a:fontRef idx="minor">
-            <a:schemeClr val="dk1"/>
-          </a:fontRef>
-        </p:style>
-        <p:txBody>
-          <a:bodyPr rtlCol="0" anchor="ctr"/>
-          <a:p>
-            <a:pPr algn="ctr"/>
-            <a:r>
-              <a:rPr lang="en-US" altLang="zh-CN"/>
-              <a:t>sub</a:t>
-            </a:r>
-            <a:endParaRPr lang="en-US" altLang="zh-CN"/>
-          </a:p>
-          <a:p>
-            <a:pPr algn="ctr"/>
-            <a:r>
-              <a:rPr lang="en-US" altLang="zh-CN"/>
-              <a:t>region 2</a:t>
-            </a:r>
-            <a:endParaRPr lang="en-US" altLang="zh-CN"/>
-          </a:p>
-        </p:txBody>
-      </p:sp>
-      <p:sp>
-        <p:nvSpPr>
-          <p:cNvPr id="6" name="左大括号 5"/>
-          <p:cNvSpPr/>
-          <p:nvPr/>
-        </p:nvSpPr>
-        <p:spPr>
-          <a:xfrm>
-            <a:off x="3216910" y="3086100"/>
-            <a:ext cx="586105" cy="1073785"/>
-          </a:xfrm>
-          <a:prstGeom prst="leftBrace">
-            <a:avLst/>
-          </a:prstGeom>
-        </p:spPr>
-        <p:style>
-          <a:lnRef idx="3">
-            <a:schemeClr val="accent1"/>
-          </a:lnRef>
-          <a:fillRef idx="0">
-            <a:schemeClr val="accent1"/>
-          </a:fillRef>
-          <a:effectRef idx="2">
-            <a:schemeClr val="accent1"/>
-          </a:effectRef>
-          <a:fontRef idx="minor">
-            <a:schemeClr val="tx1"/>
-          </a:fontRef>
-        </p:style>
-        <p:txBody>
-          <a:bodyPr rtlCol="0" anchor="ctr"/>
-          <a:p>
-            <a:pPr algn="ctr"/>
-            <a:endParaRPr lang="zh-CN" altLang="en-US"/>
-          </a:p>
-        </p:txBody>
-      </p:sp>
-      <p:sp>
-        <p:nvSpPr>
-          <p:cNvPr id="14" name="文本框 13"/>
-          <p:cNvSpPr txBox="1"/>
-          <p:nvPr/>
-        </p:nvSpPr>
-        <p:spPr>
-          <a:xfrm>
-            <a:off x="3901440" y="3162300"/>
-            <a:ext cx="1759585" cy="645160"/>
-          </a:xfrm>
-          <a:prstGeom prst="rect">
-            <a:avLst/>
-          </a:prstGeom>
-          <a:noFill/>
-        </p:spPr>
-        <p:txBody>
-          <a:bodyPr wrap="square" rtlCol="0">
-            <a:spAutoFit/>
-          </a:bodyPr>
-          <a:p>
-            <a:endParaRPr lang="en-US" altLang="zh-CN"/>
-          </a:p>
-          <a:p>
-            <a:r>
-              <a:rPr lang="en-US" altLang="zh-CN"/>
-              <a:t>which property</a:t>
-            </a:r>
-            <a:endParaRPr lang="en-US" altLang="zh-CN"/>
-          </a:p>
-        </p:txBody>
-      </p:sp>
-      <p:sp>
-        <p:nvSpPr>
-          <p:cNvPr id="15" name="左大括号 14"/>
-          <p:cNvSpPr/>
-          <p:nvPr/>
-        </p:nvSpPr>
-        <p:spPr>
-          <a:xfrm>
-            <a:off x="9371330" y="3105785"/>
-            <a:ext cx="586105" cy="1073785"/>
-          </a:xfrm>
-          <a:prstGeom prst="leftBrace">
-            <a:avLst/>
-          </a:prstGeom>
-        </p:spPr>
-        <p:style>
-          <a:lnRef idx="3">
-            <a:schemeClr val="accent1"/>
-          </a:lnRef>
-          <a:fillRef idx="0">
-            <a:schemeClr val="accent1"/>
-          </a:fillRef>
-          <a:effectRef idx="2">
-            <a:schemeClr val="accent1"/>
-          </a:effectRef>
-          <a:fontRef idx="minor">
-            <a:schemeClr val="tx1"/>
-          </a:fontRef>
-        </p:style>
-        <p:txBody>
-          <a:bodyPr rtlCol="0" anchor="ctr"/>
-          <a:p>
-            <a:pPr algn="ctr"/>
-            <a:endParaRPr lang="zh-CN" altLang="en-US"/>
-          </a:p>
-        </p:txBody>
-      </p:sp>
-      <p:sp>
-        <p:nvSpPr>
-          <p:cNvPr id="16" name="文本框 15"/>
-          <p:cNvSpPr txBox="1"/>
-          <p:nvPr/>
-        </p:nvSpPr>
-        <p:spPr>
-          <a:xfrm>
-            <a:off x="10026650" y="3182620"/>
-            <a:ext cx="1759585" cy="922020"/>
-          </a:xfrm>
-          <a:prstGeom prst="rect">
-            <a:avLst/>
-          </a:prstGeom>
-          <a:noFill/>
-        </p:spPr>
-        <p:txBody>
-          <a:bodyPr wrap="square" rtlCol="0">
-            <a:spAutoFit/>
-          </a:bodyPr>
-          <a:p>
-            <a:r>
-              <a:rPr lang="en-US" altLang="zh-CN"/>
-              <a:t>the input region</a:t>
-            </a:r>
-            <a:endParaRPr lang="en-US" altLang="zh-CN"/>
-          </a:p>
-          <a:p>
-            <a:r>
-              <a:rPr lang="en-US" altLang="zh-CN"/>
-              <a:t>belongs to </a:t>
-            </a:r>
-            <a:r>
-              <a:rPr lang="en-US" altLang="zh-CN">
-                <a:sym typeface="+mn-ea"/>
-              </a:rPr>
-              <a:t>which property</a:t>
-            </a:r>
-            <a:endParaRPr lang="en-US" altLang="zh-CN"/>
-          </a:p>
-        </p:txBody>
-      </p:sp>
-      <p:sp>
-        <p:nvSpPr>
-          <p:cNvPr id="17" name="右箭头 16"/>
-          <p:cNvSpPr/>
-          <p:nvPr>
-            <p:custDataLst>
-              <p:tags r:id="rId7"/>
-            </p:custDataLst>
-          </p:nvPr>
-        </p:nvSpPr>
-        <p:spPr>
-          <a:xfrm rot="16200000">
-            <a:off x="7918450" y="2914015"/>
-            <a:ext cx="652145" cy="90805"/>
-          </a:xfrm>
-          <a:prstGeom prst="rightArrow">
-            <a:avLst>
-              <a:gd name="adj1" fmla="val 50000"/>
-              <a:gd name="adj2" fmla="val 335323"/>
-            </a:avLst>
-          </a:prstGeom>
-        </p:spPr>
-        <p:style>
-          <a:lnRef idx="2">
-            <a:schemeClr val="accent6"/>
-          </a:lnRef>
-          <a:fillRef idx="1">
-            <a:schemeClr val="lt1"/>
-          </a:fillRef>
-          <a:effectRef idx="0">
-            <a:schemeClr val="accent6"/>
-          </a:effectRef>
-          <a:fontRef idx="minor">
-            <a:schemeClr val="dk1"/>
-          </a:fontRef>
-        </p:style>
-        <p:txBody>
-          <a:bodyPr rtlCol="0" anchor="ctr"/>
-          <a:p>
-            <a:pPr algn="ctr"/>
-            <a:endParaRPr lang="zh-CN" altLang="en-US"/>
-          </a:p>
-        </p:txBody>
-      </p:sp>
-      <p:sp>
-        <p:nvSpPr>
-          <p:cNvPr id="18" name="文本框 17"/>
-          <p:cNvSpPr txBox="1"/>
-          <p:nvPr>
-            <p:custDataLst>
-              <p:tags r:id="rId8"/>
-            </p:custDataLst>
-          </p:nvPr>
-        </p:nvSpPr>
-        <p:spPr>
-          <a:xfrm>
-            <a:off x="8392160" y="2696845"/>
-            <a:ext cx="1342390" cy="465455"/>
-          </a:xfrm>
-          <a:prstGeom prst="rect">
-            <a:avLst/>
-          </a:prstGeom>
-          <a:noFill/>
-        </p:spPr>
-        <p:txBody>
-          <a:bodyPr wrap="square" rtlCol="0">
-            <a:noAutofit/>
-          </a:bodyPr>
-          <a:p>
-            <a:pPr algn="ctr"/>
-            <a:r>
-              <a:rPr lang="en-US" altLang="zh-CN" sz="1200"/>
-              <a:t>combine with patch</a:t>
-            </a:r>
-            <a:r>
-              <a:rPr lang="en-US" altLang="zh-CN" sz="1200"/>
-              <a:t> and NN</a:t>
-            </a:r>
-            <a:endParaRPr lang="en-US" altLang="zh-CN" sz="1200"/>
-          </a:p>
-        </p:txBody>
-      </p:sp>
-      <p:pic>
-        <p:nvPicPr>
-          <p:cNvPr id="19" name="图片 18"/>
-          <p:cNvPicPr>
-            <a:picLocks noChangeAspect="1"/>
-          </p:cNvPicPr>
-          <p:nvPr/>
-        </p:nvPicPr>
-        <p:blipFill>
-          <a:blip r:embed="rId9"/>
-          <a:stretch>
-            <a:fillRect/>
-          </a:stretch>
-        </p:blipFill>
-        <p:spPr>
-          <a:xfrm>
-            <a:off x="1751965" y="4749800"/>
-            <a:ext cx="9618980" cy="1266825"/>
-          </a:xfrm>
-          <a:prstGeom prst="rect">
-            <a:avLst/>
-          </a:prstGeom>
-        </p:spPr>
-      </p:pic>
-      <p:sp>
-        <p:nvSpPr>
-          <p:cNvPr id="20" name="流程图: 过程 19"/>
-          <p:cNvSpPr/>
-          <p:nvPr>
-            <p:custDataLst>
-              <p:tags r:id="rId10"/>
-            </p:custDataLst>
-          </p:nvPr>
-        </p:nvSpPr>
-        <p:spPr>
-          <a:xfrm>
-            <a:off x="7480300" y="2014220"/>
-            <a:ext cx="1527810" cy="522605"/>
-          </a:xfrm>
-          <a:prstGeom prst="flowChartProcess">
-            <a:avLst/>
-          </a:prstGeom>
-          <a:ln>
-            <a:solidFill>
-              <a:schemeClr val="tx1"/>
-            </a:solidFill>
-          </a:ln>
-        </p:spPr>
-        <p:style>
-          <a:lnRef idx="2">
-            <a:schemeClr val="accent6"/>
-          </a:lnRef>
-          <a:fillRef idx="1">
-            <a:schemeClr val="lt1"/>
-          </a:fillRef>
-          <a:effectRef idx="0">
-            <a:schemeClr val="accent6"/>
-          </a:effectRef>
-          <a:fontRef idx="minor">
-            <a:schemeClr val="dk1"/>
-          </a:fontRef>
-        </p:style>
-        <p:txBody>
-          <a:bodyPr rtlCol="0" anchor="ctr"/>
-          <a:p>
-            <a:pPr algn="ctr"/>
-            <a:r>
-              <a:rPr lang="en-US" altLang="zh-CN">
-                <a:solidFill>
-                  <a:schemeClr val="accent1"/>
-                </a:solidFill>
-                <a:effectLst>
-                  <a:outerShdw blurRad="38100" dist="25400" dir="5400000" algn="ctr" rotWithShape="0">
-                    <a:srgbClr val="6E747A">
-                      <a:alpha val="43000"/>
-                    </a:srgbClr>
-                  </a:outerShdw>
-                </a:effectLst>
-              </a:rPr>
-              <a:t>repaired NN‘</a:t>
-            </a:r>
-            <a:endParaRPr lang="en-US" altLang="zh-CN">
-              <a:solidFill>
-                <a:schemeClr val="accent1"/>
-              </a:solidFill>
-              <a:effectLst>
-                <a:outerShdw blurRad="38100" dist="25400" dir="5400000" algn="ctr" rotWithShape="0">
-                  <a:srgbClr val="6E747A">
-                    <a:alpha val="43000"/>
-                  </a:srgbClr>
-                </a:outerShdw>
-              </a:effectLst>
-            </a:endParaRPr>
-          </a:p>
-        </p:txBody>
-      </p:sp>
-    </p:spTree>
-  </p:cSld>
-  <p:clrMapOvr>
-    <a:masterClrMapping/>
-  </p:clrMapOvr>
-</p:sld>
-</file>
-
-<file path=ppt/slides/slide11.xml><?xml version="1.0" encoding="utf-8"?>
-<p:sld xmlns:a="http://schemas.openxmlformats.org/drawingml/2006/main" xmlns:r="http://schemas.openxmlformats.org/officeDocument/2006/relationships" xmlns:p="http://schemas.openxmlformats.org/presentationml/2006/main">
-  <p:cSld>
-    <p:spTree>
-      <p:nvGrpSpPr>
-        <p:cNvPr id="1" name=""/>
-        <p:cNvGrpSpPr/>
-        <p:nvPr/>
-      </p:nvGrpSpPr>
-      <p:grpSpPr/>
-      <p:sp>
-        <p:nvSpPr>
           <p:cNvPr id="2" name="内容占位符 1"/>
           <p:cNvSpPr>
             <a:spLocks noGrp="1"/>
@@ -6587,15 +5847,15 @@
             </a:pPr>
             <a:r>
               <a:rPr lang="zh-CN" altLang="en-US"/>
-              <a:t>添加固定与</a:t>
-            </a:r>
-            <a:r>
-              <a:rPr lang="zh-CN" altLang="en-US"/>
-              <a:t>待修复性质</a:t>
-            </a:r>
-            <a:r>
-              <a:rPr lang="zh-CN" altLang="en-US"/>
-              <a:t>数量的patch网络</a:t>
+              <a:t>添加固定与待修复性质数量相同的</a:t>
+            </a:r>
+            <a:r>
+              <a:rPr lang="en-US" altLang="zh-CN"/>
+              <a:t>indicator</a:t>
+            </a:r>
+            <a:r>
+              <a:rPr lang="zh-CN" altLang="en-US"/>
+              <a:t>和patch网络</a:t>
             </a:r>
             <a:endParaRPr lang="zh-CN" altLang="en-US"/>
           </a:p>
@@ -6611,15 +5871,11 @@
             </a:r>
             <a:r>
               <a:rPr lang="zh-CN" altLang="en-US"/>
-              <a:t>的</a:t>
-            </a:r>
-            <a:r>
-              <a:rPr lang="zh-CN" altLang="en-US"/>
-              <a:t>输出分量和</a:t>
+              <a:t>和</a:t>
             </a:r>
             <a:r>
               <a:rPr lang="en-US" altLang="zh-CN"/>
-              <a:t>patch</a:t>
+              <a:t> patch </a:t>
             </a:r>
             <a:r>
               <a:rPr lang="zh-CN" altLang="en-US"/>
@@ -6886,7 +6142,7 @@
 </p:sld>
 </file>
 
-<file path=ppt/slides/slide12.xml><?xml version="1.0" encoding="utf-8"?>
+<file path=ppt/slides/slide11.xml><?xml version="1.0" encoding="utf-8"?>
 <p:sld xmlns:a="http://schemas.openxmlformats.org/drawingml/2006/main" xmlns:r="http://schemas.openxmlformats.org/officeDocument/2006/relationships" xmlns:p="http://schemas.openxmlformats.org/presentationml/2006/main">
   <p:cSld>
     <p:spTree>
@@ -6908,42 +6164,68 @@
         </p:nvSpPr>
         <p:spPr/>
         <p:txBody>
-          <a:bodyPr>
-            <a:normAutofit/>
-          </a:bodyPr>
+          <a:bodyPr/>
+          <a:p>
+            <a:pPr fontAlgn="auto">
+              <a:lnSpc>
+                <a:spcPct val="150000"/>
+              </a:lnSpc>
+            </a:pPr>
+            <a:r>
+              <a:rPr lang="zh-CN" altLang="en-US"/>
+              <a:t>预处理：</a:t>
+            </a:r>
+            <a:r>
+              <a:rPr lang="zh-CN" altLang="en-US"/>
+              <a:t>编码性质</a:t>
+            </a:r>
+            <a:endParaRPr lang="zh-CN" altLang="en-US"/>
+          </a:p>
+          <a:p>
+            <a:pPr lvl="1" fontAlgn="auto">
+              <a:lnSpc>
+                <a:spcPct val="150000"/>
+              </a:lnSpc>
+            </a:pPr>
+            <a:r>
+              <a:rPr lang="zh-CN" altLang="en-US"/>
+              <a:t>将数据一一编码：数据</a:t>
+            </a:r>
+            <a:r>
+              <a:rPr lang="en-US" altLang="zh-CN"/>
+              <a:t>+</a:t>
+            </a:r>
+            <a:r>
+              <a:rPr lang="zh-CN" altLang="en-US"/>
+              <a:t>敏感属性</a:t>
+            </a:r>
+            <a:r>
+              <a:rPr lang="en-US" altLang="zh-CN"/>
+              <a:t> → </a:t>
+            </a:r>
+            <a:r>
+              <a:rPr lang="zh-CN" altLang="en-US"/>
+              <a:t>一个</a:t>
+            </a:r>
+            <a:r>
+              <a:rPr lang="zh-CN" altLang="en-US"/>
+              <a:t>性质</a:t>
+            </a:r>
+            <a:endParaRPr lang="zh-CN" altLang="en-US"/>
+          </a:p>
           <a:p>
             <a:pPr lvl="0" fontAlgn="auto">
               <a:lnSpc>
                 <a:spcPct val="150000"/>
               </a:lnSpc>
             </a:pPr>
-            <a:endParaRPr lang="zh-CN" altLang="en-US"/>
-          </a:p>
-          <a:p>
-            <a:pPr lvl="0" fontAlgn="auto">
-              <a:lnSpc>
-                <a:spcPct val="150000"/>
-              </a:lnSpc>
-            </a:pPr>
-            <a:endParaRPr lang="zh-CN" altLang="en-US"/>
-          </a:p>
-          <a:p>
-            <a:pPr lvl="0" fontAlgn="auto">
-              <a:lnSpc>
-                <a:spcPct val="150000"/>
-              </a:lnSpc>
-            </a:pPr>
-            <a:endParaRPr lang="zh-CN" altLang="en-US"/>
-          </a:p>
-          <a:p>
-            <a:pPr lvl="0" fontAlgn="auto">
-              <a:lnSpc>
-                <a:spcPct val="150000"/>
-              </a:lnSpc>
-            </a:pPr>
-            <a:r>
-              <a:rPr lang="zh-CN" altLang="en-US"/>
-              <a:t>结果讨论：</a:t>
+            <a:r>
+              <a:rPr lang="zh-CN" altLang="en-US"/>
+              <a:t>实验</a:t>
+            </a:r>
+            <a:r>
+              <a:rPr lang="zh-CN" altLang="en-US"/>
+              <a:t>设置：</a:t>
             </a:r>
             <a:endParaRPr lang="zh-CN" altLang="en-US"/>
           </a:p>
@@ -6954,29 +6236,57 @@
               </a:lnSpc>
             </a:pPr>
             <a:r>
-              <a:rPr lang="zh-CN" altLang="en-US"/>
-              <a:t>抽象解释</a:t>
-            </a:r>
-            <a:r>
-              <a:rPr lang="en-US" altLang="zh-CN"/>
-              <a:t> &amp; indicator</a:t>
-            </a:r>
-            <a:r>
-              <a:rPr lang="zh-CN" altLang="en-US"/>
+              <a:rPr lang="zh-CN" altLang="en-US" sz="2400"/>
+              <a:t>所有数据（性质）共同修复</a:t>
+            </a:r>
+            <a:endParaRPr lang="zh-CN" altLang="en-US" sz="2400"/>
+          </a:p>
+          <a:p>
+            <a:pPr lvl="1" fontAlgn="auto">
+              <a:lnSpc>
+                <a:spcPct val="150000"/>
+              </a:lnSpc>
+            </a:pPr>
+            <a:r>
+              <a:rPr lang="en-US" altLang="zh-CN" sz="2400"/>
+              <a:t>indicator</a:t>
+            </a:r>
+            <a:r>
+              <a:rPr lang="zh-CN" altLang="en-US" sz="2400"/>
               <a:t>与</a:t>
             </a:r>
             <a:r>
-              <a:rPr lang="en-US" altLang="zh-CN"/>
+              <a:rPr lang="en-US" altLang="zh-CN" sz="2400"/>
               <a:t>patch</a:t>
             </a:r>
             <a:r>
-              <a:rPr lang="zh-CN" altLang="en-US"/>
-              <a:t>的</a:t>
-            </a:r>
-            <a:r>
-              <a:rPr lang="zh-CN" altLang="en-US"/>
-              <a:t>结合能力</a:t>
-            </a:r>
+              <a:rPr lang="zh-CN" altLang="en-US" sz="2400"/>
+              <a:t>网络设置</a:t>
+            </a:r>
+            <a:r>
+              <a:rPr lang="zh-CN" altLang="en-US" sz="2400"/>
+              <a:t>和修复安全性质相同</a:t>
+            </a:r>
+            <a:endParaRPr lang="zh-CN" altLang="en-US" sz="2400"/>
+          </a:p>
+          <a:p>
+            <a:pPr lvl="1" fontAlgn="auto">
+              <a:lnSpc>
+                <a:spcPct val="150000"/>
+              </a:lnSpc>
+            </a:pPr>
+            <a:r>
+              <a:rPr lang="zh-CN" altLang="en-US" sz="2400"/>
+              <a:t>两组实验：训练集和测试集相同及</a:t>
+            </a:r>
+            <a:r>
+              <a:rPr lang="zh-CN" altLang="en-US" sz="2400"/>
+              <a:t>不同</a:t>
+            </a:r>
+            <a:endParaRPr lang="zh-CN" altLang="en-US"/>
+          </a:p>
+          <a:p>
+            <a:pPr lvl="1"/>
             <a:endParaRPr lang="zh-CN" altLang="en-US"/>
           </a:p>
         </p:txBody>
@@ -6997,36 +6307,12 @@
           <a:p>
             <a:r>
               <a:rPr lang="en-US" altLang="zh-CN"/>
-              <a:t>EXperiment: repair safety property</a:t>
+              <a:t>EXperiment: repair fairness property</a:t>
             </a:r>
             <a:endParaRPr lang="en-US" altLang="zh-CN"/>
           </a:p>
         </p:txBody>
       </p:sp>
-      <p:pic>
-        <p:nvPicPr>
-          <p:cNvPr id="4" name="图片 3"/>
-          <p:cNvPicPr>
-            <a:picLocks noChangeAspect="1"/>
-          </p:cNvPicPr>
-          <p:nvPr/>
-        </p:nvPicPr>
-        <p:blipFill>
-          <a:blip r:embed="rId1"/>
-          <a:stretch>
-            <a:fillRect/>
-          </a:stretch>
-        </p:blipFill>
-        <p:spPr>
-          <a:xfrm>
-            <a:off x="2101850" y="1467485"/>
-            <a:ext cx="8512175" cy="2373630"/>
-          </a:xfrm>
-          <a:prstGeom prst="rect">
-            <a:avLst/>
-          </a:prstGeom>
-        </p:spPr>
-      </p:pic>
     </p:spTree>
   </p:cSld>
   <p:clrMapOvr>
@@ -7035,186 +6321,7 @@
 </p:sld>
 </file>
 
-<file path=ppt/slides/slide13.xml><?xml version="1.0" encoding="utf-8"?>
-<p:sld xmlns:a="http://schemas.openxmlformats.org/drawingml/2006/main" xmlns:r="http://schemas.openxmlformats.org/officeDocument/2006/relationships" xmlns:p="http://schemas.openxmlformats.org/presentationml/2006/main">
-  <p:cSld>
-    <p:spTree>
-      <p:nvGrpSpPr>
-        <p:cNvPr id="1" name=""/>
-        <p:cNvGrpSpPr/>
-        <p:nvPr/>
-      </p:nvGrpSpPr>
-      <p:grpSpPr/>
-      <p:sp>
-        <p:nvSpPr>
-          <p:cNvPr id="2" name="内容占位符 1"/>
-          <p:cNvSpPr>
-            <a:spLocks noGrp="1"/>
-          </p:cNvSpPr>
-          <p:nvPr>
-            <p:ph idx="1"/>
-          </p:nvPr>
-        </p:nvSpPr>
-        <p:spPr/>
-        <p:txBody>
-          <a:bodyPr/>
-          <a:p>
-            <a:pPr fontAlgn="auto">
-              <a:lnSpc>
-                <a:spcPct val="150000"/>
-              </a:lnSpc>
-            </a:pPr>
-            <a:r>
-              <a:rPr lang="zh-CN" altLang="en-US"/>
-              <a:t>预处理：</a:t>
-            </a:r>
-            <a:r>
-              <a:rPr lang="zh-CN" altLang="en-US"/>
-              <a:t>编码性质</a:t>
-            </a:r>
-            <a:endParaRPr lang="zh-CN" altLang="en-US"/>
-          </a:p>
-          <a:p>
-            <a:pPr lvl="1" fontAlgn="auto">
-              <a:lnSpc>
-                <a:spcPct val="150000"/>
-              </a:lnSpc>
-            </a:pPr>
-            <a:r>
-              <a:rPr lang="zh-CN" altLang="en-US"/>
-              <a:t>将数据一一编码：数据</a:t>
-            </a:r>
-            <a:r>
-              <a:rPr lang="en-US" altLang="zh-CN"/>
-              <a:t>+</a:t>
-            </a:r>
-            <a:r>
-              <a:rPr lang="zh-CN" altLang="en-US"/>
-              <a:t>敏感属性</a:t>
-            </a:r>
-            <a:r>
-              <a:rPr lang="en-US" altLang="zh-CN"/>
-              <a:t> → </a:t>
-            </a:r>
-            <a:r>
-              <a:rPr lang="zh-CN" altLang="en-US"/>
-              <a:t>一个</a:t>
-            </a:r>
-            <a:r>
-              <a:rPr lang="zh-CN" altLang="en-US"/>
-              <a:t>性质</a:t>
-            </a:r>
-            <a:endParaRPr lang="zh-CN" altLang="en-US"/>
-          </a:p>
-          <a:p>
-            <a:pPr lvl="0" fontAlgn="auto">
-              <a:lnSpc>
-                <a:spcPct val="150000"/>
-              </a:lnSpc>
-            </a:pPr>
-            <a:r>
-              <a:rPr lang="zh-CN" altLang="en-US"/>
-              <a:t>实验</a:t>
-            </a:r>
-            <a:r>
-              <a:rPr lang="zh-CN" altLang="en-US"/>
-              <a:t>设置：</a:t>
-            </a:r>
-            <a:endParaRPr lang="zh-CN" altLang="en-US"/>
-          </a:p>
-          <a:p>
-            <a:pPr lvl="1" fontAlgn="auto">
-              <a:lnSpc>
-                <a:spcPct val="150000"/>
-              </a:lnSpc>
-            </a:pPr>
-            <a:r>
-              <a:rPr lang="zh-CN" altLang="en-US" sz="2400"/>
-              <a:t>所有数据（性质）共同修复</a:t>
-            </a:r>
-            <a:endParaRPr lang="zh-CN" altLang="en-US" sz="2400"/>
-          </a:p>
-          <a:p>
-            <a:pPr lvl="1" fontAlgn="auto">
-              <a:lnSpc>
-                <a:spcPct val="150000"/>
-              </a:lnSpc>
-            </a:pPr>
-            <a:r>
-              <a:rPr lang="en-US" altLang="zh-CN" sz="2400"/>
-              <a:t>indicator</a:t>
-            </a:r>
-            <a:r>
-              <a:rPr lang="zh-CN" altLang="en-US" sz="2400"/>
-              <a:t>与</a:t>
-            </a:r>
-            <a:r>
-              <a:rPr lang="en-US" altLang="zh-CN" sz="2400"/>
-              <a:t>patch</a:t>
-            </a:r>
-            <a:r>
-              <a:rPr lang="zh-CN" altLang="en-US" sz="2400"/>
-              <a:t>网络设置</a:t>
-            </a:r>
-            <a:r>
-              <a:rPr lang="zh-CN" altLang="en-US" sz="2400"/>
-              <a:t>和修复安全性质相同</a:t>
-            </a:r>
-            <a:endParaRPr lang="zh-CN" altLang="en-US" sz="2400"/>
-          </a:p>
-          <a:p>
-            <a:pPr lvl="1" fontAlgn="auto">
-              <a:lnSpc>
-                <a:spcPct val="150000"/>
-              </a:lnSpc>
-            </a:pPr>
-            <a:r>
-              <a:rPr lang="zh-CN" altLang="en-US" sz="2400"/>
-              <a:t>两组实验：训练集和测试集相同及</a:t>
-            </a:r>
-            <a:r>
-              <a:rPr lang="zh-CN" altLang="en-US" sz="2400"/>
-              <a:t>不同</a:t>
-            </a:r>
-            <a:endParaRPr lang="zh-CN" altLang="en-US"/>
-          </a:p>
-          <a:p>
-            <a:pPr lvl="1"/>
-            <a:endParaRPr lang="zh-CN" altLang="en-US"/>
-          </a:p>
-        </p:txBody>
-      </p:sp>
-      <p:sp>
-        <p:nvSpPr>
-          <p:cNvPr id="3" name="标题 2"/>
-          <p:cNvSpPr>
-            <a:spLocks noGrp="1"/>
-          </p:cNvSpPr>
-          <p:nvPr>
-            <p:ph type="title"/>
-          </p:nvPr>
-        </p:nvSpPr>
-        <p:spPr/>
-        <p:txBody>
-          <a:bodyPr/>
-          <a:p>
-            <a:r>
-              <a:rPr lang="en-US" altLang="zh-CN"/>
-              <a:t>EXperiment: repair fairness property</a:t>
-            </a:r>
-            <a:endParaRPr lang="en-US" altLang="zh-CN"/>
-          </a:p>
-        </p:txBody>
-      </p:sp>
-    </p:spTree>
-  </p:cSld>
-  <p:clrMapOvr>
-    <a:masterClrMapping/>
-  </p:clrMapOvr>
-</p:sld>
-</file>
-
-<file path=ppt/slides/slide14.xml><?xml version="1.0" encoding="utf-8"?>
+<file path=ppt/slides/slide12.xml><?xml version="1.0" encoding="utf-8"?>
 <p:sld xmlns:a="http://schemas.openxmlformats.org/drawingml/2006/main" xmlns:r="http://schemas.openxmlformats.org/officeDocument/2006/relationships" xmlns:p="http://schemas.openxmlformats.org/presentationml/2006/main">
   <p:cSld>
     <p:spTree>
@@ -7552,7 +6659,755 @@
 </p:sld>
 </file>
 
-<file path=ppt/slides/slide15.xml><?xml version="1.0" encoding="utf-8"?>
+<file path=ppt/slides/slide13.xml><?xml version="1.0" encoding="utf-8"?>
+<p:sld xmlns:a="http://schemas.openxmlformats.org/drawingml/2006/main" xmlns:r="http://schemas.openxmlformats.org/officeDocument/2006/relationships" xmlns:p="http://schemas.openxmlformats.org/presentationml/2006/main">
+  <p:cSld>
+    <p:spTree>
+      <p:nvGrpSpPr>
+        <p:cNvPr id="1" name=""/>
+        <p:cNvGrpSpPr/>
+        <p:nvPr/>
+      </p:nvGrpSpPr>
+      <p:grpSpPr/>
+      <p:sp>
+        <p:nvSpPr>
+          <p:cNvPr id="3" name="标题 2"/>
+          <p:cNvSpPr>
+            <a:spLocks noGrp="1"/>
+          </p:cNvSpPr>
+          <p:nvPr>
+            <p:ph type="title"/>
+          </p:nvPr>
+        </p:nvSpPr>
+        <p:spPr/>
+        <p:txBody>
+          <a:bodyPr/>
+          <a:p>
+            <a:r>
+              <a:rPr lang="zh-CN" altLang="en-US" b="0" dirty="0"/>
+              <a:t>How to make indicator enabled</a:t>
+            </a:r>
+            <a:endParaRPr lang="zh-CN" altLang="en-US" b="0" dirty="0"/>
+          </a:p>
+        </p:txBody>
+      </p:sp>
+      <p:sp>
+        <p:nvSpPr>
+          <p:cNvPr id="5" name="流程图: 过程 4"/>
+          <p:cNvSpPr/>
+          <p:nvPr/>
+        </p:nvSpPr>
+        <p:spPr>
+          <a:xfrm>
+            <a:off x="1520190" y="1686560"/>
+            <a:ext cx="1527810" cy="522605"/>
+          </a:xfrm>
+          <a:prstGeom prst="flowChartProcess">
+            <a:avLst/>
+          </a:prstGeom>
+          <a:ln>
+            <a:solidFill>
+              <a:schemeClr val="tx1"/>
+            </a:solidFill>
+          </a:ln>
+        </p:spPr>
+        <p:style>
+          <a:lnRef idx="2">
+            <a:schemeClr val="accent6"/>
+          </a:lnRef>
+          <a:fillRef idx="1">
+            <a:schemeClr val="lt1"/>
+          </a:fillRef>
+          <a:effectRef idx="0">
+            <a:schemeClr val="accent6"/>
+          </a:effectRef>
+          <a:fontRef idx="minor">
+            <a:schemeClr val="dk1"/>
+          </a:fontRef>
+        </p:style>
+        <p:txBody>
+          <a:bodyPr rtlCol="0" anchor="ctr"/>
+          <a:p>
+            <a:pPr algn="ctr"/>
+            <a:r>
+              <a:rPr lang="en-US" altLang="zh-CN">
+                <a:solidFill>
+                  <a:srgbClr val="FF0000"/>
+                </a:solidFill>
+                <a:effectLst>
+                  <a:outerShdw blurRad="38100" dist="19050" dir="2700000" algn="tl" rotWithShape="0">
+                    <a:schemeClr val="dk1">
+                      <a:alpha val="40000"/>
+                    </a:schemeClr>
+                  </a:outerShdw>
+                </a:effectLst>
+              </a:rPr>
+              <a:t>input region</a:t>
+            </a:r>
+            <a:endParaRPr lang="en-US" altLang="zh-CN">
+              <a:solidFill>
+                <a:srgbClr val="FF0000"/>
+              </a:solidFill>
+              <a:effectLst>
+                <a:outerShdw blurRad="38100" dist="19050" dir="2700000" algn="tl" rotWithShape="0">
+                  <a:schemeClr val="dk1">
+                    <a:alpha val="40000"/>
+                  </a:schemeClr>
+                </a:outerShdw>
+              </a:effectLst>
+            </a:endParaRPr>
+          </a:p>
+        </p:txBody>
+      </p:sp>
+      <p:sp>
+        <p:nvSpPr>
+          <p:cNvPr id="7" name="文本框 6"/>
+          <p:cNvSpPr txBox="1"/>
+          <p:nvPr/>
+        </p:nvSpPr>
+        <p:spPr>
+          <a:xfrm>
+            <a:off x="2161540" y="2430780"/>
+            <a:ext cx="886460" cy="306705"/>
+          </a:xfrm>
+          <a:prstGeom prst="rect">
+            <a:avLst/>
+          </a:prstGeom>
+          <a:noFill/>
+        </p:spPr>
+        <p:txBody>
+          <a:bodyPr wrap="square" rtlCol="0">
+            <a:spAutoFit/>
+          </a:bodyPr>
+          <a:p>
+            <a:pPr algn="ctr"/>
+            <a:r>
+              <a:rPr lang="en-US" altLang="zh-CN" sz="1400"/>
+              <a:t>split</a:t>
+            </a:r>
+            <a:endParaRPr lang="en-US" altLang="zh-CN" sz="1400"/>
+          </a:p>
+        </p:txBody>
+      </p:sp>
+      <p:sp>
+        <p:nvSpPr>
+          <p:cNvPr id="8" name="流程图: 过程 7"/>
+          <p:cNvSpPr/>
+          <p:nvPr>
+            <p:custDataLst>
+              <p:tags r:id="rId1"/>
+            </p:custDataLst>
+          </p:nvPr>
+        </p:nvSpPr>
+        <p:spPr>
+          <a:xfrm>
+            <a:off x="1725295" y="3086100"/>
+            <a:ext cx="1111885" cy="624205"/>
+          </a:xfrm>
+          <a:prstGeom prst="flowChartProcess">
+            <a:avLst/>
+          </a:prstGeom>
+          <a:ln>
+            <a:solidFill>
+              <a:schemeClr val="tx1"/>
+            </a:solidFill>
+          </a:ln>
+        </p:spPr>
+        <p:style>
+          <a:lnRef idx="2">
+            <a:schemeClr val="accent6"/>
+          </a:lnRef>
+          <a:fillRef idx="1">
+            <a:schemeClr val="lt1"/>
+          </a:fillRef>
+          <a:effectRef idx="0">
+            <a:schemeClr val="accent6"/>
+          </a:effectRef>
+          <a:fontRef idx="minor">
+            <a:schemeClr val="dk1"/>
+          </a:fontRef>
+        </p:style>
+        <p:txBody>
+          <a:bodyPr rtlCol="0" anchor="ctr"/>
+          <a:p>
+            <a:pPr algn="ctr"/>
+            <a:r>
+              <a:rPr lang="en-US" altLang="zh-CN"/>
+              <a:t>sub </a:t>
+            </a:r>
+            <a:r>
+              <a:rPr lang="en-US" altLang="zh-CN"/>
+              <a:t>region 1</a:t>
+            </a:r>
+            <a:endParaRPr lang="en-US" altLang="zh-CN"/>
+          </a:p>
+        </p:txBody>
+      </p:sp>
+      <p:sp>
+        <p:nvSpPr>
+          <p:cNvPr id="9" name="右箭头 8"/>
+          <p:cNvSpPr/>
+          <p:nvPr>
+            <p:custDataLst>
+              <p:tags r:id="rId2"/>
+            </p:custDataLst>
+          </p:nvPr>
+        </p:nvSpPr>
+        <p:spPr>
+          <a:xfrm>
+            <a:off x="5945505" y="3579495"/>
+            <a:ext cx="1231900" cy="127635"/>
+          </a:xfrm>
+          <a:prstGeom prst="rightArrow">
+            <a:avLst>
+              <a:gd name="adj1" fmla="val 50000"/>
+              <a:gd name="adj2" fmla="val 335323"/>
+            </a:avLst>
+          </a:prstGeom>
+        </p:spPr>
+        <p:style>
+          <a:lnRef idx="2">
+            <a:schemeClr val="accent6"/>
+          </a:lnRef>
+          <a:fillRef idx="1">
+            <a:schemeClr val="lt1"/>
+          </a:fillRef>
+          <a:effectRef idx="0">
+            <a:schemeClr val="accent6"/>
+          </a:effectRef>
+          <a:fontRef idx="minor">
+            <a:schemeClr val="dk1"/>
+          </a:fontRef>
+        </p:style>
+        <p:txBody>
+          <a:bodyPr rtlCol="0" anchor="ctr"/>
+          <a:p>
+            <a:pPr algn="ctr"/>
+            <a:endParaRPr lang="zh-CN" altLang="en-US"/>
+          </a:p>
+        </p:txBody>
+      </p:sp>
+      <p:sp>
+        <p:nvSpPr>
+          <p:cNvPr id="10" name="文本框 9"/>
+          <p:cNvSpPr txBox="1"/>
+          <p:nvPr>
+            <p:custDataLst>
+              <p:tags r:id="rId3"/>
+            </p:custDataLst>
+          </p:nvPr>
+        </p:nvSpPr>
+        <p:spPr>
+          <a:xfrm>
+            <a:off x="6005195" y="2995295"/>
+            <a:ext cx="1112520" cy="465455"/>
+          </a:xfrm>
+          <a:prstGeom prst="rect">
+            <a:avLst/>
+          </a:prstGeom>
+          <a:noFill/>
+        </p:spPr>
+        <p:txBody>
+          <a:bodyPr wrap="square" rtlCol="0">
+            <a:noAutofit/>
+          </a:bodyPr>
+          <a:p>
+            <a:pPr algn="ctr"/>
+            <a:r>
+              <a:rPr lang="en-US" altLang="zh-CN" sz="1600"/>
+              <a:t>training indicator</a:t>
+            </a:r>
+            <a:endParaRPr lang="en-US" altLang="zh-CN" sz="1600"/>
+          </a:p>
+        </p:txBody>
+      </p:sp>
+      <p:sp>
+        <p:nvSpPr>
+          <p:cNvPr id="12" name="流程图: 过程 11"/>
+          <p:cNvSpPr/>
+          <p:nvPr>
+            <p:custDataLst>
+              <p:tags r:id="rId4"/>
+            </p:custDataLst>
+          </p:nvPr>
+        </p:nvSpPr>
+        <p:spPr>
+          <a:xfrm>
+            <a:off x="7480935" y="3382010"/>
+            <a:ext cx="1527810" cy="522605"/>
+          </a:xfrm>
+          <a:prstGeom prst="flowChartProcess">
+            <a:avLst/>
+          </a:prstGeom>
+          <a:ln>
+            <a:solidFill>
+              <a:schemeClr val="tx1"/>
+            </a:solidFill>
+          </a:ln>
+        </p:spPr>
+        <p:style>
+          <a:lnRef idx="2">
+            <a:schemeClr val="accent6"/>
+          </a:lnRef>
+          <a:fillRef idx="1">
+            <a:schemeClr val="lt1"/>
+          </a:fillRef>
+          <a:effectRef idx="0">
+            <a:schemeClr val="accent6"/>
+          </a:effectRef>
+          <a:fontRef idx="minor">
+            <a:schemeClr val="dk1"/>
+          </a:fontRef>
+        </p:style>
+        <p:txBody>
+          <a:bodyPr rtlCol="0" anchor="ctr"/>
+          <a:p>
+            <a:pPr algn="ctr"/>
+            <a:r>
+              <a:rPr lang="en-US" altLang="zh-CN"/>
+              <a:t>enabled indicator</a:t>
+            </a:r>
+            <a:endParaRPr lang="en-US" altLang="zh-CN"/>
+          </a:p>
+        </p:txBody>
+      </p:sp>
+      <p:sp>
+        <p:nvSpPr>
+          <p:cNvPr id="13" name="右箭头 12"/>
+          <p:cNvSpPr/>
+          <p:nvPr>
+            <p:custDataLst>
+              <p:tags r:id="rId5"/>
+            </p:custDataLst>
+          </p:nvPr>
+        </p:nvSpPr>
+        <p:spPr>
+          <a:xfrm rot="5400000">
+            <a:off x="1934845" y="2589530"/>
+            <a:ext cx="692150" cy="92075"/>
+          </a:xfrm>
+          <a:prstGeom prst="rightArrow">
+            <a:avLst>
+              <a:gd name="adj1" fmla="val 50000"/>
+              <a:gd name="adj2" fmla="val 335323"/>
+            </a:avLst>
+          </a:prstGeom>
+        </p:spPr>
+        <p:style>
+          <a:lnRef idx="2">
+            <a:schemeClr val="accent6"/>
+          </a:lnRef>
+          <a:fillRef idx="1">
+            <a:schemeClr val="lt1"/>
+          </a:fillRef>
+          <a:effectRef idx="0">
+            <a:schemeClr val="accent6"/>
+          </a:effectRef>
+          <a:fontRef idx="minor">
+            <a:schemeClr val="dk1"/>
+          </a:fontRef>
+        </p:style>
+        <p:txBody>
+          <a:bodyPr rtlCol="0" anchor="ctr"/>
+          <a:p>
+            <a:pPr algn="ctr"/>
+            <a:endParaRPr lang="zh-CN" altLang="en-US"/>
+          </a:p>
+        </p:txBody>
+      </p:sp>
+      <p:sp>
+        <p:nvSpPr>
+          <p:cNvPr id="4" name="流程图: 过程 3"/>
+          <p:cNvSpPr/>
+          <p:nvPr>
+            <p:custDataLst>
+              <p:tags r:id="rId6"/>
+            </p:custDataLst>
+          </p:nvPr>
+        </p:nvSpPr>
+        <p:spPr>
+          <a:xfrm>
+            <a:off x="1725295" y="3997325"/>
+            <a:ext cx="1111885" cy="607695"/>
+          </a:xfrm>
+          <a:prstGeom prst="flowChartProcess">
+            <a:avLst/>
+          </a:prstGeom>
+          <a:ln>
+            <a:solidFill>
+              <a:schemeClr val="tx1"/>
+            </a:solidFill>
+          </a:ln>
+        </p:spPr>
+        <p:style>
+          <a:lnRef idx="2">
+            <a:schemeClr val="accent6"/>
+          </a:lnRef>
+          <a:fillRef idx="1">
+            <a:schemeClr val="lt1"/>
+          </a:fillRef>
+          <a:effectRef idx="0">
+            <a:schemeClr val="accent6"/>
+          </a:effectRef>
+          <a:fontRef idx="minor">
+            <a:schemeClr val="dk1"/>
+          </a:fontRef>
+        </p:style>
+        <p:txBody>
+          <a:bodyPr rtlCol="0" anchor="ctr"/>
+          <a:p>
+            <a:pPr algn="ctr"/>
+            <a:r>
+              <a:rPr lang="en-US" altLang="zh-CN"/>
+              <a:t>sub</a:t>
+            </a:r>
+            <a:endParaRPr lang="en-US" altLang="zh-CN"/>
+          </a:p>
+          <a:p>
+            <a:pPr algn="ctr"/>
+            <a:r>
+              <a:rPr lang="en-US" altLang="zh-CN"/>
+              <a:t>region 2</a:t>
+            </a:r>
+            <a:endParaRPr lang="en-US" altLang="zh-CN"/>
+          </a:p>
+        </p:txBody>
+      </p:sp>
+      <p:sp>
+        <p:nvSpPr>
+          <p:cNvPr id="6" name="左大括号 5"/>
+          <p:cNvSpPr/>
+          <p:nvPr/>
+        </p:nvSpPr>
+        <p:spPr>
+          <a:xfrm>
+            <a:off x="3216910" y="3086100"/>
+            <a:ext cx="586105" cy="1073785"/>
+          </a:xfrm>
+          <a:prstGeom prst="leftBrace">
+            <a:avLst/>
+          </a:prstGeom>
+        </p:spPr>
+        <p:style>
+          <a:lnRef idx="3">
+            <a:schemeClr val="accent1"/>
+          </a:lnRef>
+          <a:fillRef idx="0">
+            <a:schemeClr val="accent1"/>
+          </a:fillRef>
+          <a:effectRef idx="2">
+            <a:schemeClr val="accent1"/>
+          </a:effectRef>
+          <a:fontRef idx="minor">
+            <a:schemeClr val="tx1"/>
+          </a:fontRef>
+        </p:style>
+        <p:txBody>
+          <a:bodyPr rtlCol="0" anchor="ctr"/>
+          <a:p>
+            <a:pPr algn="ctr"/>
+            <a:endParaRPr lang="zh-CN" altLang="en-US"/>
+          </a:p>
+        </p:txBody>
+      </p:sp>
+      <p:sp>
+        <p:nvSpPr>
+          <p:cNvPr id="14" name="文本框 13"/>
+          <p:cNvSpPr txBox="1"/>
+          <p:nvPr/>
+        </p:nvSpPr>
+        <p:spPr>
+          <a:xfrm>
+            <a:off x="3901440" y="3162300"/>
+            <a:ext cx="1759585" cy="645160"/>
+          </a:xfrm>
+          <a:prstGeom prst="rect">
+            <a:avLst/>
+          </a:prstGeom>
+          <a:noFill/>
+        </p:spPr>
+        <p:txBody>
+          <a:bodyPr wrap="square" rtlCol="0">
+            <a:spAutoFit/>
+          </a:bodyPr>
+          <a:p>
+            <a:endParaRPr lang="en-US" altLang="zh-CN"/>
+          </a:p>
+          <a:p>
+            <a:r>
+              <a:rPr lang="en-US" altLang="zh-CN"/>
+              <a:t>which property</a:t>
+            </a:r>
+            <a:endParaRPr lang="en-US" altLang="zh-CN"/>
+          </a:p>
+        </p:txBody>
+      </p:sp>
+      <p:sp>
+        <p:nvSpPr>
+          <p:cNvPr id="15" name="左大括号 14"/>
+          <p:cNvSpPr/>
+          <p:nvPr/>
+        </p:nvSpPr>
+        <p:spPr>
+          <a:xfrm>
+            <a:off x="9371330" y="3105785"/>
+            <a:ext cx="586105" cy="1073785"/>
+          </a:xfrm>
+          <a:prstGeom prst="leftBrace">
+            <a:avLst/>
+          </a:prstGeom>
+        </p:spPr>
+        <p:style>
+          <a:lnRef idx="3">
+            <a:schemeClr val="accent1"/>
+          </a:lnRef>
+          <a:fillRef idx="0">
+            <a:schemeClr val="accent1"/>
+          </a:fillRef>
+          <a:effectRef idx="2">
+            <a:schemeClr val="accent1"/>
+          </a:effectRef>
+          <a:fontRef idx="minor">
+            <a:schemeClr val="tx1"/>
+          </a:fontRef>
+        </p:style>
+        <p:txBody>
+          <a:bodyPr rtlCol="0" anchor="ctr"/>
+          <a:p>
+            <a:pPr algn="ctr"/>
+            <a:endParaRPr lang="zh-CN" altLang="en-US"/>
+          </a:p>
+        </p:txBody>
+      </p:sp>
+      <p:sp>
+        <p:nvSpPr>
+          <p:cNvPr id="16" name="文本框 15"/>
+          <p:cNvSpPr txBox="1"/>
+          <p:nvPr/>
+        </p:nvSpPr>
+        <p:spPr>
+          <a:xfrm>
+            <a:off x="10026650" y="3182620"/>
+            <a:ext cx="1759585" cy="922020"/>
+          </a:xfrm>
+          <a:prstGeom prst="rect">
+            <a:avLst/>
+          </a:prstGeom>
+          <a:noFill/>
+        </p:spPr>
+        <p:txBody>
+          <a:bodyPr wrap="square" rtlCol="0">
+            <a:spAutoFit/>
+          </a:bodyPr>
+          <a:p>
+            <a:r>
+              <a:rPr lang="en-US" altLang="zh-CN"/>
+              <a:t>the input region</a:t>
+            </a:r>
+            <a:endParaRPr lang="en-US" altLang="zh-CN"/>
+          </a:p>
+          <a:p>
+            <a:r>
+              <a:rPr lang="en-US" altLang="zh-CN"/>
+              <a:t>belongs to </a:t>
+            </a:r>
+            <a:r>
+              <a:rPr lang="en-US" altLang="zh-CN">
+                <a:sym typeface="+mn-ea"/>
+              </a:rPr>
+              <a:t>which property</a:t>
+            </a:r>
+            <a:endParaRPr lang="en-US" altLang="zh-CN"/>
+          </a:p>
+        </p:txBody>
+      </p:sp>
+      <p:sp>
+        <p:nvSpPr>
+          <p:cNvPr id="17" name="右箭头 16"/>
+          <p:cNvSpPr/>
+          <p:nvPr>
+            <p:custDataLst>
+              <p:tags r:id="rId7"/>
+            </p:custDataLst>
+          </p:nvPr>
+        </p:nvSpPr>
+        <p:spPr>
+          <a:xfrm rot="16200000">
+            <a:off x="7918450" y="2914015"/>
+            <a:ext cx="652145" cy="90805"/>
+          </a:xfrm>
+          <a:prstGeom prst="rightArrow">
+            <a:avLst>
+              <a:gd name="adj1" fmla="val 50000"/>
+              <a:gd name="adj2" fmla="val 335323"/>
+            </a:avLst>
+          </a:prstGeom>
+        </p:spPr>
+        <p:style>
+          <a:lnRef idx="2">
+            <a:schemeClr val="accent6"/>
+          </a:lnRef>
+          <a:fillRef idx="1">
+            <a:schemeClr val="lt1"/>
+          </a:fillRef>
+          <a:effectRef idx="0">
+            <a:schemeClr val="accent6"/>
+          </a:effectRef>
+          <a:fontRef idx="minor">
+            <a:schemeClr val="dk1"/>
+          </a:fontRef>
+        </p:style>
+        <p:txBody>
+          <a:bodyPr rtlCol="0" anchor="ctr"/>
+          <a:p>
+            <a:pPr algn="ctr"/>
+            <a:endParaRPr lang="zh-CN" altLang="en-US"/>
+          </a:p>
+        </p:txBody>
+      </p:sp>
+      <p:sp>
+        <p:nvSpPr>
+          <p:cNvPr id="18" name="文本框 17"/>
+          <p:cNvSpPr txBox="1"/>
+          <p:nvPr>
+            <p:custDataLst>
+              <p:tags r:id="rId8"/>
+            </p:custDataLst>
+          </p:nvPr>
+        </p:nvSpPr>
+        <p:spPr>
+          <a:xfrm>
+            <a:off x="8392160" y="2696845"/>
+            <a:ext cx="1342390" cy="465455"/>
+          </a:xfrm>
+          <a:prstGeom prst="rect">
+            <a:avLst/>
+          </a:prstGeom>
+          <a:noFill/>
+        </p:spPr>
+        <p:txBody>
+          <a:bodyPr wrap="square" rtlCol="0">
+            <a:noAutofit/>
+          </a:bodyPr>
+          <a:p>
+            <a:pPr algn="ctr"/>
+            <a:r>
+              <a:rPr lang="en-US" altLang="zh-CN" sz="1200"/>
+              <a:t>combine with patch</a:t>
+            </a:r>
+            <a:r>
+              <a:rPr lang="en-US" altLang="zh-CN" sz="1200"/>
+              <a:t> and NN</a:t>
+            </a:r>
+            <a:endParaRPr lang="en-US" altLang="zh-CN" sz="1200"/>
+          </a:p>
+        </p:txBody>
+      </p:sp>
+      <p:pic>
+        <p:nvPicPr>
+          <p:cNvPr id="19" name="图片 18"/>
+          <p:cNvPicPr>
+            <a:picLocks noChangeAspect="1"/>
+          </p:cNvPicPr>
+          <p:nvPr/>
+        </p:nvPicPr>
+        <p:blipFill>
+          <a:blip r:embed="rId9"/>
+          <a:stretch>
+            <a:fillRect/>
+          </a:stretch>
+        </p:blipFill>
+        <p:spPr>
+          <a:xfrm>
+            <a:off x="1751965" y="4749800"/>
+            <a:ext cx="9618980" cy="1266825"/>
+          </a:xfrm>
+          <a:prstGeom prst="rect">
+            <a:avLst/>
+          </a:prstGeom>
+        </p:spPr>
+      </p:pic>
+      <p:sp>
+        <p:nvSpPr>
+          <p:cNvPr id="20" name="流程图: 过程 19"/>
+          <p:cNvSpPr/>
+          <p:nvPr>
+            <p:custDataLst>
+              <p:tags r:id="rId10"/>
+            </p:custDataLst>
+          </p:nvPr>
+        </p:nvSpPr>
+        <p:spPr>
+          <a:xfrm>
+            <a:off x="7480300" y="2014220"/>
+            <a:ext cx="1527810" cy="522605"/>
+          </a:xfrm>
+          <a:prstGeom prst="flowChartProcess">
+            <a:avLst/>
+          </a:prstGeom>
+          <a:ln>
+            <a:solidFill>
+              <a:schemeClr val="tx1"/>
+            </a:solidFill>
+          </a:ln>
+        </p:spPr>
+        <p:style>
+          <a:lnRef idx="2">
+            <a:schemeClr val="accent6"/>
+          </a:lnRef>
+          <a:fillRef idx="1">
+            <a:schemeClr val="lt1"/>
+          </a:fillRef>
+          <a:effectRef idx="0">
+            <a:schemeClr val="accent6"/>
+          </a:effectRef>
+          <a:fontRef idx="minor">
+            <a:schemeClr val="dk1"/>
+          </a:fontRef>
+        </p:style>
+        <p:txBody>
+          <a:bodyPr rtlCol="0" anchor="ctr"/>
+          <a:p>
+            <a:pPr algn="ctr"/>
+            <a:r>
+              <a:rPr lang="en-US" altLang="zh-CN">
+                <a:solidFill>
+                  <a:schemeClr val="accent1"/>
+                </a:solidFill>
+                <a:effectLst>
+                  <a:outerShdw blurRad="38100" dist="25400" dir="5400000" algn="ctr" rotWithShape="0">
+                    <a:srgbClr val="6E747A">
+                      <a:alpha val="43000"/>
+                    </a:srgbClr>
+                  </a:outerShdw>
+                </a:effectLst>
+              </a:rPr>
+              <a:t>repaired NN’</a:t>
+            </a:r>
+            <a:endParaRPr lang="en-US" altLang="zh-CN">
+              <a:solidFill>
+                <a:schemeClr val="accent1"/>
+              </a:solidFill>
+              <a:effectLst>
+                <a:outerShdw blurRad="38100" dist="25400" dir="5400000" algn="ctr" rotWithShape="0">
+                  <a:srgbClr val="6E747A">
+                    <a:alpha val="43000"/>
+                  </a:srgbClr>
+                </a:outerShdw>
+              </a:effectLst>
+            </a:endParaRPr>
+          </a:p>
+        </p:txBody>
+      </p:sp>
+    </p:spTree>
+  </p:cSld>
+  <p:clrMapOvr>
+    <a:masterClrMapping/>
+  </p:clrMapOvr>
+</p:sld>
+</file>
+
+<file path=ppt/slides/slide14.xml><?xml version="1.0" encoding="utf-8"?>
 <p:sld xmlns:a="http://schemas.openxmlformats.org/drawingml/2006/main" xmlns:r="http://schemas.openxmlformats.org/officeDocument/2006/relationships" xmlns:p="http://schemas.openxmlformats.org/presentationml/2006/main">
   <p:cSld>
     <p:bg>
@@ -11787,7 +11642,7 @@
 
 <file path=ppt/tags/tag10.xml><?xml version="1.0" encoding="utf-8"?>
 <p:tagLst xmlns:p="http://schemas.openxmlformats.org/presentationml/2006/main">
-  <p:tag name="KSO_WM_BEAUTIFY_FLAG" val=""/>
+  <p:tag name="KSO_WM_UNIT_TABLE_BEAUTIFY" val="smartTable{78d83743-3def-4133-908e-2525dfca33e6}"/>
 </p:tagLst>
 </file>
 
@@ -11835,13 +11690,13 @@
 
 <file path=ppt/tags/tag18.xml><?xml version="1.0" encoding="utf-8"?>
 <p:tagLst xmlns:p="http://schemas.openxmlformats.org/presentationml/2006/main">
-  <p:tag name="KSO_WM_UNIT_TABLE_BEAUTIFY" val="smartTable{2d3aae49-591d-455a-ba04-05c9138e3332}"/>
+  <p:tag name="KSO_WM_BEAUTIFY_FLAG" val=""/>
 </p:tagLst>
 </file>
 
 <file path=ppt/tags/tag19.xml><?xml version="1.0" encoding="utf-8"?>
 <p:tagLst xmlns:p="http://schemas.openxmlformats.org/presentationml/2006/main">
-  <p:tag name="KSO_WM_UNIT_TABLE_BEAUTIFY" val="smartTable{78d83743-3def-4133-908e-2525dfca33e6}"/>
+  <p:tag name="KSO_WM_BEAUTIFY_FLAG" val=""/>
 </p:tagLst>
 </file>
 
@@ -11896,7 +11751,7 @@
 
 <file path=ppt/tags/tag9.xml><?xml version="1.0" encoding="utf-8"?>
 <p:tagLst xmlns:p="http://schemas.openxmlformats.org/presentationml/2006/main">
-  <p:tag name="KSO_WM_BEAUTIFY_FLAG" val=""/>
+  <p:tag name="KSO_WM_UNIT_TABLE_BEAUTIFY" val="smartTable{2d3aae49-591d-455a-ba04-05c9138e3332}"/>
 </p:tagLst>
 </file>
 

--- a/神经网络修复工作进展.pptx
+++ b/神经网络修复工作进展.pptx
@@ -6699,7 +6699,7 @@
         </p:nvSpPr>
         <p:spPr>
           <a:xfrm>
-            <a:off x="1520190" y="1686560"/>
+            <a:off x="1460500" y="3284855"/>
             <a:ext cx="1527810" cy="522605"/>
           </a:xfrm>
           <a:prstGeom prst="flowChartProcess">
@@ -6744,6 +6744,21 @@
               </a:rPr>
               <a:t>input region</a:t>
             </a:r>
+            <a:r>
+              <a:rPr lang="en-US" altLang="zh-CN">
+                <a:solidFill>
+                  <a:srgbClr val="FF0000"/>
+                </a:solidFill>
+                <a:effectLst>
+                  <a:outerShdw blurRad="38100" dist="19050" dir="2700000" algn="tl" rotWithShape="0">
+                    <a:schemeClr val="dk1">
+                      <a:alpha val="40000"/>
+                    </a:schemeClr>
+                  </a:outerShdw>
+                </a:effectLst>
+              </a:rPr>
+              <a:t>s</a:t>
+            </a:r>
             <a:endParaRPr lang="en-US" altLang="zh-CN">
               <a:solidFill>
                 <a:srgbClr val="FF0000"/>
@@ -6767,7 +6782,7 @@
         </p:nvSpPr>
         <p:spPr>
           <a:xfrm>
-            <a:off x="2161540" y="2430780"/>
+            <a:off x="3014980" y="2014220"/>
             <a:ext cx="886460" cy="306705"/>
           </a:xfrm>
           <a:prstGeom prst="rect">
@@ -6801,7 +6816,7 @@
         </p:nvSpPr>
         <p:spPr>
           <a:xfrm>
-            <a:off x="1725295" y="3086100"/>
+            <a:off x="4762500" y="1595755"/>
             <a:ext cx="1111885" cy="624205"/>
           </a:xfrm>
           <a:prstGeom prst="flowChartProcess">
@@ -6982,9 +6997,9 @@
           </p:nvPr>
         </p:nvSpPr>
         <p:spPr>
-          <a:xfrm rot="5400000">
-            <a:off x="1934845" y="2589530"/>
-            <a:ext cx="692150" cy="92075"/>
+          <a:xfrm rot="20100000">
+            <a:off x="2905125" y="2454910"/>
+            <a:ext cx="1710055" cy="187960"/>
           </a:xfrm>
           <a:prstGeom prst="rightArrow">
             <a:avLst>
@@ -7027,7 +7042,7 @@
         </p:nvSpPr>
         <p:spPr>
           <a:xfrm>
-            <a:off x="1725295" y="3997325"/>
+            <a:off x="4762500" y="2336165"/>
             <a:ext cx="1111885" cy="607695"/>
           </a:xfrm>
           <a:prstGeom prst="flowChartProcess">
@@ -7396,6 +7411,84 @@
                 </a:outerShdw>
               </a:effectLst>
             </a:endParaRPr>
+          </a:p>
+        </p:txBody>
+      </p:sp>
+      <p:sp>
+        <p:nvSpPr>
+          <p:cNvPr id="2" name="右箭头 1"/>
+          <p:cNvSpPr/>
+          <p:nvPr>
+            <p:custDataLst>
+              <p:tags r:id="rId11"/>
+            </p:custDataLst>
+          </p:nvPr>
+        </p:nvSpPr>
+        <p:spPr>
+          <a:xfrm>
+            <a:off x="6061710" y="2193290"/>
+            <a:ext cx="1231900" cy="127635"/>
+          </a:xfrm>
+          <a:prstGeom prst="rightArrow">
+            <a:avLst>
+              <a:gd name="adj1" fmla="val 50000"/>
+              <a:gd name="adj2" fmla="val 335323"/>
+            </a:avLst>
+          </a:prstGeom>
+        </p:spPr>
+        <p:style>
+          <a:lnRef idx="2">
+            <a:schemeClr val="accent6"/>
+          </a:lnRef>
+          <a:fillRef idx="1">
+            <a:schemeClr val="lt1"/>
+          </a:fillRef>
+          <a:effectRef idx="0">
+            <a:schemeClr val="accent6"/>
+          </a:effectRef>
+          <a:fontRef idx="minor">
+            <a:schemeClr val="dk1"/>
+          </a:fontRef>
+        </p:style>
+        <p:txBody>
+          <a:bodyPr rtlCol="0" anchor="ctr"/>
+          <a:p>
+            <a:pPr algn="ctr"/>
+            <a:endParaRPr lang="zh-CN" altLang="en-US"/>
+          </a:p>
+        </p:txBody>
+      </p:sp>
+      <p:sp>
+        <p:nvSpPr>
+          <p:cNvPr id="11" name="文本框 10"/>
+          <p:cNvSpPr txBox="1"/>
+          <p:nvPr>
+            <p:custDataLst>
+              <p:tags r:id="rId12"/>
+            </p:custDataLst>
+          </p:nvPr>
+        </p:nvSpPr>
+        <p:spPr>
+          <a:xfrm>
+            <a:off x="6005195" y="1675130"/>
+            <a:ext cx="1112520" cy="465455"/>
+          </a:xfrm>
+          <a:prstGeom prst="rect">
+            <a:avLst/>
+          </a:prstGeom>
+          <a:noFill/>
+        </p:spPr>
+        <p:txBody>
+          <a:bodyPr wrap="square" rtlCol="0">
+            <a:noAutofit/>
+          </a:bodyPr>
+          <a:p>
+            <a:pPr algn="ctr"/>
+            <a:r>
+              <a:rPr lang="en-US" altLang="zh-CN" sz="1600"/>
+              <a:t>training </a:t>
+            </a:r>
+            <a:endParaRPr lang="en-US" altLang="zh-CN" sz="1600"/>
           </a:p>
         </p:txBody>
       </p:sp>
@@ -11707,6 +11800,18 @@
 </file>
 
 <file path=ppt/tags/tag20.xml><?xml version="1.0" encoding="utf-8"?>
+<p:tagLst xmlns:p="http://schemas.openxmlformats.org/presentationml/2006/main">
+  <p:tag name="KSO_WM_BEAUTIFY_FLAG" val=""/>
+</p:tagLst>
+</file>
+
+<file path=ppt/tags/tag21.xml><?xml version="1.0" encoding="utf-8"?>
+<p:tagLst xmlns:p="http://schemas.openxmlformats.org/presentationml/2006/main">
+  <p:tag name="KSO_WM_BEAUTIFY_FLAG" val=""/>
+</p:tagLst>
+</file>
+
+<file path=ppt/tags/tag22.xml><?xml version="1.0" encoding="utf-8"?>
 <p:tagLst xmlns:p="http://schemas.openxmlformats.org/presentationml/2006/main">
   <p:tag name="KSO_WPP_MARK_KEY" val="c0f8c1c7-ef60-4d72-9b76-f7734bae5e8a"/>
   <p:tag name="COMMONDATA" val="eyJoZGlkIjoiNWRiN2EzOTIwNTFkMWRjYjlhM2M2MjEwMTAzOTAyMTAifQ=="/>
